--- a/presentation.pptx
+++ b/presentation.pptx
@@ -5,7 +5,7 @@
     <p:sldMasterId id="2147483648" r:id="rId1"/>
   </p:sldMasterIdLst>
   <p:notesMasterIdLst>
-    <p:notesMasterId r:id="rId32"/>
+    <p:notesMasterId r:id="rId34"/>
   </p:notesMasterIdLst>
   <p:sldIdLst>
     <p:sldId id="256" r:id="rId2"/>
@@ -38,6 +38,8 @@
     <p:sldId id="297" r:id="rId29"/>
     <p:sldId id="311" r:id="rId30"/>
     <p:sldId id="271" r:id="rId31"/>
+    <p:sldId id="338" r:id="rId32"/>
+    <p:sldId id="339" r:id="rId33"/>
   </p:sldIdLst>
   <p:sldSz cx="12192000" cy="6858000"/>
   <p:notesSz cx="6858000" cy="9144000"/>
@@ -226,7 +228,7 @@
           <a:p>
             <a:fld id="{83A22A6C-5021-4D40-B00D-735D955C51F8}" type="datetimeFigureOut">
               <a:rPr lang="en-SG" smtClean="0"/>
-              <a:t>21/3/2018</a:t>
+              <a:t>1/4/2018</a:t>
             </a:fld>
             <a:endParaRPr lang="en-SG"/>
           </a:p>
@@ -1987,7 +1989,7 @@
           <a:p>
             <a:fld id="{06D86B1F-56CA-451C-A5CB-E8D6FB0D1CC2}" type="datetimeFigureOut">
               <a:rPr lang="en-SG" smtClean="0"/>
-              <a:t>21/3/2018</a:t>
+              <a:t>1/4/2018</a:t>
             </a:fld>
             <a:endParaRPr lang="en-SG"/>
           </a:p>
@@ -2187,7 +2189,7 @@
           <a:p>
             <a:fld id="{06D86B1F-56CA-451C-A5CB-E8D6FB0D1CC2}" type="datetimeFigureOut">
               <a:rPr lang="en-SG" smtClean="0"/>
-              <a:t>21/3/2018</a:t>
+              <a:t>1/4/2018</a:t>
             </a:fld>
             <a:endParaRPr lang="en-SG"/>
           </a:p>
@@ -2397,7 +2399,7 @@
           <a:p>
             <a:fld id="{06D86B1F-56CA-451C-A5CB-E8D6FB0D1CC2}" type="datetimeFigureOut">
               <a:rPr lang="en-SG" smtClean="0"/>
-              <a:t>21/3/2018</a:t>
+              <a:t>1/4/2018</a:t>
             </a:fld>
             <a:endParaRPr lang="en-SG"/>
           </a:p>
@@ -2597,7 +2599,7 @@
           <a:p>
             <a:fld id="{06D86B1F-56CA-451C-A5CB-E8D6FB0D1CC2}" type="datetimeFigureOut">
               <a:rPr lang="en-SG" smtClean="0"/>
-              <a:t>21/3/2018</a:t>
+              <a:t>1/4/2018</a:t>
             </a:fld>
             <a:endParaRPr lang="en-SG"/>
           </a:p>
@@ -2873,7 +2875,7 @@
           <a:p>
             <a:fld id="{06D86B1F-56CA-451C-A5CB-E8D6FB0D1CC2}" type="datetimeFigureOut">
               <a:rPr lang="en-SG" smtClean="0"/>
-              <a:t>21/3/2018</a:t>
+              <a:t>1/4/2018</a:t>
             </a:fld>
             <a:endParaRPr lang="en-SG"/>
           </a:p>
@@ -3141,7 +3143,7 @@
           <a:p>
             <a:fld id="{06D86B1F-56CA-451C-A5CB-E8D6FB0D1CC2}" type="datetimeFigureOut">
               <a:rPr lang="en-SG" smtClean="0"/>
-              <a:t>21/3/2018</a:t>
+              <a:t>1/4/2018</a:t>
             </a:fld>
             <a:endParaRPr lang="en-SG"/>
           </a:p>
@@ -3556,7 +3558,7 @@
           <a:p>
             <a:fld id="{06D86B1F-56CA-451C-A5CB-E8D6FB0D1CC2}" type="datetimeFigureOut">
               <a:rPr lang="en-SG" smtClean="0"/>
-              <a:t>21/3/2018</a:t>
+              <a:t>1/4/2018</a:t>
             </a:fld>
             <a:endParaRPr lang="en-SG"/>
           </a:p>
@@ -3698,7 +3700,7 @@
           <a:p>
             <a:fld id="{06D86B1F-56CA-451C-A5CB-E8D6FB0D1CC2}" type="datetimeFigureOut">
               <a:rPr lang="en-SG" smtClean="0"/>
-              <a:t>21/3/2018</a:t>
+              <a:t>1/4/2018</a:t>
             </a:fld>
             <a:endParaRPr lang="en-SG"/>
           </a:p>
@@ -3811,7 +3813,7 @@
           <a:p>
             <a:fld id="{06D86B1F-56CA-451C-A5CB-E8D6FB0D1CC2}" type="datetimeFigureOut">
               <a:rPr lang="en-SG" smtClean="0"/>
-              <a:t>21/3/2018</a:t>
+              <a:t>1/4/2018</a:t>
             </a:fld>
             <a:endParaRPr lang="en-SG"/>
           </a:p>
@@ -4124,7 +4126,7 @@
           <a:p>
             <a:fld id="{06D86B1F-56CA-451C-A5CB-E8D6FB0D1CC2}" type="datetimeFigureOut">
               <a:rPr lang="en-SG" smtClean="0"/>
-              <a:t>21/3/2018</a:t>
+              <a:t>1/4/2018</a:t>
             </a:fld>
             <a:endParaRPr lang="en-SG"/>
           </a:p>
@@ -4413,7 +4415,7 @@
           <a:p>
             <a:fld id="{06D86B1F-56CA-451C-A5CB-E8D6FB0D1CC2}" type="datetimeFigureOut">
               <a:rPr lang="en-SG" smtClean="0"/>
-              <a:t>21/3/2018</a:t>
+              <a:t>1/4/2018</a:t>
             </a:fld>
             <a:endParaRPr lang="en-SG"/>
           </a:p>
@@ -4656,7 +4658,7 @@
           <a:p>
             <a:fld id="{06D86B1F-56CA-451C-A5CB-E8D6FB0D1CC2}" type="datetimeFigureOut">
               <a:rPr lang="en-SG" smtClean="0"/>
-              <a:t>21/3/2018</a:t>
+              <a:t>1/4/2018</a:t>
             </a:fld>
             <a:endParaRPr lang="en-SG"/>
           </a:p>
@@ -13396,6 +13398,2707 @@
 </p:sld>
 </file>
 
+<file path=ppt/slides/slide31.xml><?xml version="1.0" encoding="utf-8"?>
+<p:sld xmlns:a="http://schemas.openxmlformats.org/drawingml/2006/main" xmlns:r="http://schemas.openxmlformats.org/officeDocument/2006/relationships" xmlns:p="http://schemas.openxmlformats.org/presentationml/2006/main">
+  <p:cSld>
+    <p:spTree>
+      <p:nvGrpSpPr>
+        <p:cNvPr id="1" name=""/>
+        <p:cNvGrpSpPr/>
+        <p:nvPr/>
+      </p:nvGrpSpPr>
+      <p:grpSpPr>
+        <a:xfrm>
+          <a:off x="0" y="0"/>
+          <a:ext cx="0" cy="0"/>
+          <a:chOff x="0" y="0"/>
+          <a:chExt cx="0" cy="0"/>
+        </a:xfrm>
+      </p:grpSpPr>
+      <p:cxnSp>
+        <p:nvCxnSpPr>
+          <p:cNvPr id="7" name="Straight Connector 6">
+            <a:extLst>
+              <a:ext uri="{FF2B5EF4-FFF2-40B4-BE49-F238E27FC236}">
+                <a16:creationId xmlns:a16="http://schemas.microsoft.com/office/drawing/2014/main" id="{D2366A9D-1F3E-449B-89CD-B91609A8BE09}"/>
+              </a:ext>
+            </a:extLst>
+          </p:cNvPr>
+          <p:cNvCxnSpPr>
+            <a:cxnSpLocks/>
+          </p:cNvCxnSpPr>
+          <p:nvPr/>
+        </p:nvCxnSpPr>
+        <p:spPr>
+          <a:xfrm flipV="1">
+            <a:off x="1536526" y="3745283"/>
+            <a:ext cx="8849638" cy="18788"/>
+          </a:xfrm>
+          <a:prstGeom prst="line">
+            <a:avLst/>
+          </a:prstGeom>
+          <a:ln w="19050"/>
+        </p:spPr>
+        <p:style>
+          <a:lnRef idx="1">
+            <a:schemeClr val="dk1"/>
+          </a:lnRef>
+          <a:fillRef idx="0">
+            <a:schemeClr val="dk1"/>
+          </a:fillRef>
+          <a:effectRef idx="0">
+            <a:schemeClr val="dk1"/>
+          </a:effectRef>
+          <a:fontRef idx="minor">
+            <a:schemeClr val="tx1"/>
+          </a:fontRef>
+        </p:style>
+      </p:cxnSp>
+      <p:cxnSp>
+        <p:nvCxnSpPr>
+          <p:cNvPr id="10" name="Straight Connector 9">
+            <a:extLst>
+              <a:ext uri="{FF2B5EF4-FFF2-40B4-BE49-F238E27FC236}">
+                <a16:creationId xmlns:a16="http://schemas.microsoft.com/office/drawing/2014/main" id="{240B1291-14E5-47E4-80F3-0FD05D1F8B85}"/>
+              </a:ext>
+            </a:extLst>
+          </p:cNvPr>
+          <p:cNvCxnSpPr>
+            <a:cxnSpLocks/>
+          </p:cNvCxnSpPr>
+          <p:nvPr/>
+        </p:nvCxnSpPr>
+        <p:spPr>
+          <a:xfrm flipV="1">
+            <a:off x="1536526" y="2242160"/>
+            <a:ext cx="4559473" cy="1521911"/>
+          </a:xfrm>
+          <a:prstGeom prst="line">
+            <a:avLst/>
+          </a:prstGeom>
+          <a:ln w="19050"/>
+        </p:spPr>
+        <p:style>
+          <a:lnRef idx="1">
+            <a:schemeClr val="dk1"/>
+          </a:lnRef>
+          <a:fillRef idx="0">
+            <a:schemeClr val="dk1"/>
+          </a:fillRef>
+          <a:effectRef idx="0">
+            <a:schemeClr val="dk1"/>
+          </a:effectRef>
+          <a:fontRef idx="minor">
+            <a:schemeClr val="tx1"/>
+          </a:fontRef>
+        </p:style>
+      </p:cxnSp>
+      <p:cxnSp>
+        <p:nvCxnSpPr>
+          <p:cNvPr id="12" name="Straight Connector 11">
+            <a:extLst>
+              <a:ext uri="{FF2B5EF4-FFF2-40B4-BE49-F238E27FC236}">
+                <a16:creationId xmlns:a16="http://schemas.microsoft.com/office/drawing/2014/main" id="{9F46C067-B3A2-47CA-8DD5-F3CCC4F948E3}"/>
+              </a:ext>
+            </a:extLst>
+          </p:cNvPr>
+          <p:cNvCxnSpPr>
+            <a:cxnSpLocks/>
+          </p:cNvCxnSpPr>
+          <p:nvPr/>
+        </p:nvCxnSpPr>
+        <p:spPr>
+          <a:xfrm>
+            <a:off x="6096000" y="2242159"/>
+            <a:ext cx="4290164" cy="1941534"/>
+          </a:xfrm>
+          <a:prstGeom prst="line">
+            <a:avLst/>
+          </a:prstGeom>
+          <a:ln w="19050"/>
+        </p:spPr>
+        <p:style>
+          <a:lnRef idx="1">
+            <a:schemeClr val="dk1"/>
+          </a:lnRef>
+          <a:fillRef idx="0">
+            <a:schemeClr val="dk1"/>
+          </a:fillRef>
+          <a:effectRef idx="0">
+            <a:schemeClr val="dk1"/>
+          </a:effectRef>
+          <a:fontRef idx="minor">
+            <a:schemeClr val="tx1"/>
+          </a:fontRef>
+        </p:style>
+      </p:cxnSp>
+      <p:cxnSp>
+        <p:nvCxnSpPr>
+          <p:cNvPr id="16" name="Straight Connector 15">
+            <a:extLst>
+              <a:ext uri="{FF2B5EF4-FFF2-40B4-BE49-F238E27FC236}">
+                <a16:creationId xmlns:a16="http://schemas.microsoft.com/office/drawing/2014/main" id="{EF9FB068-5634-41F2-983E-38C603B254C1}"/>
+              </a:ext>
+            </a:extLst>
+          </p:cNvPr>
+          <p:cNvCxnSpPr/>
+          <p:nvPr/>
+        </p:nvCxnSpPr>
+        <p:spPr>
+          <a:xfrm>
+            <a:off x="6096000" y="2242159"/>
+            <a:ext cx="0" cy="1503123"/>
+          </a:xfrm>
+          <a:prstGeom prst="line">
+            <a:avLst/>
+          </a:prstGeom>
+          <a:ln w="19050">
+            <a:prstDash val="dash"/>
+          </a:ln>
+        </p:spPr>
+        <p:style>
+          <a:lnRef idx="1">
+            <a:schemeClr val="dk1"/>
+          </a:lnRef>
+          <a:fillRef idx="0">
+            <a:schemeClr val="dk1"/>
+          </a:fillRef>
+          <a:effectRef idx="0">
+            <a:schemeClr val="dk1"/>
+          </a:effectRef>
+          <a:fontRef idx="minor">
+            <a:schemeClr val="tx1"/>
+          </a:fontRef>
+        </p:style>
+      </p:cxnSp>
+      <p:cxnSp>
+        <p:nvCxnSpPr>
+          <p:cNvPr id="19" name="Straight Connector 18">
+            <a:extLst>
+              <a:ext uri="{FF2B5EF4-FFF2-40B4-BE49-F238E27FC236}">
+                <a16:creationId xmlns:a16="http://schemas.microsoft.com/office/drawing/2014/main" id="{06D342E6-9F64-4DBC-A968-BD462E626F1A}"/>
+              </a:ext>
+            </a:extLst>
+          </p:cNvPr>
+          <p:cNvCxnSpPr>
+            <a:cxnSpLocks/>
+          </p:cNvCxnSpPr>
+          <p:nvPr/>
+        </p:nvCxnSpPr>
+        <p:spPr>
+          <a:xfrm flipV="1">
+            <a:off x="6095999" y="739036"/>
+            <a:ext cx="4490580" cy="1503123"/>
+          </a:xfrm>
+          <a:prstGeom prst="line">
+            <a:avLst/>
+          </a:prstGeom>
+          <a:ln w="19050">
+            <a:prstDash val="dash"/>
+          </a:ln>
+        </p:spPr>
+        <p:style>
+          <a:lnRef idx="1">
+            <a:schemeClr val="dk1"/>
+          </a:lnRef>
+          <a:fillRef idx="0">
+            <a:schemeClr val="dk1"/>
+          </a:fillRef>
+          <a:effectRef idx="0">
+            <a:schemeClr val="dk1"/>
+          </a:effectRef>
+          <a:fontRef idx="minor">
+            <a:schemeClr val="tx1"/>
+          </a:fontRef>
+        </p:style>
+      </p:cxnSp>
+      <p:cxnSp>
+        <p:nvCxnSpPr>
+          <p:cNvPr id="21" name="Straight Connector 20">
+            <a:extLst>
+              <a:ext uri="{FF2B5EF4-FFF2-40B4-BE49-F238E27FC236}">
+                <a16:creationId xmlns:a16="http://schemas.microsoft.com/office/drawing/2014/main" id="{A3E0A1B8-84BC-469F-AA53-37D22AA5E316}"/>
+              </a:ext>
+            </a:extLst>
+          </p:cNvPr>
+          <p:cNvCxnSpPr>
+            <a:cxnSpLocks/>
+          </p:cNvCxnSpPr>
+          <p:nvPr/>
+        </p:nvCxnSpPr>
+        <p:spPr>
+          <a:xfrm>
+            <a:off x="9423748" y="1096027"/>
+            <a:ext cx="0" cy="2649254"/>
+          </a:xfrm>
+          <a:prstGeom prst="line">
+            <a:avLst/>
+          </a:prstGeom>
+          <a:ln w="19050">
+            <a:prstDash val="dash"/>
+          </a:ln>
+        </p:spPr>
+        <p:style>
+          <a:lnRef idx="1">
+            <a:schemeClr val="dk1"/>
+          </a:lnRef>
+          <a:fillRef idx="0">
+            <a:schemeClr val="dk1"/>
+          </a:fillRef>
+          <a:effectRef idx="0">
+            <a:schemeClr val="dk1"/>
+          </a:effectRef>
+          <a:fontRef idx="minor">
+            <a:schemeClr val="tx1"/>
+          </a:fontRef>
+        </p:style>
+      </p:cxnSp>
+      <p:cxnSp>
+        <p:nvCxnSpPr>
+          <p:cNvPr id="24" name="Straight Arrow Connector 23">
+            <a:extLst>
+              <a:ext uri="{FF2B5EF4-FFF2-40B4-BE49-F238E27FC236}">
+                <a16:creationId xmlns:a16="http://schemas.microsoft.com/office/drawing/2014/main" id="{B588C122-EFF1-448E-8420-418D91052F01}"/>
+              </a:ext>
+            </a:extLst>
+          </p:cNvPr>
+          <p:cNvCxnSpPr>
+            <a:cxnSpLocks/>
+          </p:cNvCxnSpPr>
+          <p:nvPr/>
+        </p:nvCxnSpPr>
+        <p:spPr>
+          <a:xfrm>
+            <a:off x="1536526" y="4265112"/>
+            <a:ext cx="4615841" cy="0"/>
+          </a:xfrm>
+          <a:prstGeom prst="straightConnector1">
+            <a:avLst/>
+          </a:prstGeom>
+          <a:ln w="19050">
+            <a:headEnd type="triangle" w="lg" len="lg"/>
+            <a:tailEnd type="triangle" w="lg" len="lg"/>
+          </a:ln>
+        </p:spPr>
+        <p:style>
+          <a:lnRef idx="1">
+            <a:schemeClr val="dk1"/>
+          </a:lnRef>
+          <a:fillRef idx="0">
+            <a:schemeClr val="dk1"/>
+          </a:fillRef>
+          <a:effectRef idx="0">
+            <a:schemeClr val="dk1"/>
+          </a:effectRef>
+          <a:fontRef idx="minor">
+            <a:schemeClr val="tx1"/>
+          </a:fontRef>
+        </p:style>
+      </p:cxnSp>
+      <p:cxnSp>
+        <p:nvCxnSpPr>
+          <p:cNvPr id="32" name="Straight Arrow Connector 31">
+            <a:extLst>
+              <a:ext uri="{FF2B5EF4-FFF2-40B4-BE49-F238E27FC236}">
+                <a16:creationId xmlns:a16="http://schemas.microsoft.com/office/drawing/2014/main" id="{DE656E3D-613A-45FA-84C3-CA0E23C91D3F}"/>
+              </a:ext>
+            </a:extLst>
+          </p:cNvPr>
+          <p:cNvCxnSpPr>
+            <a:cxnSpLocks/>
+          </p:cNvCxnSpPr>
+          <p:nvPr/>
+        </p:nvCxnSpPr>
+        <p:spPr>
+          <a:xfrm>
+            <a:off x="6152367" y="4265112"/>
+            <a:ext cx="3331923" cy="0"/>
+          </a:xfrm>
+          <a:prstGeom prst="straightConnector1">
+            <a:avLst/>
+          </a:prstGeom>
+          <a:ln w="19050">
+            <a:headEnd type="triangle" w="lg" len="lg"/>
+            <a:tailEnd type="triangle" w="lg" len="lg"/>
+          </a:ln>
+        </p:spPr>
+        <p:style>
+          <a:lnRef idx="1">
+            <a:schemeClr val="dk1"/>
+          </a:lnRef>
+          <a:fillRef idx="0">
+            <a:schemeClr val="dk1"/>
+          </a:fillRef>
+          <a:effectRef idx="0">
+            <a:schemeClr val="dk1"/>
+          </a:effectRef>
+          <a:fontRef idx="minor">
+            <a:schemeClr val="tx1"/>
+          </a:fontRef>
+        </p:style>
+      </p:cxnSp>
+      <mc:AlternateContent xmlns:mc="http://schemas.openxmlformats.org/markup-compatibility/2006" xmlns:a14="http://schemas.microsoft.com/office/drawing/2010/main">
+        <mc:Choice Requires="a14">
+          <p:sp>
+            <p:nvSpPr>
+              <p:cNvPr id="34" name="TextBox 33">
+                <a:extLst>
+                  <a:ext uri="{FF2B5EF4-FFF2-40B4-BE49-F238E27FC236}">
+                    <a16:creationId xmlns:a16="http://schemas.microsoft.com/office/drawing/2014/main" id="{172A9D9F-ADDE-4199-8D52-A3E9E9E93E49}"/>
+                  </a:ext>
+                </a:extLst>
+              </p:cNvPr>
+              <p:cNvSpPr txBox="1"/>
+              <p:nvPr/>
+            </p:nvSpPr>
+            <p:spPr>
+              <a:xfrm>
+                <a:off x="2984397" y="3237538"/>
+                <a:ext cx="488515" cy="523220"/>
+              </a:xfrm>
+              <a:prstGeom prst="rect">
+                <a:avLst/>
+              </a:prstGeom>
+              <a:noFill/>
+            </p:spPr>
+            <p:txBody>
+              <a:bodyPr wrap="square" rtlCol="0">
+                <a:spAutoFit/>
+              </a:bodyPr>
+              <a:lstStyle/>
+              <a:p>
+                <a:pPr/>
+                <a14:m>
+                  <m:oMathPara xmlns:m="http://schemas.openxmlformats.org/officeDocument/2006/math">
+                    <m:oMathParaPr>
+                      <m:jc m:val="centerGroup"/>
+                    </m:oMathParaPr>
+                    <m:oMath xmlns:m="http://schemas.openxmlformats.org/officeDocument/2006/math">
+                      <m:sSub>
+                        <m:sSubPr>
+                          <m:ctrlPr>
+                            <a:rPr lang="en-GB" sz="2800" b="0" i="1" smtClean="0">
+                              <a:latin typeface="Cambria Math" panose="02040503050406030204" pitchFamily="18" charset="0"/>
+                              <a:ea typeface="Cambria Math" panose="02040503050406030204" pitchFamily="18" charset="0"/>
+                            </a:rPr>
+                          </m:ctrlPr>
+                        </m:sSubPr>
+                        <m:e>
+                          <m:r>
+                            <a:rPr lang="en-SG" sz="2800" i="1" smtClean="0">
+                              <a:latin typeface="Cambria Math" panose="02040503050406030204" pitchFamily="18" charset="0"/>
+                              <a:ea typeface="Cambria Math" panose="02040503050406030204" pitchFamily="18" charset="0"/>
+                            </a:rPr>
+                            <m:t>𝜃</m:t>
+                          </m:r>
+                        </m:e>
+                        <m:sub>
+                          <m:r>
+                            <a:rPr lang="en-GB" sz="2800" b="0" i="1" smtClean="0">
+                              <a:latin typeface="Cambria Math" panose="02040503050406030204" pitchFamily="18" charset="0"/>
+                              <a:ea typeface="Cambria Math" panose="02040503050406030204" pitchFamily="18" charset="0"/>
+                            </a:rPr>
+                            <m:t>𝐸</m:t>
+                          </m:r>
+                        </m:sub>
+                      </m:sSub>
+                    </m:oMath>
+                  </m:oMathPara>
+                </a14:m>
+                <a:endParaRPr lang="en-SG" sz="2800" dirty="0"/>
+              </a:p>
+            </p:txBody>
+          </p:sp>
+        </mc:Choice>
+        <mc:Fallback xmlns="">
+          <p:sp>
+            <p:nvSpPr>
+              <p:cNvPr id="34" name="TextBox 33">
+                <a:extLst>
+                  <a:ext uri="{FF2B5EF4-FFF2-40B4-BE49-F238E27FC236}">
+                    <a16:creationId xmlns:a16="http://schemas.microsoft.com/office/drawing/2014/main" id="{172A9D9F-ADDE-4199-8D52-A3E9E9E93E49}"/>
+                  </a:ext>
+                </a:extLst>
+              </p:cNvPr>
+              <p:cNvSpPr txBox="1">
+                <a:spLocks noRot="1" noChangeAspect="1" noMove="1" noResize="1" noEditPoints="1" noAdjustHandles="1" noChangeArrowheads="1" noChangeShapeType="1" noTextEdit="1"/>
+              </p:cNvSpPr>
+              <p:nvPr/>
+            </p:nvSpPr>
+            <p:spPr>
+              <a:xfrm>
+                <a:off x="2984397" y="3237538"/>
+                <a:ext cx="488515" cy="523220"/>
+              </a:xfrm>
+              <a:prstGeom prst="rect">
+                <a:avLst/>
+              </a:prstGeom>
+              <a:blipFill>
+                <a:blip r:embed="rId2"/>
+                <a:stretch>
+                  <a:fillRect/>
+                </a:stretch>
+              </a:blipFill>
+            </p:spPr>
+            <p:txBody>
+              <a:bodyPr/>
+              <a:lstStyle/>
+              <a:p>
+                <a:r>
+                  <a:rPr lang="en-SG">
+                    <a:noFill/>
+                  </a:rPr>
+                  <a:t> </a:t>
+                </a:r>
+              </a:p>
+            </p:txBody>
+          </p:sp>
+        </mc:Fallback>
+      </mc:AlternateContent>
+      <mc:AlternateContent xmlns:mc="http://schemas.openxmlformats.org/markup-compatibility/2006" xmlns:a14="http://schemas.microsoft.com/office/drawing/2010/main">
+        <mc:Choice Requires="a14">
+          <p:sp>
+            <p:nvSpPr>
+              <p:cNvPr id="35" name="TextBox 34">
+                <a:extLst>
+                  <a:ext uri="{FF2B5EF4-FFF2-40B4-BE49-F238E27FC236}">
+                    <a16:creationId xmlns:a16="http://schemas.microsoft.com/office/drawing/2014/main" id="{8CA8AC7B-EE88-4372-BB9D-B77721124DD8}"/>
+                  </a:ext>
+                </a:extLst>
+              </p:cNvPr>
+              <p:cNvSpPr txBox="1"/>
+              <p:nvPr/>
+            </p:nvSpPr>
+            <p:spPr>
+              <a:xfrm>
+                <a:off x="7515761" y="4065057"/>
+                <a:ext cx="800797" cy="523220"/>
+              </a:xfrm>
+              <a:prstGeom prst="rect">
+                <a:avLst/>
+              </a:prstGeom>
+              <a:solidFill>
+                <a:schemeClr val="bg1"/>
+              </a:solidFill>
+            </p:spPr>
+            <p:txBody>
+              <a:bodyPr wrap="none" rtlCol="0">
+                <a:spAutoFit/>
+              </a:bodyPr>
+              <a:lstStyle/>
+              <a:p>
+                <a:pPr/>
+                <a14:m>
+                  <m:oMathPara xmlns:m="http://schemas.openxmlformats.org/officeDocument/2006/math">
+                    <m:oMathParaPr>
+                      <m:jc m:val="centerGroup"/>
+                    </m:oMathParaPr>
+                    <m:oMath xmlns:m="http://schemas.openxmlformats.org/officeDocument/2006/math">
+                      <m:sSub>
+                        <m:sSubPr>
+                          <m:ctrlPr>
+                            <a:rPr lang="en-GB" sz="2800" b="0" i="1" smtClean="0">
+                              <a:latin typeface="Cambria Math" panose="02040503050406030204" pitchFamily="18" charset="0"/>
+                            </a:rPr>
+                          </m:ctrlPr>
+                        </m:sSubPr>
+                        <m:e>
+                          <m:r>
+                            <a:rPr lang="en-GB" sz="2800" b="0" i="1" smtClean="0">
+                              <a:latin typeface="Cambria Math" panose="02040503050406030204" pitchFamily="18" charset="0"/>
+                            </a:rPr>
+                            <m:t>𝐷</m:t>
+                          </m:r>
+                        </m:e>
+                        <m:sub>
+                          <m:r>
+                            <a:rPr lang="en-GB" sz="2800" b="0" i="1" smtClean="0">
+                              <a:latin typeface="Cambria Math" panose="02040503050406030204" pitchFamily="18" charset="0"/>
+                            </a:rPr>
+                            <m:t>𝐿𝑆</m:t>
+                          </m:r>
+                        </m:sub>
+                      </m:sSub>
+                    </m:oMath>
+                  </m:oMathPara>
+                </a14:m>
+                <a:endParaRPr lang="en-SG" sz="2800" dirty="0"/>
+              </a:p>
+            </p:txBody>
+          </p:sp>
+        </mc:Choice>
+        <mc:Fallback xmlns="">
+          <p:sp>
+            <p:nvSpPr>
+              <p:cNvPr id="35" name="TextBox 34">
+                <a:extLst>
+                  <a:ext uri="{FF2B5EF4-FFF2-40B4-BE49-F238E27FC236}">
+                    <a16:creationId xmlns:a16="http://schemas.microsoft.com/office/drawing/2014/main" id="{8CA8AC7B-EE88-4372-BB9D-B77721124DD8}"/>
+                  </a:ext>
+                </a:extLst>
+              </p:cNvPr>
+              <p:cNvSpPr txBox="1">
+                <a:spLocks noRot="1" noChangeAspect="1" noMove="1" noResize="1" noEditPoints="1" noAdjustHandles="1" noChangeArrowheads="1" noChangeShapeType="1" noTextEdit="1"/>
+              </p:cNvSpPr>
+              <p:nvPr/>
+            </p:nvSpPr>
+            <p:spPr>
+              <a:xfrm>
+                <a:off x="7515761" y="4065057"/>
+                <a:ext cx="800797" cy="523220"/>
+              </a:xfrm>
+              <a:prstGeom prst="rect">
+                <a:avLst/>
+              </a:prstGeom>
+              <a:blipFill>
+                <a:blip r:embed="rId3"/>
+                <a:stretch>
+                  <a:fillRect/>
+                </a:stretch>
+              </a:blipFill>
+            </p:spPr>
+            <p:txBody>
+              <a:bodyPr/>
+              <a:lstStyle/>
+              <a:p>
+                <a:r>
+                  <a:rPr lang="en-SG">
+                    <a:noFill/>
+                  </a:rPr>
+                  <a:t> </a:t>
+                </a:r>
+              </a:p>
+            </p:txBody>
+          </p:sp>
+        </mc:Fallback>
+      </mc:AlternateContent>
+      <mc:AlternateContent xmlns:mc="http://schemas.openxmlformats.org/markup-compatibility/2006" xmlns:a14="http://schemas.microsoft.com/office/drawing/2010/main">
+        <mc:Choice Requires="a14">
+          <p:sp>
+            <p:nvSpPr>
+              <p:cNvPr id="36" name="TextBox 35">
+                <a:extLst>
+                  <a:ext uri="{FF2B5EF4-FFF2-40B4-BE49-F238E27FC236}">
+                    <a16:creationId xmlns:a16="http://schemas.microsoft.com/office/drawing/2014/main" id="{52282EE4-D591-4929-9369-D1F77657C405}"/>
+                  </a:ext>
+                </a:extLst>
+              </p:cNvPr>
+              <p:cNvSpPr txBox="1"/>
+              <p:nvPr/>
+            </p:nvSpPr>
+            <p:spPr>
+              <a:xfrm>
+                <a:off x="3582675" y="4065057"/>
+                <a:ext cx="658449" cy="523220"/>
+              </a:xfrm>
+              <a:prstGeom prst="rect">
+                <a:avLst/>
+              </a:prstGeom>
+              <a:solidFill>
+                <a:schemeClr val="bg1"/>
+              </a:solidFill>
+            </p:spPr>
+            <p:txBody>
+              <a:bodyPr wrap="none" rtlCol="0">
+                <a:spAutoFit/>
+              </a:bodyPr>
+              <a:lstStyle/>
+              <a:p>
+                <a:pPr/>
+                <a14:m>
+                  <m:oMathPara xmlns:m="http://schemas.openxmlformats.org/officeDocument/2006/math">
+                    <m:oMathParaPr>
+                      <m:jc m:val="centerGroup"/>
+                    </m:oMathParaPr>
+                    <m:oMath xmlns:m="http://schemas.openxmlformats.org/officeDocument/2006/math">
+                      <m:sSub>
+                        <m:sSubPr>
+                          <m:ctrlPr>
+                            <a:rPr lang="en-GB" sz="2800" b="0" i="1" smtClean="0">
+                              <a:latin typeface="Cambria Math" panose="02040503050406030204" pitchFamily="18" charset="0"/>
+                            </a:rPr>
+                          </m:ctrlPr>
+                        </m:sSubPr>
+                        <m:e>
+                          <m:r>
+                            <a:rPr lang="en-GB" sz="2800" b="0" i="1" smtClean="0">
+                              <a:latin typeface="Cambria Math" panose="02040503050406030204" pitchFamily="18" charset="0"/>
+                            </a:rPr>
+                            <m:t>𝐷</m:t>
+                          </m:r>
+                        </m:e>
+                        <m:sub>
+                          <m:r>
+                            <a:rPr lang="en-GB" sz="2800" b="0" i="1" smtClean="0">
+                              <a:latin typeface="Cambria Math" panose="02040503050406030204" pitchFamily="18" charset="0"/>
+                            </a:rPr>
+                            <m:t>𝐿</m:t>
+                          </m:r>
+                        </m:sub>
+                      </m:sSub>
+                    </m:oMath>
+                  </m:oMathPara>
+                </a14:m>
+                <a:endParaRPr lang="en-SG" sz="2800" dirty="0"/>
+              </a:p>
+            </p:txBody>
+          </p:sp>
+        </mc:Choice>
+        <mc:Fallback xmlns="">
+          <p:sp>
+            <p:nvSpPr>
+              <p:cNvPr id="36" name="TextBox 35">
+                <a:extLst>
+                  <a:ext uri="{FF2B5EF4-FFF2-40B4-BE49-F238E27FC236}">
+                    <a16:creationId xmlns:a16="http://schemas.microsoft.com/office/drawing/2014/main" id="{52282EE4-D591-4929-9369-D1F77657C405}"/>
+                  </a:ext>
+                </a:extLst>
+              </p:cNvPr>
+              <p:cNvSpPr txBox="1">
+                <a:spLocks noRot="1" noChangeAspect="1" noMove="1" noResize="1" noEditPoints="1" noAdjustHandles="1" noChangeArrowheads="1" noChangeShapeType="1" noTextEdit="1"/>
+              </p:cNvSpPr>
+              <p:nvPr/>
+            </p:nvSpPr>
+            <p:spPr>
+              <a:xfrm>
+                <a:off x="3582675" y="4065057"/>
+                <a:ext cx="658449" cy="523220"/>
+              </a:xfrm>
+              <a:prstGeom prst="rect">
+                <a:avLst/>
+              </a:prstGeom>
+              <a:blipFill>
+                <a:blip r:embed="rId4"/>
+                <a:stretch>
+                  <a:fillRect/>
+                </a:stretch>
+              </a:blipFill>
+            </p:spPr>
+            <p:txBody>
+              <a:bodyPr/>
+              <a:lstStyle/>
+              <a:p>
+                <a:r>
+                  <a:rPr lang="en-SG">
+                    <a:noFill/>
+                  </a:rPr>
+                  <a:t> </a:t>
+                </a:r>
+              </a:p>
+            </p:txBody>
+          </p:sp>
+        </mc:Fallback>
+      </mc:AlternateContent>
+      <p:cxnSp>
+        <p:nvCxnSpPr>
+          <p:cNvPr id="37" name="Straight Arrow Connector 36">
+            <a:extLst>
+              <a:ext uri="{FF2B5EF4-FFF2-40B4-BE49-F238E27FC236}">
+                <a16:creationId xmlns:a16="http://schemas.microsoft.com/office/drawing/2014/main" id="{2338ACDA-D55B-465E-ACA2-AA2C9E8F4E6D}"/>
+              </a:ext>
+            </a:extLst>
+          </p:cNvPr>
+          <p:cNvCxnSpPr>
+            <a:cxnSpLocks/>
+          </p:cNvCxnSpPr>
+          <p:nvPr/>
+        </p:nvCxnSpPr>
+        <p:spPr>
+          <a:xfrm>
+            <a:off x="1536526" y="4766154"/>
+            <a:ext cx="7947764" cy="0"/>
+          </a:xfrm>
+          <a:prstGeom prst="straightConnector1">
+            <a:avLst/>
+          </a:prstGeom>
+          <a:ln w="19050">
+            <a:headEnd type="triangle" w="lg" len="lg"/>
+            <a:tailEnd type="triangle" w="lg" len="lg"/>
+          </a:ln>
+        </p:spPr>
+        <p:style>
+          <a:lnRef idx="1">
+            <a:schemeClr val="dk1"/>
+          </a:lnRef>
+          <a:fillRef idx="0">
+            <a:schemeClr val="dk1"/>
+          </a:fillRef>
+          <a:effectRef idx="0">
+            <a:schemeClr val="dk1"/>
+          </a:effectRef>
+          <a:fontRef idx="minor">
+            <a:schemeClr val="tx1"/>
+          </a:fontRef>
+        </p:style>
+      </p:cxnSp>
+      <mc:AlternateContent xmlns:mc="http://schemas.openxmlformats.org/markup-compatibility/2006" xmlns:a14="http://schemas.microsoft.com/office/drawing/2010/main">
+        <mc:Choice Requires="a14">
+          <p:sp>
+            <p:nvSpPr>
+              <p:cNvPr id="39" name="TextBox 38">
+                <a:extLst>
+                  <a:ext uri="{FF2B5EF4-FFF2-40B4-BE49-F238E27FC236}">
+                    <a16:creationId xmlns:a16="http://schemas.microsoft.com/office/drawing/2014/main" id="{C6A5EC5B-451E-4997-822A-D522930330A1}"/>
+                  </a:ext>
+                </a:extLst>
+              </p:cNvPr>
+              <p:cNvSpPr txBox="1"/>
+              <p:nvPr/>
+            </p:nvSpPr>
+            <p:spPr>
+              <a:xfrm>
+                <a:off x="5106675" y="4557388"/>
+                <a:ext cx="647934" cy="523220"/>
+              </a:xfrm>
+              <a:prstGeom prst="rect">
+                <a:avLst/>
+              </a:prstGeom>
+              <a:solidFill>
+                <a:schemeClr val="bg1"/>
+              </a:solidFill>
+            </p:spPr>
+            <p:txBody>
+              <a:bodyPr wrap="none" rtlCol="0">
+                <a:spAutoFit/>
+              </a:bodyPr>
+              <a:lstStyle/>
+              <a:p>
+                <a:pPr/>
+                <a14:m>
+                  <m:oMathPara xmlns:m="http://schemas.openxmlformats.org/officeDocument/2006/math">
+                    <m:oMathParaPr>
+                      <m:jc m:val="centerGroup"/>
+                    </m:oMathParaPr>
+                    <m:oMath xmlns:m="http://schemas.openxmlformats.org/officeDocument/2006/math">
+                      <m:sSub>
+                        <m:sSubPr>
+                          <m:ctrlPr>
+                            <a:rPr lang="en-GB" sz="2800" b="0" i="1" smtClean="0">
+                              <a:latin typeface="Cambria Math" panose="02040503050406030204" pitchFamily="18" charset="0"/>
+                            </a:rPr>
+                          </m:ctrlPr>
+                        </m:sSubPr>
+                        <m:e>
+                          <m:r>
+                            <a:rPr lang="en-GB" sz="2800" b="0" i="1" smtClean="0">
+                              <a:latin typeface="Cambria Math" panose="02040503050406030204" pitchFamily="18" charset="0"/>
+                            </a:rPr>
+                            <m:t>𝐷</m:t>
+                          </m:r>
+                        </m:e>
+                        <m:sub>
+                          <m:r>
+                            <a:rPr lang="en-GB" sz="2800" b="0" i="1" smtClean="0">
+                              <a:latin typeface="Cambria Math" panose="02040503050406030204" pitchFamily="18" charset="0"/>
+                            </a:rPr>
+                            <m:t>𝑆</m:t>
+                          </m:r>
+                        </m:sub>
+                      </m:sSub>
+                    </m:oMath>
+                  </m:oMathPara>
+                </a14:m>
+                <a:endParaRPr lang="en-SG" sz="2800" dirty="0"/>
+              </a:p>
+            </p:txBody>
+          </p:sp>
+        </mc:Choice>
+        <mc:Fallback xmlns="">
+          <p:sp>
+            <p:nvSpPr>
+              <p:cNvPr id="39" name="TextBox 38">
+                <a:extLst>
+                  <a:ext uri="{FF2B5EF4-FFF2-40B4-BE49-F238E27FC236}">
+                    <a16:creationId xmlns:a16="http://schemas.microsoft.com/office/drawing/2014/main" id="{C6A5EC5B-451E-4997-822A-D522930330A1}"/>
+                  </a:ext>
+                </a:extLst>
+              </p:cNvPr>
+              <p:cNvSpPr txBox="1">
+                <a:spLocks noRot="1" noChangeAspect="1" noMove="1" noResize="1" noEditPoints="1" noAdjustHandles="1" noChangeArrowheads="1" noChangeShapeType="1" noTextEdit="1"/>
+              </p:cNvSpPr>
+              <p:nvPr/>
+            </p:nvSpPr>
+            <p:spPr>
+              <a:xfrm>
+                <a:off x="5106675" y="4557388"/>
+                <a:ext cx="647934" cy="523220"/>
+              </a:xfrm>
+              <a:prstGeom prst="rect">
+                <a:avLst/>
+              </a:prstGeom>
+              <a:blipFill>
+                <a:blip r:embed="rId5"/>
+                <a:stretch>
+                  <a:fillRect/>
+                </a:stretch>
+              </a:blipFill>
+            </p:spPr>
+            <p:txBody>
+              <a:bodyPr/>
+              <a:lstStyle/>
+              <a:p>
+                <a:r>
+                  <a:rPr lang="en-SG">
+                    <a:noFill/>
+                  </a:rPr>
+                  <a:t> </a:t>
+                </a:r>
+              </a:p>
+            </p:txBody>
+          </p:sp>
+        </mc:Fallback>
+      </mc:AlternateContent>
+      <p:sp>
+        <p:nvSpPr>
+          <p:cNvPr id="40" name="Oval 39">
+            <a:extLst>
+              <a:ext uri="{FF2B5EF4-FFF2-40B4-BE49-F238E27FC236}">
+                <a16:creationId xmlns:a16="http://schemas.microsoft.com/office/drawing/2014/main" id="{7E8AEE58-DD5A-4D18-A839-EB2498292061}"/>
+              </a:ext>
+            </a:extLst>
+          </p:cNvPr>
+          <p:cNvSpPr/>
+          <p:nvPr/>
+        </p:nvSpPr>
+        <p:spPr>
+          <a:xfrm>
+            <a:off x="6027107" y="3694817"/>
+            <a:ext cx="131883" cy="131883"/>
+          </a:xfrm>
+          <a:prstGeom prst="ellipse">
+            <a:avLst/>
+          </a:prstGeom>
+        </p:spPr>
+        <p:style>
+          <a:lnRef idx="2">
+            <a:schemeClr val="dk1">
+              <a:shade val="50000"/>
+            </a:schemeClr>
+          </a:lnRef>
+          <a:fillRef idx="1">
+            <a:schemeClr val="dk1"/>
+          </a:fillRef>
+          <a:effectRef idx="0">
+            <a:schemeClr val="dk1"/>
+          </a:effectRef>
+          <a:fontRef idx="minor">
+            <a:schemeClr val="lt1"/>
+          </a:fontRef>
+        </p:style>
+        <p:txBody>
+          <a:bodyPr rtlCol="0" anchor="ctr"/>
+          <a:lstStyle/>
+          <a:p>
+            <a:pPr algn="ctr"/>
+            <a:endParaRPr lang="en-SG" sz="2400"/>
+          </a:p>
+        </p:txBody>
+      </p:sp>
+      <p:sp>
+        <p:nvSpPr>
+          <p:cNvPr id="43" name="Freeform: Shape 42">
+            <a:extLst>
+              <a:ext uri="{FF2B5EF4-FFF2-40B4-BE49-F238E27FC236}">
+                <a16:creationId xmlns:a16="http://schemas.microsoft.com/office/drawing/2014/main" id="{DE2A8D6E-4EF3-41BE-9537-8126A1F0268F}"/>
+              </a:ext>
+            </a:extLst>
+          </p:cNvPr>
+          <p:cNvSpPr/>
+          <p:nvPr/>
+        </p:nvSpPr>
+        <p:spPr>
+          <a:xfrm rot="676057">
+            <a:off x="2745288" y="3344449"/>
+            <a:ext cx="132331" cy="400833"/>
+          </a:xfrm>
+          <a:custGeom>
+            <a:avLst/>
+            <a:gdLst>
+              <a:gd name="connsiteX0" fmla="*/ 0 w 132331"/>
+              <a:gd name="connsiteY0" fmla="*/ 0 h 400833"/>
+              <a:gd name="connsiteX1" fmla="*/ 112734 w 132331"/>
+              <a:gd name="connsiteY1" fmla="*/ 169102 h 400833"/>
+              <a:gd name="connsiteX2" fmla="*/ 131523 w 132331"/>
+              <a:gd name="connsiteY2" fmla="*/ 400833 h 400833"/>
+            </a:gdLst>
+            <a:ahLst/>
+            <a:cxnLst>
+              <a:cxn ang="0">
+                <a:pos x="connsiteX0" y="connsiteY0"/>
+              </a:cxn>
+              <a:cxn ang="0">
+                <a:pos x="connsiteX1" y="connsiteY1"/>
+              </a:cxn>
+              <a:cxn ang="0">
+                <a:pos x="connsiteX2" y="connsiteY2"/>
+              </a:cxn>
+            </a:cxnLst>
+            <a:rect l="l" t="t" r="r" b="b"/>
+            <a:pathLst>
+              <a:path w="132331" h="400833">
+                <a:moveTo>
+                  <a:pt x="0" y="0"/>
+                </a:moveTo>
+                <a:cubicBezTo>
+                  <a:pt x="45407" y="51148"/>
+                  <a:pt x="90814" y="102297"/>
+                  <a:pt x="112734" y="169102"/>
+                </a:cubicBezTo>
+                <a:cubicBezTo>
+                  <a:pt x="134654" y="235907"/>
+                  <a:pt x="133088" y="318370"/>
+                  <a:pt x="131523" y="400833"/>
+                </a:cubicBezTo>
+              </a:path>
+            </a:pathLst>
+          </a:custGeom>
+          <a:ln w="12700"/>
+        </p:spPr>
+        <p:style>
+          <a:lnRef idx="1">
+            <a:schemeClr val="dk1"/>
+          </a:lnRef>
+          <a:fillRef idx="0">
+            <a:schemeClr val="dk1"/>
+          </a:fillRef>
+          <a:effectRef idx="0">
+            <a:schemeClr val="dk1"/>
+          </a:effectRef>
+          <a:fontRef idx="minor">
+            <a:schemeClr val="tx1"/>
+          </a:fontRef>
+        </p:style>
+        <p:txBody>
+          <a:bodyPr rtlCol="0" anchor="ctr"/>
+          <a:lstStyle/>
+          <a:p>
+            <a:pPr algn="ctr"/>
+            <a:endParaRPr lang="en-SG" sz="2400"/>
+          </a:p>
+        </p:txBody>
+      </p:sp>
+      <p:sp>
+        <p:nvSpPr>
+          <p:cNvPr id="44" name="Freeform: Shape 43">
+            <a:extLst>
+              <a:ext uri="{FF2B5EF4-FFF2-40B4-BE49-F238E27FC236}">
+                <a16:creationId xmlns:a16="http://schemas.microsoft.com/office/drawing/2014/main" id="{FB0E628F-B5EC-42CD-B88B-4658DE145A7B}"/>
+              </a:ext>
+            </a:extLst>
+          </p:cNvPr>
+          <p:cNvSpPr/>
+          <p:nvPr/>
+        </p:nvSpPr>
+        <p:spPr>
+          <a:xfrm rot="1032251">
+            <a:off x="6591037" y="2062957"/>
+            <a:ext cx="172753" cy="424392"/>
+          </a:xfrm>
+          <a:custGeom>
+            <a:avLst/>
+            <a:gdLst>
+              <a:gd name="connsiteX0" fmla="*/ 0 w 132331"/>
+              <a:gd name="connsiteY0" fmla="*/ 0 h 400833"/>
+              <a:gd name="connsiteX1" fmla="*/ 112734 w 132331"/>
+              <a:gd name="connsiteY1" fmla="*/ 169102 h 400833"/>
+              <a:gd name="connsiteX2" fmla="*/ 131523 w 132331"/>
+              <a:gd name="connsiteY2" fmla="*/ 400833 h 400833"/>
+            </a:gdLst>
+            <a:ahLst/>
+            <a:cxnLst>
+              <a:cxn ang="0">
+                <a:pos x="connsiteX0" y="connsiteY0"/>
+              </a:cxn>
+              <a:cxn ang="0">
+                <a:pos x="connsiteX1" y="connsiteY1"/>
+              </a:cxn>
+              <a:cxn ang="0">
+                <a:pos x="connsiteX2" y="connsiteY2"/>
+              </a:cxn>
+            </a:cxnLst>
+            <a:rect l="l" t="t" r="r" b="b"/>
+            <a:pathLst>
+              <a:path w="132331" h="400833">
+                <a:moveTo>
+                  <a:pt x="0" y="0"/>
+                </a:moveTo>
+                <a:cubicBezTo>
+                  <a:pt x="45407" y="51148"/>
+                  <a:pt x="90814" y="102297"/>
+                  <a:pt x="112734" y="169102"/>
+                </a:cubicBezTo>
+                <a:cubicBezTo>
+                  <a:pt x="134654" y="235907"/>
+                  <a:pt x="133088" y="318370"/>
+                  <a:pt x="131523" y="400833"/>
+                </a:cubicBezTo>
+              </a:path>
+            </a:pathLst>
+          </a:custGeom>
+          <a:ln w="12700"/>
+        </p:spPr>
+        <p:style>
+          <a:lnRef idx="1">
+            <a:schemeClr val="dk1"/>
+          </a:lnRef>
+          <a:fillRef idx="0">
+            <a:schemeClr val="dk1"/>
+          </a:fillRef>
+          <a:effectRef idx="0">
+            <a:schemeClr val="dk1"/>
+          </a:effectRef>
+          <a:fontRef idx="minor">
+            <a:schemeClr val="tx1"/>
+          </a:fontRef>
+        </p:style>
+        <p:txBody>
+          <a:bodyPr rtlCol="0" anchor="ctr"/>
+          <a:lstStyle/>
+          <a:p>
+            <a:pPr algn="ctr"/>
+            <a:endParaRPr lang="en-SG" sz="2400"/>
+          </a:p>
+        </p:txBody>
+      </p:sp>
+      <mc:AlternateContent xmlns:mc="http://schemas.openxmlformats.org/markup-compatibility/2006" xmlns:a14="http://schemas.microsoft.com/office/drawing/2010/main">
+        <mc:Choice Requires="a14">
+          <p:sp>
+            <p:nvSpPr>
+              <p:cNvPr id="45" name="TextBox 44">
+                <a:extLst>
+                  <a:ext uri="{FF2B5EF4-FFF2-40B4-BE49-F238E27FC236}">
+                    <a16:creationId xmlns:a16="http://schemas.microsoft.com/office/drawing/2014/main" id="{F26EB88E-8B6C-41FD-9F5D-8E0CB8CF1C01}"/>
+                  </a:ext>
+                </a:extLst>
+              </p:cNvPr>
+              <p:cNvSpPr txBox="1"/>
+              <p:nvPr/>
+            </p:nvSpPr>
+            <p:spPr>
+              <a:xfrm>
+                <a:off x="6815381" y="2046902"/>
+                <a:ext cx="488515" cy="523220"/>
+              </a:xfrm>
+              <a:prstGeom prst="rect">
+                <a:avLst/>
+              </a:prstGeom>
+              <a:noFill/>
+            </p:spPr>
+            <p:txBody>
+              <a:bodyPr wrap="square" rtlCol="0">
+                <a:spAutoFit/>
+              </a:bodyPr>
+              <a:lstStyle/>
+              <a:p>
+                <a:pPr/>
+                <a14:m>
+                  <m:oMathPara xmlns:m="http://schemas.openxmlformats.org/officeDocument/2006/math">
+                    <m:oMathParaPr>
+                      <m:jc m:val="centerGroup"/>
+                    </m:oMathParaPr>
+                    <m:oMath xmlns:m="http://schemas.openxmlformats.org/officeDocument/2006/math">
+                      <m:r>
+                        <a:rPr lang="en-GB" sz="2800" i="1">
+                          <a:latin typeface="Cambria Math" panose="02040503050406030204" pitchFamily="18" charset="0"/>
+                          <a:ea typeface="Cambria Math" panose="02040503050406030204" pitchFamily="18" charset="0"/>
+                        </a:rPr>
+                        <m:t>𝛼</m:t>
+                      </m:r>
+                    </m:oMath>
+                  </m:oMathPara>
+                </a14:m>
+                <a:endParaRPr lang="en-SG" sz="2800" dirty="0"/>
+              </a:p>
+            </p:txBody>
+          </p:sp>
+        </mc:Choice>
+        <mc:Fallback xmlns="">
+          <p:sp>
+            <p:nvSpPr>
+              <p:cNvPr id="45" name="TextBox 44">
+                <a:extLst>
+                  <a:ext uri="{FF2B5EF4-FFF2-40B4-BE49-F238E27FC236}">
+                    <a16:creationId xmlns:a16="http://schemas.microsoft.com/office/drawing/2014/main" id="{F26EB88E-8B6C-41FD-9F5D-8E0CB8CF1C01}"/>
+                  </a:ext>
+                </a:extLst>
+              </p:cNvPr>
+              <p:cNvSpPr txBox="1">
+                <a:spLocks noRot="1" noChangeAspect="1" noMove="1" noResize="1" noEditPoints="1" noAdjustHandles="1" noChangeArrowheads="1" noChangeShapeType="1" noTextEdit="1"/>
+              </p:cNvSpPr>
+              <p:nvPr/>
+            </p:nvSpPr>
+            <p:spPr>
+              <a:xfrm>
+                <a:off x="6815381" y="2046902"/>
+                <a:ext cx="488515" cy="523220"/>
+              </a:xfrm>
+              <a:prstGeom prst="rect">
+                <a:avLst/>
+              </a:prstGeom>
+              <a:blipFill>
+                <a:blip r:embed="rId6"/>
+                <a:stretch>
+                  <a:fillRect/>
+                </a:stretch>
+              </a:blipFill>
+            </p:spPr>
+            <p:txBody>
+              <a:bodyPr/>
+              <a:lstStyle/>
+              <a:p>
+                <a:r>
+                  <a:rPr lang="en-SG">
+                    <a:noFill/>
+                  </a:rPr>
+                  <a:t> </a:t>
+                </a:r>
+              </a:p>
+            </p:txBody>
+          </p:sp>
+        </mc:Fallback>
+      </mc:AlternateContent>
+      <mc:AlternateContent xmlns:mc="http://schemas.openxmlformats.org/markup-compatibility/2006" xmlns:a14="http://schemas.microsoft.com/office/drawing/2010/main">
+        <mc:Choice Requires="a14">
+          <p:sp>
+            <p:nvSpPr>
+              <p:cNvPr id="48" name="TextBox 47">
+                <a:extLst>
+                  <a:ext uri="{FF2B5EF4-FFF2-40B4-BE49-F238E27FC236}">
+                    <a16:creationId xmlns:a16="http://schemas.microsoft.com/office/drawing/2014/main" id="{38D41CDC-24BA-445C-9E04-405A44A1750F}"/>
+                  </a:ext>
+                </a:extLst>
+              </p:cNvPr>
+              <p:cNvSpPr txBox="1"/>
+              <p:nvPr/>
+            </p:nvSpPr>
+            <p:spPr>
+              <a:xfrm>
+                <a:off x="6171155" y="2975909"/>
+                <a:ext cx="1341457" cy="369332"/>
+              </a:xfrm>
+              <a:prstGeom prst="rect">
+                <a:avLst/>
+              </a:prstGeom>
+              <a:noFill/>
+            </p:spPr>
+            <p:txBody>
+              <a:bodyPr wrap="none" lIns="0" tIns="0" rIns="0" bIns="0" rtlCol="0">
+                <a:spAutoFit/>
+              </a:bodyPr>
+              <a:lstStyle/>
+              <a:p>
+                <a:pPr/>
+                <a14:m>
+                  <m:oMathPara xmlns:m="http://schemas.openxmlformats.org/officeDocument/2006/math">
+                    <m:oMathParaPr>
+                      <m:jc m:val="centerGroup"/>
+                    </m:oMathParaPr>
+                    <m:oMath xmlns:m="http://schemas.openxmlformats.org/officeDocument/2006/math">
+                      <m:sSub>
+                        <m:sSubPr>
+                          <m:ctrlPr>
+                            <a:rPr lang="en-SG" sz="2400" b="0" i="1" smtClean="0">
+                              <a:latin typeface="Cambria Math" panose="02040503050406030204" pitchFamily="18" charset="0"/>
+                            </a:rPr>
+                          </m:ctrlPr>
+                        </m:sSubPr>
+                        <m:e>
+                          <m:r>
+                            <a:rPr lang="en-SG" sz="2400" b="0" i="1" smtClean="0">
+                              <a:latin typeface="Cambria Math" panose="02040503050406030204" pitchFamily="18" charset="0"/>
+                            </a:rPr>
+                            <m:t>𝑅</m:t>
+                          </m:r>
+                        </m:e>
+                        <m:sub>
+                          <m:r>
+                            <a:rPr lang="en-SG" sz="2400" b="0" i="1" smtClean="0">
+                              <a:latin typeface="Cambria Math" panose="02040503050406030204" pitchFamily="18" charset="0"/>
+                            </a:rPr>
+                            <m:t>𝑢</m:t>
+                          </m:r>
+                        </m:sub>
+                      </m:sSub>
+                      <m:r>
+                        <a:rPr lang="en-SG" sz="2400" b="0" i="1" smtClean="0">
+                          <a:latin typeface="Cambria Math" panose="02040503050406030204" pitchFamily="18" charset="0"/>
+                        </a:rPr>
+                        <m:t>=</m:t>
+                      </m:r>
+                      <m:sSub>
+                        <m:sSubPr>
+                          <m:ctrlPr>
+                            <a:rPr lang="en-SG" sz="2400" b="0" i="1" smtClean="0">
+                              <a:latin typeface="Cambria Math" panose="02040503050406030204" pitchFamily="18" charset="0"/>
+                            </a:rPr>
+                          </m:ctrlPr>
+                        </m:sSubPr>
+                        <m:e>
+                          <m:r>
+                            <a:rPr lang="en-SG" sz="2400" b="0" i="1" smtClean="0">
+                              <a:latin typeface="Cambria Math" panose="02040503050406030204" pitchFamily="18" charset="0"/>
+                            </a:rPr>
+                            <m:t>𝐷</m:t>
+                          </m:r>
+                        </m:e>
+                        <m:sub>
+                          <m:r>
+                            <a:rPr lang="en-SG" sz="2400" b="0" i="1" smtClean="0">
+                              <a:latin typeface="Cambria Math" panose="02040503050406030204" pitchFamily="18" charset="0"/>
+                            </a:rPr>
+                            <m:t>𝐿</m:t>
+                          </m:r>
+                        </m:sub>
+                      </m:sSub>
+                      <m:r>
+                        <a:rPr lang="en-SG" sz="2400" b="0" i="1" smtClean="0">
+                          <a:latin typeface="Cambria Math" panose="02040503050406030204" pitchFamily="18" charset="0"/>
+                        </a:rPr>
+                        <m:t>𝜃</m:t>
+                      </m:r>
+                    </m:oMath>
+                  </m:oMathPara>
+                </a14:m>
+                <a:endParaRPr lang="en-SG" sz="2400" dirty="0"/>
+              </a:p>
+            </p:txBody>
+          </p:sp>
+        </mc:Choice>
+        <mc:Fallback xmlns="">
+          <p:sp>
+            <p:nvSpPr>
+              <p:cNvPr id="48" name="TextBox 47">
+                <a:extLst>
+                  <a:ext uri="{FF2B5EF4-FFF2-40B4-BE49-F238E27FC236}">
+                    <a16:creationId xmlns:a16="http://schemas.microsoft.com/office/drawing/2014/main" id="{38D41CDC-24BA-445C-9E04-405A44A1750F}"/>
+                  </a:ext>
+                </a:extLst>
+              </p:cNvPr>
+              <p:cNvSpPr txBox="1">
+                <a:spLocks noRot="1" noChangeAspect="1" noMove="1" noResize="1" noEditPoints="1" noAdjustHandles="1" noChangeArrowheads="1" noChangeShapeType="1" noTextEdit="1"/>
+              </p:cNvSpPr>
+              <p:nvPr/>
+            </p:nvSpPr>
+            <p:spPr>
+              <a:xfrm>
+                <a:off x="6171155" y="2975909"/>
+                <a:ext cx="1341457" cy="369332"/>
+              </a:xfrm>
+              <a:prstGeom prst="rect">
+                <a:avLst/>
+              </a:prstGeom>
+              <a:blipFill>
+                <a:blip r:embed="rId7"/>
+                <a:stretch>
+                  <a:fillRect l="-4545" r="-4545" b="-13115"/>
+                </a:stretch>
+              </a:blipFill>
+            </p:spPr>
+            <p:txBody>
+              <a:bodyPr/>
+              <a:lstStyle/>
+              <a:p>
+                <a:r>
+                  <a:rPr lang="en-SG">
+                    <a:noFill/>
+                  </a:rPr>
+                  <a:t> </a:t>
+                </a:r>
+              </a:p>
+            </p:txBody>
+          </p:sp>
+        </mc:Fallback>
+      </mc:AlternateContent>
+      <mc:AlternateContent xmlns:mc="http://schemas.openxmlformats.org/markup-compatibility/2006" xmlns:a14="http://schemas.microsoft.com/office/drawing/2010/main">
+        <mc:Choice Requires="a14">
+          <p:sp>
+            <p:nvSpPr>
+              <p:cNvPr id="49" name="TextBox 48">
+                <a:extLst>
+                  <a:ext uri="{FF2B5EF4-FFF2-40B4-BE49-F238E27FC236}">
+                    <a16:creationId xmlns:a16="http://schemas.microsoft.com/office/drawing/2014/main" id="{4D9CB3BF-4A94-4812-876C-08F1B01F4F7B}"/>
+                  </a:ext>
+                </a:extLst>
+              </p:cNvPr>
+              <p:cNvSpPr txBox="1"/>
+              <p:nvPr/>
+            </p:nvSpPr>
+            <p:spPr>
+              <a:xfrm>
+                <a:off x="5753941" y="3367300"/>
+                <a:ext cx="238720" cy="369332"/>
+              </a:xfrm>
+              <a:prstGeom prst="rect">
+                <a:avLst/>
+              </a:prstGeom>
+              <a:noFill/>
+            </p:spPr>
+            <p:txBody>
+              <a:bodyPr wrap="none" lIns="0" tIns="0" rIns="0" bIns="0" rtlCol="0">
+                <a:spAutoFit/>
+              </a:bodyPr>
+              <a:lstStyle/>
+              <a:p>
+                <a:pPr/>
+                <a14:m>
+                  <m:oMathPara xmlns:m="http://schemas.openxmlformats.org/officeDocument/2006/math">
+                    <m:oMathParaPr>
+                      <m:jc m:val="centerGroup"/>
+                    </m:oMathParaPr>
+                    <m:oMath xmlns:m="http://schemas.openxmlformats.org/officeDocument/2006/math">
+                      <m:r>
+                        <a:rPr lang="en-SG" sz="2400" b="0" i="1" smtClean="0">
+                          <a:latin typeface="Cambria Math" panose="02040503050406030204" pitchFamily="18" charset="0"/>
+                        </a:rPr>
+                        <m:t>𝐿</m:t>
+                      </m:r>
+                    </m:oMath>
+                  </m:oMathPara>
+                </a14:m>
+                <a:endParaRPr lang="en-SG" sz="2400" dirty="0"/>
+              </a:p>
+            </p:txBody>
+          </p:sp>
+        </mc:Choice>
+        <mc:Fallback xmlns="">
+          <p:sp>
+            <p:nvSpPr>
+              <p:cNvPr id="49" name="TextBox 48">
+                <a:extLst>
+                  <a:ext uri="{FF2B5EF4-FFF2-40B4-BE49-F238E27FC236}">
+                    <a16:creationId xmlns:a16="http://schemas.microsoft.com/office/drawing/2014/main" id="{4D9CB3BF-4A94-4812-876C-08F1B01F4F7B}"/>
+                  </a:ext>
+                </a:extLst>
+              </p:cNvPr>
+              <p:cNvSpPr txBox="1">
+                <a:spLocks noRot="1" noChangeAspect="1" noMove="1" noResize="1" noEditPoints="1" noAdjustHandles="1" noChangeArrowheads="1" noChangeShapeType="1" noTextEdit="1"/>
+              </p:cNvSpPr>
+              <p:nvPr/>
+            </p:nvSpPr>
+            <p:spPr>
+              <a:xfrm>
+                <a:off x="5753941" y="3367300"/>
+                <a:ext cx="238720" cy="369332"/>
+              </a:xfrm>
+              <a:prstGeom prst="rect">
+                <a:avLst/>
+              </a:prstGeom>
+              <a:blipFill>
+                <a:blip r:embed="rId8"/>
+                <a:stretch>
+                  <a:fillRect l="-30769" r="-28205" b="-6557"/>
+                </a:stretch>
+              </a:blipFill>
+            </p:spPr>
+            <p:txBody>
+              <a:bodyPr/>
+              <a:lstStyle/>
+              <a:p>
+                <a:r>
+                  <a:rPr lang="en-SG">
+                    <a:noFill/>
+                  </a:rPr>
+                  <a:t> </a:t>
+                </a:r>
+              </a:p>
+            </p:txBody>
+          </p:sp>
+        </mc:Fallback>
+      </mc:AlternateContent>
+      <p:sp>
+        <p:nvSpPr>
+          <p:cNvPr id="3" name="TextBox 2">
+            <a:extLst>
+              <a:ext uri="{FF2B5EF4-FFF2-40B4-BE49-F238E27FC236}">
+                <a16:creationId xmlns:a16="http://schemas.microsoft.com/office/drawing/2014/main" id="{2F669BDF-4653-4092-8790-18383D3C29B7}"/>
+              </a:ext>
+            </a:extLst>
+          </p:cNvPr>
+          <p:cNvSpPr txBox="1"/>
+          <p:nvPr/>
+        </p:nvSpPr>
+        <p:spPr>
+          <a:xfrm>
+            <a:off x="1006228" y="3579405"/>
+            <a:ext cx="388248" cy="461665"/>
+          </a:xfrm>
+          <a:prstGeom prst="rect">
+            <a:avLst/>
+          </a:prstGeom>
+          <a:noFill/>
+        </p:spPr>
+        <p:txBody>
+          <a:bodyPr wrap="none" rtlCol="0">
+            <a:spAutoFit/>
+          </a:bodyPr>
+          <a:lstStyle/>
+          <a:p>
+            <a:r>
+              <a:rPr lang="en-SG" sz="2400" dirty="0"/>
+              <a:t>O</a:t>
+            </a:r>
+          </a:p>
+        </p:txBody>
+      </p:sp>
+      <p:sp>
+        <p:nvSpPr>
+          <p:cNvPr id="26" name="TextBox 25">
+            <a:extLst>
+              <a:ext uri="{FF2B5EF4-FFF2-40B4-BE49-F238E27FC236}">
+                <a16:creationId xmlns:a16="http://schemas.microsoft.com/office/drawing/2014/main" id="{FF516F4B-A2DD-44DE-A4D2-92917B8BB229}"/>
+              </a:ext>
+            </a:extLst>
+          </p:cNvPr>
+          <p:cNvSpPr txBox="1"/>
+          <p:nvPr/>
+        </p:nvSpPr>
+        <p:spPr>
+          <a:xfrm>
+            <a:off x="9245487" y="3745281"/>
+            <a:ext cx="325730" cy="461665"/>
+          </a:xfrm>
+          <a:prstGeom prst="rect">
+            <a:avLst/>
+          </a:prstGeom>
+          <a:noFill/>
+        </p:spPr>
+        <p:txBody>
+          <a:bodyPr wrap="none" rtlCol="0">
+            <a:spAutoFit/>
+          </a:bodyPr>
+          <a:lstStyle/>
+          <a:p>
+            <a:r>
+              <a:rPr lang="en-SG" sz="2400" dirty="0"/>
+              <a:t>S</a:t>
+            </a:r>
+          </a:p>
+        </p:txBody>
+      </p:sp>
+    </p:spTree>
+    <p:extLst>
+      <p:ext uri="{BB962C8B-B14F-4D97-AF65-F5344CB8AC3E}">
+        <p14:creationId xmlns:p14="http://schemas.microsoft.com/office/powerpoint/2010/main" val="3281301000"/>
+      </p:ext>
+    </p:extLst>
+  </p:cSld>
+  <p:clrMapOvr>
+    <a:masterClrMapping/>
+  </p:clrMapOvr>
+</p:sld>
+</file>
+
+<file path=ppt/slides/slide32.xml><?xml version="1.0" encoding="utf-8"?>
+<p:sld xmlns:a="http://schemas.openxmlformats.org/drawingml/2006/main" xmlns:r="http://schemas.openxmlformats.org/officeDocument/2006/relationships" xmlns:p="http://schemas.openxmlformats.org/presentationml/2006/main">
+  <p:cSld>
+    <p:spTree>
+      <p:nvGrpSpPr>
+        <p:cNvPr id="1" name=""/>
+        <p:cNvGrpSpPr/>
+        <p:nvPr/>
+      </p:nvGrpSpPr>
+      <p:grpSpPr>
+        <a:xfrm>
+          <a:off x="0" y="0"/>
+          <a:ext cx="0" cy="0"/>
+          <a:chOff x="0" y="0"/>
+          <a:chExt cx="0" cy="0"/>
+        </a:xfrm>
+      </p:grpSpPr>
+      <p:sp>
+        <p:nvSpPr>
+          <p:cNvPr id="2" name="Oval 1">
+            <a:extLst>
+              <a:ext uri="{FF2B5EF4-FFF2-40B4-BE49-F238E27FC236}">
+                <a16:creationId xmlns:a16="http://schemas.microsoft.com/office/drawing/2014/main" id="{A66C693E-142E-4BED-A5D7-CCEB088AB712}"/>
+              </a:ext>
+            </a:extLst>
+          </p:cNvPr>
+          <p:cNvSpPr/>
+          <p:nvPr/>
+        </p:nvSpPr>
+        <p:spPr>
+          <a:xfrm>
+            <a:off x="4350866" y="1997900"/>
+            <a:ext cx="3494761" cy="3494761"/>
+          </a:xfrm>
+          <a:prstGeom prst="ellipse">
+            <a:avLst/>
+          </a:prstGeom>
+          <a:noFill/>
+        </p:spPr>
+        <p:style>
+          <a:lnRef idx="2">
+            <a:schemeClr val="dk1"/>
+          </a:lnRef>
+          <a:fillRef idx="1">
+            <a:schemeClr val="lt1"/>
+          </a:fillRef>
+          <a:effectRef idx="0">
+            <a:schemeClr val="dk1"/>
+          </a:effectRef>
+          <a:fontRef idx="minor">
+            <a:schemeClr val="dk1"/>
+          </a:fontRef>
+        </p:style>
+        <p:txBody>
+          <a:bodyPr rtlCol="0" anchor="ctr"/>
+          <a:lstStyle/>
+          <a:p>
+            <a:pPr algn="ctr"/>
+            <a:endParaRPr lang="en-SG"/>
+          </a:p>
+        </p:txBody>
+      </p:sp>
+      <p:cxnSp>
+        <p:nvCxnSpPr>
+          <p:cNvPr id="7" name="Straight Connector 6">
+            <a:extLst>
+              <a:ext uri="{FF2B5EF4-FFF2-40B4-BE49-F238E27FC236}">
+                <a16:creationId xmlns:a16="http://schemas.microsoft.com/office/drawing/2014/main" id="{D2366A9D-1F3E-449B-89CD-B91609A8BE09}"/>
+              </a:ext>
+            </a:extLst>
+          </p:cNvPr>
+          <p:cNvCxnSpPr>
+            <a:cxnSpLocks/>
+          </p:cNvCxnSpPr>
+          <p:nvPr/>
+        </p:nvCxnSpPr>
+        <p:spPr>
+          <a:xfrm flipV="1">
+            <a:off x="1536526" y="3745283"/>
+            <a:ext cx="8849638" cy="18788"/>
+          </a:xfrm>
+          <a:prstGeom prst="line">
+            <a:avLst/>
+          </a:prstGeom>
+          <a:ln w="19050">
+            <a:prstDash val="dash"/>
+          </a:ln>
+        </p:spPr>
+        <p:style>
+          <a:lnRef idx="1">
+            <a:schemeClr val="dk1"/>
+          </a:lnRef>
+          <a:fillRef idx="0">
+            <a:schemeClr val="dk1"/>
+          </a:fillRef>
+          <a:effectRef idx="0">
+            <a:schemeClr val="dk1"/>
+          </a:effectRef>
+          <a:fontRef idx="minor">
+            <a:schemeClr val="tx1"/>
+          </a:fontRef>
+        </p:style>
+      </p:cxnSp>
+      <p:cxnSp>
+        <p:nvCxnSpPr>
+          <p:cNvPr id="10" name="Straight Connector 9">
+            <a:extLst>
+              <a:ext uri="{FF2B5EF4-FFF2-40B4-BE49-F238E27FC236}">
+                <a16:creationId xmlns:a16="http://schemas.microsoft.com/office/drawing/2014/main" id="{240B1291-14E5-47E4-80F3-0FD05D1F8B85}"/>
+              </a:ext>
+            </a:extLst>
+          </p:cNvPr>
+          <p:cNvCxnSpPr>
+            <a:cxnSpLocks/>
+          </p:cNvCxnSpPr>
+          <p:nvPr/>
+        </p:nvCxnSpPr>
+        <p:spPr>
+          <a:xfrm flipV="1">
+            <a:off x="1536526" y="2874723"/>
+            <a:ext cx="3029211" cy="889350"/>
+          </a:xfrm>
+          <a:prstGeom prst="line">
+            <a:avLst/>
+          </a:prstGeom>
+          <a:ln w="19050"/>
+        </p:spPr>
+        <p:style>
+          <a:lnRef idx="1">
+            <a:schemeClr val="dk1"/>
+          </a:lnRef>
+          <a:fillRef idx="0">
+            <a:schemeClr val="dk1"/>
+          </a:fillRef>
+          <a:effectRef idx="0">
+            <a:schemeClr val="dk1"/>
+          </a:effectRef>
+          <a:fontRef idx="minor">
+            <a:schemeClr val="tx1"/>
+          </a:fontRef>
+        </p:style>
+      </p:cxnSp>
+      <p:cxnSp>
+        <p:nvCxnSpPr>
+          <p:cNvPr id="12" name="Straight Connector 11">
+            <a:extLst>
+              <a:ext uri="{FF2B5EF4-FFF2-40B4-BE49-F238E27FC236}">
+                <a16:creationId xmlns:a16="http://schemas.microsoft.com/office/drawing/2014/main" id="{9F46C067-B3A2-47CA-8DD5-F3CCC4F948E3}"/>
+              </a:ext>
+            </a:extLst>
+          </p:cNvPr>
+          <p:cNvCxnSpPr>
+            <a:cxnSpLocks/>
+          </p:cNvCxnSpPr>
+          <p:nvPr/>
+        </p:nvCxnSpPr>
+        <p:spPr>
+          <a:xfrm>
+            <a:off x="7159664" y="2866583"/>
+            <a:ext cx="1971810" cy="894175"/>
+          </a:xfrm>
+          <a:prstGeom prst="line">
+            <a:avLst/>
+          </a:prstGeom>
+          <a:ln w="19050"/>
+        </p:spPr>
+        <p:style>
+          <a:lnRef idx="1">
+            <a:schemeClr val="dk1"/>
+          </a:lnRef>
+          <a:fillRef idx="0">
+            <a:schemeClr val="dk1"/>
+          </a:fillRef>
+          <a:effectRef idx="0">
+            <a:schemeClr val="dk1"/>
+          </a:effectRef>
+          <a:fontRef idx="minor">
+            <a:schemeClr val="tx1"/>
+          </a:fontRef>
+        </p:style>
+      </p:cxnSp>
+      <p:cxnSp>
+        <p:nvCxnSpPr>
+          <p:cNvPr id="16" name="Straight Connector 15">
+            <a:extLst>
+              <a:ext uri="{FF2B5EF4-FFF2-40B4-BE49-F238E27FC236}">
+                <a16:creationId xmlns:a16="http://schemas.microsoft.com/office/drawing/2014/main" id="{EF9FB068-5634-41F2-983E-38C603B254C1}"/>
+              </a:ext>
+            </a:extLst>
+          </p:cNvPr>
+          <p:cNvCxnSpPr>
+            <a:cxnSpLocks/>
+          </p:cNvCxnSpPr>
+          <p:nvPr/>
+        </p:nvCxnSpPr>
+        <p:spPr>
+          <a:xfrm>
+            <a:off x="4562046" y="2874721"/>
+            <a:ext cx="1533954" cy="870561"/>
+          </a:xfrm>
+          <a:prstGeom prst="line">
+            <a:avLst/>
+          </a:prstGeom>
+          <a:ln w="19050">
+            <a:prstDash val="dash"/>
+          </a:ln>
+        </p:spPr>
+        <p:style>
+          <a:lnRef idx="1">
+            <a:schemeClr val="dk1"/>
+          </a:lnRef>
+          <a:fillRef idx="0">
+            <a:schemeClr val="dk1"/>
+          </a:fillRef>
+          <a:effectRef idx="0">
+            <a:schemeClr val="dk1"/>
+          </a:effectRef>
+          <a:fontRef idx="minor">
+            <a:schemeClr val="tx1"/>
+          </a:fontRef>
+        </p:style>
+      </p:cxnSp>
+      <mc:AlternateContent xmlns:mc="http://schemas.openxmlformats.org/markup-compatibility/2006" xmlns:a14="http://schemas.microsoft.com/office/drawing/2010/main">
+        <mc:Choice Requires="a14">
+          <p:sp>
+            <p:nvSpPr>
+              <p:cNvPr id="34" name="TextBox 33">
+                <a:extLst>
+                  <a:ext uri="{FF2B5EF4-FFF2-40B4-BE49-F238E27FC236}">
+                    <a16:creationId xmlns:a16="http://schemas.microsoft.com/office/drawing/2014/main" id="{172A9D9F-ADDE-4199-8D52-A3E9E9E93E49}"/>
+                  </a:ext>
+                </a:extLst>
+              </p:cNvPr>
+              <p:cNvSpPr txBox="1"/>
+              <p:nvPr/>
+            </p:nvSpPr>
+            <p:spPr>
+              <a:xfrm>
+                <a:off x="2984397" y="3237538"/>
+                <a:ext cx="488515" cy="523220"/>
+              </a:xfrm>
+              <a:prstGeom prst="rect">
+                <a:avLst/>
+              </a:prstGeom>
+              <a:noFill/>
+            </p:spPr>
+            <p:txBody>
+              <a:bodyPr wrap="square" rtlCol="0">
+                <a:spAutoFit/>
+              </a:bodyPr>
+              <a:lstStyle/>
+              <a:p>
+                <a:pPr/>
+                <a14:m>
+                  <m:oMathPara xmlns:m="http://schemas.openxmlformats.org/officeDocument/2006/math">
+                    <m:oMathParaPr>
+                      <m:jc m:val="centerGroup"/>
+                    </m:oMathParaPr>
+                    <m:oMath xmlns:m="http://schemas.openxmlformats.org/officeDocument/2006/math">
+                      <m:sSub>
+                        <m:sSubPr>
+                          <m:ctrlPr>
+                            <a:rPr lang="en-GB" sz="2800" b="0" i="1" smtClean="0">
+                              <a:latin typeface="Cambria Math" panose="02040503050406030204" pitchFamily="18" charset="0"/>
+                              <a:ea typeface="Cambria Math" panose="02040503050406030204" pitchFamily="18" charset="0"/>
+                            </a:rPr>
+                          </m:ctrlPr>
+                        </m:sSubPr>
+                        <m:e>
+                          <m:r>
+                            <a:rPr lang="en-SG" sz="2800" i="1" smtClean="0">
+                              <a:latin typeface="Cambria Math" panose="02040503050406030204" pitchFamily="18" charset="0"/>
+                              <a:ea typeface="Cambria Math" panose="02040503050406030204" pitchFamily="18" charset="0"/>
+                            </a:rPr>
+                            <m:t>𝜃</m:t>
+                          </m:r>
+                        </m:e>
+                        <m:sub>
+                          <m:r>
+                            <a:rPr lang="en-GB" sz="2800" b="0" i="1" smtClean="0">
+                              <a:latin typeface="Cambria Math" panose="02040503050406030204" pitchFamily="18" charset="0"/>
+                              <a:ea typeface="Cambria Math" panose="02040503050406030204" pitchFamily="18" charset="0"/>
+                            </a:rPr>
+                            <m:t>𝐸</m:t>
+                          </m:r>
+                        </m:sub>
+                      </m:sSub>
+                    </m:oMath>
+                  </m:oMathPara>
+                </a14:m>
+                <a:endParaRPr lang="en-SG" sz="2800" dirty="0"/>
+              </a:p>
+            </p:txBody>
+          </p:sp>
+        </mc:Choice>
+        <mc:Fallback xmlns="">
+          <p:sp>
+            <p:nvSpPr>
+              <p:cNvPr id="34" name="TextBox 33">
+                <a:extLst>
+                  <a:ext uri="{FF2B5EF4-FFF2-40B4-BE49-F238E27FC236}">
+                    <a16:creationId xmlns:a16="http://schemas.microsoft.com/office/drawing/2014/main" id="{172A9D9F-ADDE-4199-8D52-A3E9E9E93E49}"/>
+                  </a:ext>
+                </a:extLst>
+              </p:cNvPr>
+              <p:cNvSpPr txBox="1">
+                <a:spLocks noRot="1" noChangeAspect="1" noMove="1" noResize="1" noEditPoints="1" noAdjustHandles="1" noChangeArrowheads="1" noChangeShapeType="1" noTextEdit="1"/>
+              </p:cNvSpPr>
+              <p:nvPr/>
+            </p:nvSpPr>
+            <p:spPr>
+              <a:xfrm>
+                <a:off x="2984397" y="3237538"/>
+                <a:ext cx="488515" cy="523220"/>
+              </a:xfrm>
+              <a:prstGeom prst="rect">
+                <a:avLst/>
+              </a:prstGeom>
+              <a:blipFill>
+                <a:blip r:embed="rId2"/>
+                <a:stretch>
+                  <a:fillRect/>
+                </a:stretch>
+              </a:blipFill>
+            </p:spPr>
+            <p:txBody>
+              <a:bodyPr/>
+              <a:lstStyle/>
+              <a:p>
+                <a:r>
+                  <a:rPr lang="en-SG">
+                    <a:noFill/>
+                  </a:rPr>
+                  <a:t> </a:t>
+                </a:r>
+              </a:p>
+            </p:txBody>
+          </p:sp>
+        </mc:Fallback>
+      </mc:AlternateContent>
+      <p:sp>
+        <p:nvSpPr>
+          <p:cNvPr id="40" name="Oval 39">
+            <a:extLst>
+              <a:ext uri="{FF2B5EF4-FFF2-40B4-BE49-F238E27FC236}">
+                <a16:creationId xmlns:a16="http://schemas.microsoft.com/office/drawing/2014/main" id="{7E8AEE58-DD5A-4D18-A839-EB2498292061}"/>
+              </a:ext>
+            </a:extLst>
+          </p:cNvPr>
+          <p:cNvSpPr/>
+          <p:nvPr/>
+        </p:nvSpPr>
+        <p:spPr>
+          <a:xfrm>
+            <a:off x="6027107" y="3694817"/>
+            <a:ext cx="131883" cy="131883"/>
+          </a:xfrm>
+          <a:prstGeom prst="ellipse">
+            <a:avLst/>
+          </a:prstGeom>
+        </p:spPr>
+        <p:style>
+          <a:lnRef idx="2">
+            <a:schemeClr val="dk1">
+              <a:shade val="50000"/>
+            </a:schemeClr>
+          </a:lnRef>
+          <a:fillRef idx="1">
+            <a:schemeClr val="dk1"/>
+          </a:fillRef>
+          <a:effectRef idx="0">
+            <a:schemeClr val="dk1"/>
+          </a:effectRef>
+          <a:fontRef idx="minor">
+            <a:schemeClr val="lt1"/>
+          </a:fontRef>
+        </p:style>
+        <p:txBody>
+          <a:bodyPr rtlCol="0" anchor="ctr"/>
+          <a:lstStyle/>
+          <a:p>
+            <a:pPr algn="ctr"/>
+            <a:endParaRPr lang="en-SG" sz="2400"/>
+          </a:p>
+        </p:txBody>
+      </p:sp>
+      <p:sp>
+        <p:nvSpPr>
+          <p:cNvPr id="43" name="Freeform: Shape 42">
+            <a:extLst>
+              <a:ext uri="{FF2B5EF4-FFF2-40B4-BE49-F238E27FC236}">
+                <a16:creationId xmlns:a16="http://schemas.microsoft.com/office/drawing/2014/main" id="{DE2A8D6E-4EF3-41BE-9537-8126A1F0268F}"/>
+              </a:ext>
+            </a:extLst>
+          </p:cNvPr>
+          <p:cNvSpPr/>
+          <p:nvPr/>
+        </p:nvSpPr>
+        <p:spPr>
+          <a:xfrm rot="676057">
+            <a:off x="2754374" y="3427770"/>
+            <a:ext cx="115026" cy="318408"/>
+          </a:xfrm>
+          <a:custGeom>
+            <a:avLst/>
+            <a:gdLst>
+              <a:gd name="connsiteX0" fmla="*/ 0 w 132331"/>
+              <a:gd name="connsiteY0" fmla="*/ 0 h 400833"/>
+              <a:gd name="connsiteX1" fmla="*/ 112734 w 132331"/>
+              <a:gd name="connsiteY1" fmla="*/ 169102 h 400833"/>
+              <a:gd name="connsiteX2" fmla="*/ 131523 w 132331"/>
+              <a:gd name="connsiteY2" fmla="*/ 400833 h 400833"/>
+            </a:gdLst>
+            <a:ahLst/>
+            <a:cxnLst>
+              <a:cxn ang="0">
+                <a:pos x="connsiteX0" y="connsiteY0"/>
+              </a:cxn>
+              <a:cxn ang="0">
+                <a:pos x="connsiteX1" y="connsiteY1"/>
+              </a:cxn>
+              <a:cxn ang="0">
+                <a:pos x="connsiteX2" y="connsiteY2"/>
+              </a:cxn>
+            </a:cxnLst>
+            <a:rect l="l" t="t" r="r" b="b"/>
+            <a:pathLst>
+              <a:path w="132331" h="400833">
+                <a:moveTo>
+                  <a:pt x="0" y="0"/>
+                </a:moveTo>
+                <a:cubicBezTo>
+                  <a:pt x="45407" y="51148"/>
+                  <a:pt x="90814" y="102297"/>
+                  <a:pt x="112734" y="169102"/>
+                </a:cubicBezTo>
+                <a:cubicBezTo>
+                  <a:pt x="134654" y="235907"/>
+                  <a:pt x="133088" y="318370"/>
+                  <a:pt x="131523" y="400833"/>
+                </a:cubicBezTo>
+              </a:path>
+            </a:pathLst>
+          </a:custGeom>
+          <a:ln w="12700"/>
+        </p:spPr>
+        <p:style>
+          <a:lnRef idx="1">
+            <a:schemeClr val="dk1"/>
+          </a:lnRef>
+          <a:fillRef idx="0">
+            <a:schemeClr val="dk1"/>
+          </a:fillRef>
+          <a:effectRef idx="0">
+            <a:schemeClr val="dk1"/>
+          </a:effectRef>
+          <a:fontRef idx="minor">
+            <a:schemeClr val="tx1"/>
+          </a:fontRef>
+        </p:style>
+        <p:txBody>
+          <a:bodyPr rtlCol="0" anchor="ctr"/>
+          <a:lstStyle/>
+          <a:p>
+            <a:pPr algn="ctr"/>
+            <a:endParaRPr lang="en-SG" sz="2400"/>
+          </a:p>
+        </p:txBody>
+      </p:sp>
+      <p:sp>
+        <p:nvSpPr>
+          <p:cNvPr id="3" name="TextBox 2">
+            <a:extLst>
+              <a:ext uri="{FF2B5EF4-FFF2-40B4-BE49-F238E27FC236}">
+                <a16:creationId xmlns:a16="http://schemas.microsoft.com/office/drawing/2014/main" id="{2F669BDF-4653-4092-8790-18383D3C29B7}"/>
+              </a:ext>
+            </a:extLst>
+          </p:cNvPr>
+          <p:cNvSpPr txBox="1"/>
+          <p:nvPr/>
+        </p:nvSpPr>
+        <p:spPr>
+          <a:xfrm>
+            <a:off x="1006228" y="3579405"/>
+            <a:ext cx="388248" cy="461665"/>
+          </a:xfrm>
+          <a:prstGeom prst="rect">
+            <a:avLst/>
+          </a:prstGeom>
+          <a:noFill/>
+        </p:spPr>
+        <p:txBody>
+          <a:bodyPr wrap="none" rtlCol="0">
+            <a:spAutoFit/>
+          </a:bodyPr>
+          <a:lstStyle/>
+          <a:p>
+            <a:r>
+              <a:rPr lang="en-SG" sz="2400" dirty="0"/>
+              <a:t>O</a:t>
+            </a:r>
+          </a:p>
+        </p:txBody>
+      </p:sp>
+      <p:sp>
+        <p:nvSpPr>
+          <p:cNvPr id="26" name="TextBox 25">
+            <a:extLst>
+              <a:ext uri="{FF2B5EF4-FFF2-40B4-BE49-F238E27FC236}">
+                <a16:creationId xmlns:a16="http://schemas.microsoft.com/office/drawing/2014/main" id="{FF516F4B-A2DD-44DE-A4D2-92917B8BB229}"/>
+              </a:ext>
+            </a:extLst>
+          </p:cNvPr>
+          <p:cNvSpPr txBox="1"/>
+          <p:nvPr/>
+        </p:nvSpPr>
+        <p:spPr>
+          <a:xfrm>
+            <a:off x="9245487" y="3745281"/>
+            <a:ext cx="325730" cy="461665"/>
+          </a:xfrm>
+          <a:prstGeom prst="rect">
+            <a:avLst/>
+          </a:prstGeom>
+          <a:noFill/>
+        </p:spPr>
+        <p:txBody>
+          <a:bodyPr wrap="none" rtlCol="0">
+            <a:spAutoFit/>
+          </a:bodyPr>
+          <a:lstStyle/>
+          <a:p>
+            <a:r>
+              <a:rPr lang="en-SG" sz="2400" dirty="0"/>
+              <a:t>S</a:t>
+            </a:r>
+          </a:p>
+        </p:txBody>
+      </p:sp>
+      <p:sp>
+        <p:nvSpPr>
+          <p:cNvPr id="9" name="Oval 8">
+            <a:extLst>
+              <a:ext uri="{FF2B5EF4-FFF2-40B4-BE49-F238E27FC236}">
+                <a16:creationId xmlns:a16="http://schemas.microsoft.com/office/drawing/2014/main" id="{EEA108C8-BABD-4A88-837B-FF65CAB3759F}"/>
+              </a:ext>
+            </a:extLst>
+          </p:cNvPr>
+          <p:cNvSpPr/>
+          <p:nvPr/>
+        </p:nvSpPr>
+        <p:spPr>
+          <a:xfrm>
+            <a:off x="4763545" y="2362362"/>
+            <a:ext cx="2664909" cy="2664909"/>
+          </a:xfrm>
+          <a:prstGeom prst="ellipse">
+            <a:avLst/>
+          </a:prstGeom>
+          <a:noFill/>
+          <a:ln>
+            <a:solidFill>
+              <a:schemeClr val="bg2">
+                <a:lumMod val="75000"/>
+              </a:schemeClr>
+            </a:solidFill>
+          </a:ln>
+        </p:spPr>
+        <p:style>
+          <a:lnRef idx="2">
+            <a:schemeClr val="dk1"/>
+          </a:lnRef>
+          <a:fillRef idx="1">
+            <a:schemeClr val="lt1"/>
+          </a:fillRef>
+          <a:effectRef idx="0">
+            <a:schemeClr val="dk1"/>
+          </a:effectRef>
+          <a:fontRef idx="minor">
+            <a:schemeClr val="dk1"/>
+          </a:fontRef>
+        </p:style>
+        <p:txBody>
+          <a:bodyPr rtlCol="0" anchor="ctr"/>
+          <a:lstStyle/>
+          <a:p>
+            <a:pPr algn="ctr"/>
+            <a:endParaRPr lang="en-SG"/>
+          </a:p>
+        </p:txBody>
+      </p:sp>
+      <p:cxnSp>
+        <p:nvCxnSpPr>
+          <p:cNvPr id="33" name="Straight Connector 32">
+            <a:extLst>
+              <a:ext uri="{FF2B5EF4-FFF2-40B4-BE49-F238E27FC236}">
+                <a16:creationId xmlns:a16="http://schemas.microsoft.com/office/drawing/2014/main" id="{34A1A6E4-AF62-4515-8D50-152AAF1C0E3C}"/>
+              </a:ext>
+            </a:extLst>
+          </p:cNvPr>
+          <p:cNvCxnSpPr>
+            <a:cxnSpLocks/>
+            <a:stCxn id="40" idx="7"/>
+          </p:cNvCxnSpPr>
+          <p:nvPr/>
+        </p:nvCxnSpPr>
+        <p:spPr>
+          <a:xfrm flipV="1">
+            <a:off x="6139676" y="2874721"/>
+            <a:ext cx="1019988" cy="839410"/>
+          </a:xfrm>
+          <a:prstGeom prst="line">
+            <a:avLst/>
+          </a:prstGeom>
+          <a:ln w="19050">
+            <a:prstDash val="dash"/>
+          </a:ln>
+        </p:spPr>
+        <p:style>
+          <a:lnRef idx="1">
+            <a:schemeClr val="dk1"/>
+          </a:lnRef>
+          <a:fillRef idx="0">
+            <a:schemeClr val="dk1"/>
+          </a:fillRef>
+          <a:effectRef idx="0">
+            <a:schemeClr val="dk1"/>
+          </a:effectRef>
+          <a:fontRef idx="minor">
+            <a:schemeClr val="tx1"/>
+          </a:fontRef>
+        </p:style>
+      </p:cxnSp>
+      <p:sp>
+        <p:nvSpPr>
+          <p:cNvPr id="28" name="Freeform: Shape 27">
+            <a:extLst>
+              <a:ext uri="{FF2B5EF4-FFF2-40B4-BE49-F238E27FC236}">
+                <a16:creationId xmlns:a16="http://schemas.microsoft.com/office/drawing/2014/main" id="{DCCBF7F7-DE01-4DC0-8AC0-A2748878FF67}"/>
+              </a:ext>
+            </a:extLst>
+          </p:cNvPr>
+          <p:cNvSpPr/>
+          <p:nvPr/>
+        </p:nvSpPr>
+        <p:spPr>
+          <a:xfrm>
+            <a:off x="4559474" y="2599146"/>
+            <a:ext cx="2617940" cy="281840"/>
+          </a:xfrm>
+          <a:custGeom>
+            <a:avLst/>
+            <a:gdLst>
+              <a:gd name="connsiteX0" fmla="*/ 0 w 2617940"/>
+              <a:gd name="connsiteY0" fmla="*/ 275577 h 281840"/>
+              <a:gd name="connsiteX1" fmla="*/ 1484334 w 2617940"/>
+              <a:gd name="connsiteY1" fmla="*/ 5 h 281840"/>
+              <a:gd name="connsiteX2" fmla="*/ 2617940 w 2617940"/>
+              <a:gd name="connsiteY2" fmla="*/ 281840 h 281840"/>
+            </a:gdLst>
+            <a:ahLst/>
+            <a:cxnLst>
+              <a:cxn ang="0">
+                <a:pos x="connsiteX0" y="connsiteY0"/>
+              </a:cxn>
+              <a:cxn ang="0">
+                <a:pos x="connsiteX1" y="connsiteY1"/>
+              </a:cxn>
+              <a:cxn ang="0">
+                <a:pos x="connsiteX2" y="connsiteY2"/>
+              </a:cxn>
+            </a:cxnLst>
+            <a:rect l="l" t="t" r="r" b="b"/>
+            <a:pathLst>
+              <a:path w="2617940" h="281840">
+                <a:moveTo>
+                  <a:pt x="0" y="275577"/>
+                </a:moveTo>
+                <a:cubicBezTo>
+                  <a:pt x="524005" y="137269"/>
+                  <a:pt x="1048011" y="-1039"/>
+                  <a:pt x="1484334" y="5"/>
+                </a:cubicBezTo>
+                <a:cubicBezTo>
+                  <a:pt x="1920657" y="1049"/>
+                  <a:pt x="2269298" y="141444"/>
+                  <a:pt x="2617940" y="281840"/>
+                </a:cubicBezTo>
+              </a:path>
+            </a:pathLst>
+          </a:custGeom>
+          <a:ln w="19050"/>
+        </p:spPr>
+        <p:style>
+          <a:lnRef idx="2">
+            <a:schemeClr val="dk1"/>
+          </a:lnRef>
+          <a:fillRef idx="0">
+            <a:schemeClr val="dk1"/>
+          </a:fillRef>
+          <a:effectRef idx="1">
+            <a:schemeClr val="dk1"/>
+          </a:effectRef>
+          <a:fontRef idx="minor">
+            <a:schemeClr val="tx1"/>
+          </a:fontRef>
+        </p:style>
+        <p:txBody>
+          <a:bodyPr rtlCol="0" anchor="ctr"/>
+          <a:lstStyle/>
+          <a:p>
+            <a:pPr algn="ctr"/>
+            <a:endParaRPr lang="en-SG"/>
+          </a:p>
+        </p:txBody>
+      </p:sp>
+      <p:sp>
+        <p:nvSpPr>
+          <p:cNvPr id="29" name="Oval 28">
+            <a:extLst>
+              <a:ext uri="{FF2B5EF4-FFF2-40B4-BE49-F238E27FC236}">
+                <a16:creationId xmlns:a16="http://schemas.microsoft.com/office/drawing/2014/main" id="{B1B2DF6B-8360-4F84-950A-F976F87F64CE}"/>
+              </a:ext>
+            </a:extLst>
+          </p:cNvPr>
+          <p:cNvSpPr/>
+          <p:nvPr/>
+        </p:nvSpPr>
+        <p:spPr>
+          <a:xfrm>
+            <a:off x="7069729" y="2819640"/>
+            <a:ext cx="144852" cy="144852"/>
+          </a:xfrm>
+          <a:prstGeom prst="ellipse">
+            <a:avLst/>
+          </a:prstGeom>
+          <a:noFill/>
+        </p:spPr>
+        <p:style>
+          <a:lnRef idx="2">
+            <a:schemeClr val="dk1"/>
+          </a:lnRef>
+          <a:fillRef idx="1">
+            <a:schemeClr val="lt1"/>
+          </a:fillRef>
+          <a:effectRef idx="0">
+            <a:schemeClr val="dk1"/>
+          </a:effectRef>
+          <a:fontRef idx="minor">
+            <a:schemeClr val="dk1"/>
+          </a:fontRef>
+        </p:style>
+        <p:txBody>
+          <a:bodyPr rtlCol="0" anchor="ctr"/>
+          <a:lstStyle/>
+          <a:p>
+            <a:pPr algn="ctr"/>
+            <a:endParaRPr lang="en-SG"/>
+          </a:p>
+        </p:txBody>
+      </p:sp>
+      <p:sp>
+        <p:nvSpPr>
+          <p:cNvPr id="46" name="Oval 45">
+            <a:extLst>
+              <a:ext uri="{FF2B5EF4-FFF2-40B4-BE49-F238E27FC236}">
+                <a16:creationId xmlns:a16="http://schemas.microsoft.com/office/drawing/2014/main" id="{FA1D61BF-977C-4BC8-A039-C6489AC904C8}"/>
+              </a:ext>
+            </a:extLst>
+          </p:cNvPr>
+          <p:cNvSpPr/>
+          <p:nvPr/>
+        </p:nvSpPr>
+        <p:spPr>
+          <a:xfrm>
+            <a:off x="4513224" y="2801470"/>
+            <a:ext cx="144852" cy="144852"/>
+          </a:xfrm>
+          <a:prstGeom prst="ellipse">
+            <a:avLst/>
+          </a:prstGeom>
+          <a:noFill/>
+        </p:spPr>
+        <p:style>
+          <a:lnRef idx="2">
+            <a:schemeClr val="dk1"/>
+          </a:lnRef>
+          <a:fillRef idx="1">
+            <a:schemeClr val="lt1"/>
+          </a:fillRef>
+          <a:effectRef idx="0">
+            <a:schemeClr val="dk1"/>
+          </a:effectRef>
+          <a:fontRef idx="minor">
+            <a:schemeClr val="dk1"/>
+          </a:fontRef>
+        </p:style>
+        <p:txBody>
+          <a:bodyPr rtlCol="0" anchor="ctr"/>
+          <a:lstStyle/>
+          <a:p>
+            <a:pPr algn="ctr"/>
+            <a:endParaRPr lang="en-SG"/>
+          </a:p>
+        </p:txBody>
+      </p:sp>
+      <mc:AlternateContent xmlns:mc="http://schemas.openxmlformats.org/markup-compatibility/2006">
+        <mc:Choice xmlns:a14="http://schemas.microsoft.com/office/drawing/2010/main" Requires="a14">
+          <p:sp>
+            <p:nvSpPr>
+              <p:cNvPr id="30" name="TextBox 29">
+                <a:extLst>
+                  <a:ext uri="{FF2B5EF4-FFF2-40B4-BE49-F238E27FC236}">
+                    <a16:creationId xmlns:a16="http://schemas.microsoft.com/office/drawing/2014/main" id="{669B39B8-CF61-4DD7-81BB-DD29F4A24251}"/>
+                  </a:ext>
+                </a:extLst>
+              </p:cNvPr>
+              <p:cNvSpPr txBox="1"/>
+              <p:nvPr/>
+            </p:nvSpPr>
+            <p:spPr>
+              <a:xfrm>
+                <a:off x="6343532" y="2929669"/>
+                <a:ext cx="418256" cy="307777"/>
+              </a:xfrm>
+              <a:prstGeom prst="rect">
+                <a:avLst/>
+              </a:prstGeom>
+              <a:noFill/>
+            </p:spPr>
+            <p:txBody>
+              <a:bodyPr wrap="none" lIns="0" tIns="0" rIns="0" bIns="0" rtlCol="0">
+                <a:spAutoFit/>
+              </a:bodyPr>
+              <a:lstStyle/>
+              <a:p>
+                <a14:m>
+                  <m:oMathPara xmlns:m="http://schemas.openxmlformats.org/officeDocument/2006/math">
+                    <m:oMathParaPr>
+                      <m:jc m:val="centerGroup"/>
+                    </m:oMathParaPr>
+                    <m:oMath xmlns:m="http://schemas.openxmlformats.org/officeDocument/2006/math">
+                      <m:sSub>
+                        <m:sSubPr>
+                          <m:ctrlPr>
+                            <a:rPr lang="en-SG" sz="2000" b="0" i="1" smtClean="0">
+                              <a:latin typeface="Cambria Math" panose="02040503050406030204" pitchFamily="18" charset="0"/>
+                            </a:rPr>
+                          </m:ctrlPr>
+                        </m:sSubPr>
+                        <m:e>
+                          <m:r>
+                            <a:rPr lang="en-SG" sz="2000" b="0" i="1" smtClean="0">
+                              <a:latin typeface="Cambria Math" panose="02040503050406030204" pitchFamily="18" charset="0"/>
+                            </a:rPr>
+                            <m:t>𝑅</m:t>
+                          </m:r>
+                        </m:e>
+                        <m:sub>
+                          <m:r>
+                            <a:rPr lang="en-SG" sz="2000" b="0" i="1" smtClean="0">
+                              <a:latin typeface="Cambria Math" panose="02040503050406030204" pitchFamily="18" charset="0"/>
+                            </a:rPr>
+                            <m:t>𝑖𝑛</m:t>
+                          </m:r>
+                        </m:sub>
+                      </m:sSub>
+                    </m:oMath>
+                  </m:oMathPara>
+                </a14:m>
+                <a:endParaRPr lang="en-SG" dirty="0"/>
+              </a:p>
+            </p:txBody>
+          </p:sp>
+        </mc:Choice>
+        <mc:Fallback>
+          <p:sp>
+            <p:nvSpPr>
+              <p:cNvPr id="30" name="TextBox 29">
+                <a:extLst>
+                  <a:ext uri="{FF2B5EF4-FFF2-40B4-BE49-F238E27FC236}">
+                    <a16:creationId xmlns:a16="http://schemas.microsoft.com/office/drawing/2014/main" id="{669B39B8-CF61-4DD7-81BB-DD29F4A24251}"/>
+                  </a:ext>
+                </a:extLst>
+              </p:cNvPr>
+              <p:cNvSpPr txBox="1">
+                <a:spLocks noRot="1" noChangeAspect="1" noMove="1" noResize="1" noEditPoints="1" noAdjustHandles="1" noChangeArrowheads="1" noChangeShapeType="1" noTextEdit="1"/>
+              </p:cNvSpPr>
+              <p:nvPr/>
+            </p:nvSpPr>
+            <p:spPr>
+              <a:xfrm>
+                <a:off x="6343532" y="2929669"/>
+                <a:ext cx="418256" cy="307777"/>
+              </a:xfrm>
+              <a:prstGeom prst="rect">
+                <a:avLst/>
+              </a:prstGeom>
+              <a:blipFill>
+                <a:blip r:embed="rId3"/>
+                <a:stretch>
+                  <a:fillRect l="-14706" r="-7353" b="-18000"/>
+                </a:stretch>
+              </a:blipFill>
+            </p:spPr>
+            <p:txBody>
+              <a:bodyPr/>
+              <a:lstStyle/>
+              <a:p>
+                <a:r>
+                  <a:rPr lang="en-SG">
+                    <a:noFill/>
+                  </a:rPr>
+                  <a:t> </a:t>
+                </a:r>
+              </a:p>
+            </p:txBody>
+          </p:sp>
+        </mc:Fallback>
+      </mc:AlternateContent>
+      <mc:AlternateContent xmlns:mc="http://schemas.openxmlformats.org/markup-compatibility/2006">
+        <mc:Choice xmlns:a14="http://schemas.microsoft.com/office/drawing/2010/main" Requires="a14">
+          <p:sp>
+            <p:nvSpPr>
+              <p:cNvPr id="50" name="TextBox 49">
+                <a:extLst>
+                  <a:ext uri="{FF2B5EF4-FFF2-40B4-BE49-F238E27FC236}">
+                    <a16:creationId xmlns:a16="http://schemas.microsoft.com/office/drawing/2014/main" id="{400C863A-E89B-4A83-9E29-398EBAFAF862}"/>
+                  </a:ext>
+                </a:extLst>
+              </p:cNvPr>
+              <p:cNvSpPr txBox="1"/>
+              <p:nvPr/>
+            </p:nvSpPr>
+            <p:spPr>
+              <a:xfrm>
+                <a:off x="5214379" y="2929669"/>
+                <a:ext cx="546688" cy="307777"/>
+              </a:xfrm>
+              <a:prstGeom prst="rect">
+                <a:avLst/>
+              </a:prstGeom>
+              <a:noFill/>
+            </p:spPr>
+            <p:txBody>
+              <a:bodyPr wrap="none" lIns="0" tIns="0" rIns="0" bIns="0" rtlCol="0">
+                <a:spAutoFit/>
+              </a:bodyPr>
+              <a:lstStyle/>
+              <a:p>
+                <a14:m>
+                  <m:oMathPara xmlns:m="http://schemas.openxmlformats.org/officeDocument/2006/math">
+                    <m:oMathParaPr>
+                      <m:jc m:val="centerGroup"/>
+                    </m:oMathParaPr>
+                    <m:oMath xmlns:m="http://schemas.openxmlformats.org/officeDocument/2006/math">
+                      <m:sSub>
+                        <m:sSubPr>
+                          <m:ctrlPr>
+                            <a:rPr lang="en-SG" sz="2000" b="0" i="1" smtClean="0">
+                              <a:latin typeface="Cambria Math" panose="02040503050406030204" pitchFamily="18" charset="0"/>
+                            </a:rPr>
+                          </m:ctrlPr>
+                        </m:sSubPr>
+                        <m:e>
+                          <m:r>
+                            <a:rPr lang="en-SG" sz="2000" b="0" i="1" smtClean="0">
+                              <a:latin typeface="Cambria Math" panose="02040503050406030204" pitchFamily="18" charset="0"/>
+                            </a:rPr>
+                            <m:t>𝑅</m:t>
+                          </m:r>
+                        </m:e>
+                        <m:sub>
+                          <m:r>
+                            <a:rPr lang="en-SG" sz="2000" b="0" i="1" smtClean="0">
+                              <a:latin typeface="Cambria Math" panose="02040503050406030204" pitchFamily="18" charset="0"/>
+                            </a:rPr>
+                            <m:t>𝑜𝑢𝑡</m:t>
+                          </m:r>
+                        </m:sub>
+                      </m:sSub>
+                    </m:oMath>
+                  </m:oMathPara>
+                </a14:m>
+                <a:endParaRPr lang="en-SG" sz="2000" dirty="0"/>
+              </a:p>
+            </p:txBody>
+          </p:sp>
+        </mc:Choice>
+        <mc:Fallback>
+          <p:sp>
+            <p:nvSpPr>
+              <p:cNvPr id="50" name="TextBox 49">
+                <a:extLst>
+                  <a:ext uri="{FF2B5EF4-FFF2-40B4-BE49-F238E27FC236}">
+                    <a16:creationId xmlns:a16="http://schemas.microsoft.com/office/drawing/2014/main" id="{400C863A-E89B-4A83-9E29-398EBAFAF862}"/>
+                  </a:ext>
+                </a:extLst>
+              </p:cNvPr>
+              <p:cNvSpPr txBox="1">
+                <a:spLocks noRot="1" noChangeAspect="1" noMove="1" noResize="1" noEditPoints="1" noAdjustHandles="1" noChangeArrowheads="1" noChangeShapeType="1" noTextEdit="1"/>
+              </p:cNvSpPr>
+              <p:nvPr/>
+            </p:nvSpPr>
+            <p:spPr>
+              <a:xfrm>
+                <a:off x="5214379" y="2929669"/>
+                <a:ext cx="546688" cy="307777"/>
+              </a:xfrm>
+              <a:prstGeom prst="rect">
+                <a:avLst/>
+              </a:prstGeom>
+              <a:blipFill>
+                <a:blip r:embed="rId4"/>
+                <a:stretch>
+                  <a:fillRect l="-10000" r="-3333" b="-16000"/>
+                </a:stretch>
+              </a:blipFill>
+            </p:spPr>
+            <p:txBody>
+              <a:bodyPr/>
+              <a:lstStyle/>
+              <a:p>
+                <a:r>
+                  <a:rPr lang="en-SG">
+                    <a:noFill/>
+                  </a:rPr>
+                  <a:t> </a:t>
+                </a:r>
+              </a:p>
+            </p:txBody>
+          </p:sp>
+        </mc:Fallback>
+      </mc:AlternateContent>
+      <p:sp>
+        <p:nvSpPr>
+          <p:cNvPr id="53" name="TextBox 52">
+            <a:extLst>
+              <a:ext uri="{FF2B5EF4-FFF2-40B4-BE49-F238E27FC236}">
+                <a16:creationId xmlns:a16="http://schemas.microsoft.com/office/drawing/2014/main" id="{C8BA1AC0-C23F-409A-A40A-C08DFCDB648A}"/>
+              </a:ext>
+            </a:extLst>
+          </p:cNvPr>
+          <p:cNvSpPr txBox="1"/>
+          <p:nvPr/>
+        </p:nvSpPr>
+        <p:spPr>
+          <a:xfrm rot="20618420">
+            <a:off x="1959554" y="2883848"/>
+            <a:ext cx="1828799" cy="369332"/>
+          </a:xfrm>
+          <a:prstGeom prst="rect">
+            <a:avLst/>
+          </a:prstGeom>
+          <a:noFill/>
+        </p:spPr>
+        <p:txBody>
+          <a:bodyPr wrap="square" rtlCol="0">
+            <a:spAutoFit/>
+          </a:bodyPr>
+          <a:lstStyle/>
+          <a:p>
+            <a:r>
+              <a:rPr lang="en-SG" dirty="0">
+                <a:solidFill>
+                  <a:schemeClr val="bg2">
+                    <a:lumMod val="25000"/>
+                  </a:schemeClr>
+                </a:solidFill>
+              </a:rPr>
+              <a:t>our calculations</a:t>
+            </a:r>
+          </a:p>
+        </p:txBody>
+      </p:sp>
+      <p:sp>
+        <p:nvSpPr>
+          <p:cNvPr id="54" name="TextBox 53">
+            <a:extLst>
+              <a:ext uri="{FF2B5EF4-FFF2-40B4-BE49-F238E27FC236}">
+                <a16:creationId xmlns:a16="http://schemas.microsoft.com/office/drawing/2014/main" id="{72C9C936-B38B-4211-8895-09C24208D35E}"/>
+              </a:ext>
+            </a:extLst>
+          </p:cNvPr>
+          <p:cNvSpPr txBox="1"/>
+          <p:nvPr/>
+        </p:nvSpPr>
+        <p:spPr>
+          <a:xfrm rot="20618420">
+            <a:off x="2903962" y="2219423"/>
+            <a:ext cx="1828799" cy="369332"/>
+          </a:xfrm>
+          <a:prstGeom prst="rect">
+            <a:avLst/>
+          </a:prstGeom>
+          <a:noFill/>
+        </p:spPr>
+        <p:txBody>
+          <a:bodyPr wrap="square" rtlCol="0">
+            <a:spAutoFit/>
+          </a:bodyPr>
+          <a:lstStyle/>
+          <a:p>
+            <a:r>
+              <a:rPr lang="en-SG" dirty="0">
+                <a:solidFill>
+                  <a:schemeClr val="bg2">
+                    <a:lumMod val="25000"/>
+                  </a:schemeClr>
+                </a:solidFill>
+              </a:rPr>
+              <a:t>light propagation</a:t>
+            </a:r>
+          </a:p>
+        </p:txBody>
+      </p:sp>
+      <p:cxnSp>
+        <p:nvCxnSpPr>
+          <p:cNvPr id="55" name="Straight Arrow Connector 54">
+            <a:extLst>
+              <a:ext uri="{FF2B5EF4-FFF2-40B4-BE49-F238E27FC236}">
+                <a16:creationId xmlns:a16="http://schemas.microsoft.com/office/drawing/2014/main" id="{AF8839F8-D054-439A-9A2E-5C0471BE4567}"/>
+              </a:ext>
+            </a:extLst>
+          </p:cNvPr>
+          <p:cNvCxnSpPr>
+            <a:cxnSpLocks/>
+          </p:cNvCxnSpPr>
+          <p:nvPr/>
+        </p:nvCxnSpPr>
+        <p:spPr>
+          <a:xfrm rot="21208067" flipH="1">
+            <a:off x="2194370" y="2728803"/>
+            <a:ext cx="683749" cy="129074"/>
+          </a:xfrm>
+          <a:prstGeom prst="straightConnector1">
+            <a:avLst/>
+          </a:prstGeom>
+          <a:ln w="28575">
+            <a:tailEnd type="triangle"/>
+          </a:ln>
+        </p:spPr>
+        <p:style>
+          <a:lnRef idx="3">
+            <a:schemeClr val="accent3"/>
+          </a:lnRef>
+          <a:fillRef idx="0">
+            <a:schemeClr val="accent3"/>
+          </a:fillRef>
+          <a:effectRef idx="2">
+            <a:schemeClr val="accent3"/>
+          </a:effectRef>
+          <a:fontRef idx="minor">
+            <a:schemeClr val="tx1"/>
+          </a:fontRef>
+        </p:style>
+      </p:cxnSp>
+      <p:cxnSp>
+        <p:nvCxnSpPr>
+          <p:cNvPr id="66" name="Straight Arrow Connector 65">
+            <a:extLst>
+              <a:ext uri="{FF2B5EF4-FFF2-40B4-BE49-F238E27FC236}">
+                <a16:creationId xmlns:a16="http://schemas.microsoft.com/office/drawing/2014/main" id="{9A87A2B8-DC2F-416D-98A5-B45D0D0E31DB}"/>
+              </a:ext>
+            </a:extLst>
+          </p:cNvPr>
+          <p:cNvCxnSpPr>
+            <a:cxnSpLocks/>
+          </p:cNvCxnSpPr>
+          <p:nvPr/>
+        </p:nvCxnSpPr>
+        <p:spPr>
+          <a:xfrm flipV="1">
+            <a:off x="3659953" y="2628110"/>
+            <a:ext cx="756052" cy="219220"/>
+          </a:xfrm>
+          <a:prstGeom prst="straightConnector1">
+            <a:avLst/>
+          </a:prstGeom>
+          <a:ln w="28575">
+            <a:tailEnd type="triangle"/>
+          </a:ln>
+        </p:spPr>
+        <p:style>
+          <a:lnRef idx="3">
+            <a:schemeClr val="accent3"/>
+          </a:lnRef>
+          <a:fillRef idx="0">
+            <a:schemeClr val="accent3"/>
+          </a:fillRef>
+          <a:effectRef idx="2">
+            <a:schemeClr val="accent3"/>
+          </a:effectRef>
+          <a:fontRef idx="minor">
+            <a:schemeClr val="tx1"/>
+          </a:fontRef>
+        </p:style>
+      </p:cxnSp>
+    </p:spTree>
+    <p:extLst>
+      <p:ext uri="{BB962C8B-B14F-4D97-AF65-F5344CB8AC3E}">
+        <p14:creationId xmlns:p14="http://schemas.microsoft.com/office/powerpoint/2010/main" val="650106375"/>
+      </p:ext>
+    </p:extLst>
+  </p:cSld>
+  <p:clrMapOvr>
+    <a:masterClrMapping/>
+  </p:clrMapOvr>
+</p:sld>
+</file>
+
 <file path=ppt/slides/slide4.xml><?xml version="1.0" encoding="utf-8"?>
 <p:sld xmlns:a="http://schemas.openxmlformats.org/drawingml/2006/main" xmlns:r="http://schemas.openxmlformats.org/officeDocument/2006/relationships" xmlns:p="http://schemas.openxmlformats.org/presentationml/2006/main">
   <p:cSld>
@@ -13625,8 +16328,8 @@
         </p:nvCxnSpPr>
         <p:spPr>
           <a:xfrm flipV="1">
-            <a:off x="1461370" y="3745283"/>
-            <a:ext cx="8924794" cy="18788"/>
+            <a:off x="1536526" y="3745283"/>
+            <a:ext cx="8849638" cy="18788"/>
           </a:xfrm>
           <a:prstGeom prst="line">
             <a:avLst/>
@@ -14815,7 +17518,7 @@
             <p:spPr>
               <a:xfrm>
                 <a:off x="6171155" y="2975909"/>
-                <a:ext cx="897232" cy="276999"/>
+                <a:ext cx="1007968" cy="276999"/>
               </a:xfrm>
               <a:prstGeom prst="rect">
                 <a:avLst/>
@@ -14835,12 +17538,31 @@
                       <m:jc m:val="centerGroup"/>
                     </m:oMathParaPr>
                     <m:oMath xmlns:m="http://schemas.openxmlformats.org/officeDocument/2006/math">
-                      <m:r>
-                        <a:rPr lang="en-SG" b="0" i="1" smtClean="0">
-                          <a:latin typeface="Cambria Math" panose="02040503050406030204" pitchFamily="18" charset="0"/>
-                        </a:rPr>
-                        <m:t>𝑅</m:t>
-                      </m:r>
+                      <m:sSub>
+                        <m:sSubPr>
+                          <m:ctrlPr>
+                            <a:rPr lang="en-SG" b="0" i="1" smtClean="0">
+                              <a:latin typeface="Cambria Math" panose="02040503050406030204" pitchFamily="18" charset="0"/>
+                            </a:rPr>
+                          </m:ctrlPr>
+                        </m:sSubPr>
+                        <m:e>
+                          <m:r>
+                            <a:rPr lang="en-SG" b="0" i="1" smtClean="0">
+                              <a:latin typeface="Cambria Math" panose="02040503050406030204" pitchFamily="18" charset="0"/>
+                            </a:rPr>
+                            <m:t>𝑅</m:t>
+                          </m:r>
+                        </m:e>
+                        <m:sub>
+                          <m:r>
+                            <a:rPr lang="en-SG" b="0" i="1" smtClean="0">
+                              <a:latin typeface="Cambria Math" panose="02040503050406030204" pitchFamily="18" charset="0"/>
+                            </a:rPr>
+                            <m:t>𝑢</m:t>
+                          </m:r>
+                        </m:sub>
+                      </m:sSub>
                       <m:r>
                         <a:rPr lang="en-SG" b="0" i="1" smtClean="0">
                           <a:latin typeface="Cambria Math" panose="02040503050406030204" pitchFamily="18" charset="0"/>
@@ -14904,7 +17626,7 @@
             <p:spPr>
               <a:xfrm>
                 <a:off x="6171155" y="2975909"/>
-                <a:ext cx="897232" cy="276999"/>
+                <a:ext cx="1007968" cy="276999"/>
               </a:xfrm>
               <a:prstGeom prst="rect">
                 <a:avLst/>
@@ -14912,7 +17634,7 @@
               <a:blipFill>
                 <a:blip r:embed="rId8"/>
                 <a:stretch>
-                  <a:fillRect l="-5405" r="-5405" b="-15217"/>
+                  <a:fillRect l="-4819" r="-4819" b="-15217"/>
                 </a:stretch>
               </a:blipFill>
             </p:spPr>

--- a/presentation.pptx
+++ b/presentation.pptx
@@ -5,7 +5,7 @@
     <p:sldMasterId id="2147483648" r:id="rId1"/>
   </p:sldMasterIdLst>
   <p:notesMasterIdLst>
-    <p:notesMasterId r:id="rId34"/>
+    <p:notesMasterId r:id="rId36"/>
   </p:notesMasterIdLst>
   <p:sldIdLst>
     <p:sldId id="256" r:id="rId2"/>
@@ -39,7 +39,9 @@
     <p:sldId id="311" r:id="rId30"/>
     <p:sldId id="271" r:id="rId31"/>
     <p:sldId id="338" r:id="rId32"/>
-    <p:sldId id="339" r:id="rId33"/>
+    <p:sldId id="341" r:id="rId33"/>
+    <p:sldId id="339" r:id="rId34"/>
+    <p:sldId id="342" r:id="rId35"/>
   </p:sldIdLst>
   <p:sldSz cx="12192000" cy="6858000"/>
   <p:notesSz cx="6858000" cy="9144000"/>
@@ -228,7 +230,7 @@
           <a:p>
             <a:fld id="{83A22A6C-5021-4D40-B00D-735D955C51F8}" type="datetimeFigureOut">
               <a:rPr lang="en-SG" smtClean="0"/>
-              <a:t>1/4/2018</a:t>
+              <a:t>20/4/2018</a:t>
             </a:fld>
             <a:endParaRPr lang="en-SG"/>
           </a:p>
@@ -1989,7 +1991,7 @@
           <a:p>
             <a:fld id="{06D86B1F-56CA-451C-A5CB-E8D6FB0D1CC2}" type="datetimeFigureOut">
               <a:rPr lang="en-SG" smtClean="0"/>
-              <a:t>1/4/2018</a:t>
+              <a:t>20/4/2018</a:t>
             </a:fld>
             <a:endParaRPr lang="en-SG"/>
           </a:p>
@@ -2189,7 +2191,7 @@
           <a:p>
             <a:fld id="{06D86B1F-56CA-451C-A5CB-E8D6FB0D1CC2}" type="datetimeFigureOut">
               <a:rPr lang="en-SG" smtClean="0"/>
-              <a:t>1/4/2018</a:t>
+              <a:t>20/4/2018</a:t>
             </a:fld>
             <a:endParaRPr lang="en-SG"/>
           </a:p>
@@ -2399,7 +2401,7 @@
           <a:p>
             <a:fld id="{06D86B1F-56CA-451C-A5CB-E8D6FB0D1CC2}" type="datetimeFigureOut">
               <a:rPr lang="en-SG" smtClean="0"/>
-              <a:t>1/4/2018</a:t>
+              <a:t>20/4/2018</a:t>
             </a:fld>
             <a:endParaRPr lang="en-SG"/>
           </a:p>
@@ -2599,7 +2601,7 @@
           <a:p>
             <a:fld id="{06D86B1F-56CA-451C-A5CB-E8D6FB0D1CC2}" type="datetimeFigureOut">
               <a:rPr lang="en-SG" smtClean="0"/>
-              <a:t>1/4/2018</a:t>
+              <a:t>20/4/2018</a:t>
             </a:fld>
             <a:endParaRPr lang="en-SG"/>
           </a:p>
@@ -2875,7 +2877,7 @@
           <a:p>
             <a:fld id="{06D86B1F-56CA-451C-A5CB-E8D6FB0D1CC2}" type="datetimeFigureOut">
               <a:rPr lang="en-SG" smtClean="0"/>
-              <a:t>1/4/2018</a:t>
+              <a:t>20/4/2018</a:t>
             </a:fld>
             <a:endParaRPr lang="en-SG"/>
           </a:p>
@@ -3143,7 +3145,7 @@
           <a:p>
             <a:fld id="{06D86B1F-56CA-451C-A5CB-E8D6FB0D1CC2}" type="datetimeFigureOut">
               <a:rPr lang="en-SG" smtClean="0"/>
-              <a:t>1/4/2018</a:t>
+              <a:t>20/4/2018</a:t>
             </a:fld>
             <a:endParaRPr lang="en-SG"/>
           </a:p>
@@ -3558,7 +3560,7 @@
           <a:p>
             <a:fld id="{06D86B1F-56CA-451C-A5CB-E8D6FB0D1CC2}" type="datetimeFigureOut">
               <a:rPr lang="en-SG" smtClean="0"/>
-              <a:t>1/4/2018</a:t>
+              <a:t>20/4/2018</a:t>
             </a:fld>
             <a:endParaRPr lang="en-SG"/>
           </a:p>
@@ -3700,7 +3702,7 @@
           <a:p>
             <a:fld id="{06D86B1F-56CA-451C-A5CB-E8D6FB0D1CC2}" type="datetimeFigureOut">
               <a:rPr lang="en-SG" smtClean="0"/>
-              <a:t>1/4/2018</a:t>
+              <a:t>20/4/2018</a:t>
             </a:fld>
             <a:endParaRPr lang="en-SG"/>
           </a:p>
@@ -3813,7 +3815,7 @@
           <a:p>
             <a:fld id="{06D86B1F-56CA-451C-A5CB-E8D6FB0D1CC2}" type="datetimeFigureOut">
               <a:rPr lang="en-SG" smtClean="0"/>
-              <a:t>1/4/2018</a:t>
+              <a:t>20/4/2018</a:t>
             </a:fld>
             <a:endParaRPr lang="en-SG"/>
           </a:p>
@@ -4126,7 +4128,7 @@
           <a:p>
             <a:fld id="{06D86B1F-56CA-451C-A5CB-E8D6FB0D1CC2}" type="datetimeFigureOut">
               <a:rPr lang="en-SG" smtClean="0"/>
-              <a:t>1/4/2018</a:t>
+              <a:t>20/4/2018</a:t>
             </a:fld>
             <a:endParaRPr lang="en-SG"/>
           </a:p>
@@ -4415,7 +4417,7 @@
           <a:p>
             <a:fld id="{06D86B1F-56CA-451C-A5CB-E8D6FB0D1CC2}" type="datetimeFigureOut">
               <a:rPr lang="en-SG" smtClean="0"/>
-              <a:t>1/4/2018</a:t>
+              <a:t>20/4/2018</a:t>
             </a:fld>
             <a:endParaRPr lang="en-SG"/>
           </a:p>
@@ -4658,7 +4660,7 @@
           <a:p>
             <a:fld id="{06D86B1F-56CA-451C-A5CB-E8D6FB0D1CC2}" type="datetimeFigureOut">
               <a:rPr lang="en-SG" smtClean="0"/>
-              <a:t>1/4/2018</a:t>
+              <a:t>20/4/2018</a:t>
             </a:fld>
             <a:endParaRPr lang="en-SG"/>
           </a:p>
@@ -14905,51 +14907,6 @@
           <a:chExt cx="0" cy="0"/>
         </a:xfrm>
       </p:grpSpPr>
-      <p:sp>
-        <p:nvSpPr>
-          <p:cNvPr id="2" name="Oval 1">
-            <a:extLst>
-              <a:ext uri="{FF2B5EF4-FFF2-40B4-BE49-F238E27FC236}">
-                <a16:creationId xmlns:a16="http://schemas.microsoft.com/office/drawing/2014/main" id="{A66C693E-142E-4BED-A5D7-CCEB088AB712}"/>
-              </a:ext>
-            </a:extLst>
-          </p:cNvPr>
-          <p:cNvSpPr/>
-          <p:nvPr/>
-        </p:nvSpPr>
-        <p:spPr>
-          <a:xfrm>
-            <a:off x="4350866" y="1997900"/>
-            <a:ext cx="3494761" cy="3494761"/>
-          </a:xfrm>
-          <a:prstGeom prst="ellipse">
-            <a:avLst/>
-          </a:prstGeom>
-          <a:noFill/>
-        </p:spPr>
-        <p:style>
-          <a:lnRef idx="2">
-            <a:schemeClr val="dk1"/>
-          </a:lnRef>
-          <a:fillRef idx="1">
-            <a:schemeClr val="lt1"/>
-          </a:fillRef>
-          <a:effectRef idx="0">
-            <a:schemeClr val="dk1"/>
-          </a:effectRef>
-          <a:fontRef idx="minor">
-            <a:schemeClr val="dk1"/>
-          </a:fontRef>
-        </p:style>
-        <p:txBody>
-          <a:bodyPr rtlCol="0" anchor="ctr"/>
-          <a:lstStyle/>
-          <a:p>
-            <a:pPr algn="ctr"/>
-            <a:endParaRPr lang="en-SG"/>
-          </a:p>
-        </p:txBody>
-      </p:sp>
       <p:cxnSp>
         <p:nvCxnSpPr>
           <p:cNvPr id="7" name="Straight Connector 6">
@@ -14972,9 +14929,7 @@
           <a:prstGeom prst="line">
             <a:avLst/>
           </a:prstGeom>
-          <a:ln w="19050">
-            <a:prstDash val="dash"/>
-          </a:ln>
+          <a:ln w="19050"/>
         </p:spPr>
         <p:style>
           <a:lnRef idx="1">
@@ -15007,8 +14962,8 @@
         </p:nvCxnSpPr>
         <p:spPr>
           <a:xfrm flipV="1">
-            <a:off x="1536526" y="2874723"/>
-            <a:ext cx="3029211" cy="889350"/>
+            <a:off x="1536526" y="2242160"/>
+            <a:ext cx="4559473" cy="1521911"/>
           </a:xfrm>
           <a:prstGeom prst="line">
             <a:avLst/>
@@ -15046,8 +15001,8 @@
         </p:nvCxnSpPr>
         <p:spPr>
           <a:xfrm>
-            <a:off x="7159664" y="2866583"/>
-            <a:ext cx="1971810" cy="894175"/>
+            <a:off x="6096000" y="2242159"/>
+            <a:ext cx="4290164" cy="1941534"/>
           </a:xfrm>
           <a:prstGeom prst="line">
             <a:avLst/>
@@ -15078,21 +15033,185 @@
               </a:ext>
             </a:extLst>
           </p:cNvPr>
+          <p:cNvCxnSpPr/>
+          <p:nvPr/>
+        </p:nvCxnSpPr>
+        <p:spPr>
+          <a:xfrm>
+            <a:off x="6096000" y="2242159"/>
+            <a:ext cx="0" cy="1503123"/>
+          </a:xfrm>
+          <a:prstGeom prst="line">
+            <a:avLst/>
+          </a:prstGeom>
+          <a:ln w="19050">
+            <a:prstDash val="dash"/>
+          </a:ln>
+        </p:spPr>
+        <p:style>
+          <a:lnRef idx="1">
+            <a:schemeClr val="dk1"/>
+          </a:lnRef>
+          <a:fillRef idx="0">
+            <a:schemeClr val="dk1"/>
+          </a:fillRef>
+          <a:effectRef idx="0">
+            <a:schemeClr val="dk1"/>
+          </a:effectRef>
+          <a:fontRef idx="minor">
+            <a:schemeClr val="tx1"/>
+          </a:fontRef>
+        </p:style>
+      </p:cxnSp>
+      <p:cxnSp>
+        <p:nvCxnSpPr>
+          <p:cNvPr id="19" name="Straight Connector 18">
+            <a:extLst>
+              <a:ext uri="{FF2B5EF4-FFF2-40B4-BE49-F238E27FC236}">
+                <a16:creationId xmlns:a16="http://schemas.microsoft.com/office/drawing/2014/main" id="{06D342E6-9F64-4DBC-A968-BD462E626F1A}"/>
+              </a:ext>
+            </a:extLst>
+          </p:cNvPr>
           <p:cNvCxnSpPr>
             <a:cxnSpLocks/>
           </p:cNvCxnSpPr>
           <p:nvPr/>
         </p:nvCxnSpPr>
         <p:spPr>
-          <a:xfrm>
-            <a:off x="4562046" y="2874721"/>
-            <a:ext cx="1533954" cy="870561"/>
+          <a:xfrm flipV="1">
+            <a:off x="6095999" y="739036"/>
+            <a:ext cx="4490580" cy="1503123"/>
           </a:xfrm>
           <a:prstGeom prst="line">
             <a:avLst/>
           </a:prstGeom>
           <a:ln w="19050">
             <a:prstDash val="dash"/>
+          </a:ln>
+        </p:spPr>
+        <p:style>
+          <a:lnRef idx="1">
+            <a:schemeClr val="dk1"/>
+          </a:lnRef>
+          <a:fillRef idx="0">
+            <a:schemeClr val="dk1"/>
+          </a:fillRef>
+          <a:effectRef idx="0">
+            <a:schemeClr val="dk1"/>
+          </a:effectRef>
+          <a:fontRef idx="minor">
+            <a:schemeClr val="tx1"/>
+          </a:fontRef>
+        </p:style>
+      </p:cxnSp>
+      <p:cxnSp>
+        <p:nvCxnSpPr>
+          <p:cNvPr id="21" name="Straight Connector 20">
+            <a:extLst>
+              <a:ext uri="{FF2B5EF4-FFF2-40B4-BE49-F238E27FC236}">
+                <a16:creationId xmlns:a16="http://schemas.microsoft.com/office/drawing/2014/main" id="{A3E0A1B8-84BC-469F-AA53-37D22AA5E316}"/>
+              </a:ext>
+            </a:extLst>
+          </p:cNvPr>
+          <p:cNvCxnSpPr>
+            <a:cxnSpLocks/>
+          </p:cNvCxnSpPr>
+          <p:nvPr/>
+        </p:nvCxnSpPr>
+        <p:spPr>
+          <a:xfrm>
+            <a:off x="9423748" y="1096027"/>
+            <a:ext cx="0" cy="2649254"/>
+          </a:xfrm>
+          <a:prstGeom prst="line">
+            <a:avLst/>
+          </a:prstGeom>
+          <a:ln w="19050">
+            <a:prstDash val="dash"/>
+          </a:ln>
+        </p:spPr>
+        <p:style>
+          <a:lnRef idx="1">
+            <a:schemeClr val="dk1"/>
+          </a:lnRef>
+          <a:fillRef idx="0">
+            <a:schemeClr val="dk1"/>
+          </a:fillRef>
+          <a:effectRef idx="0">
+            <a:schemeClr val="dk1"/>
+          </a:effectRef>
+          <a:fontRef idx="minor">
+            <a:schemeClr val="tx1"/>
+          </a:fontRef>
+        </p:style>
+      </p:cxnSp>
+      <p:cxnSp>
+        <p:nvCxnSpPr>
+          <p:cNvPr id="24" name="Straight Arrow Connector 23">
+            <a:extLst>
+              <a:ext uri="{FF2B5EF4-FFF2-40B4-BE49-F238E27FC236}">
+                <a16:creationId xmlns:a16="http://schemas.microsoft.com/office/drawing/2014/main" id="{B588C122-EFF1-448E-8420-418D91052F01}"/>
+              </a:ext>
+            </a:extLst>
+          </p:cNvPr>
+          <p:cNvCxnSpPr>
+            <a:cxnSpLocks/>
+          </p:cNvCxnSpPr>
+          <p:nvPr/>
+        </p:nvCxnSpPr>
+        <p:spPr>
+          <a:xfrm>
+            <a:off x="1536526" y="4265112"/>
+            <a:ext cx="4615841" cy="0"/>
+          </a:xfrm>
+          <a:prstGeom prst="straightConnector1">
+            <a:avLst/>
+          </a:prstGeom>
+          <a:ln w="19050">
+            <a:headEnd type="triangle" w="lg" len="lg"/>
+            <a:tailEnd type="triangle" w="lg" len="lg"/>
+          </a:ln>
+        </p:spPr>
+        <p:style>
+          <a:lnRef idx="1">
+            <a:schemeClr val="dk1"/>
+          </a:lnRef>
+          <a:fillRef idx="0">
+            <a:schemeClr val="dk1"/>
+          </a:fillRef>
+          <a:effectRef idx="0">
+            <a:schemeClr val="dk1"/>
+          </a:effectRef>
+          <a:fontRef idx="minor">
+            <a:schemeClr val="tx1"/>
+          </a:fontRef>
+        </p:style>
+      </p:cxnSp>
+      <p:cxnSp>
+        <p:nvCxnSpPr>
+          <p:cNvPr id="32" name="Straight Arrow Connector 31">
+            <a:extLst>
+              <a:ext uri="{FF2B5EF4-FFF2-40B4-BE49-F238E27FC236}">
+                <a16:creationId xmlns:a16="http://schemas.microsoft.com/office/drawing/2014/main" id="{DE656E3D-613A-45FA-84C3-CA0E23C91D3F}"/>
+              </a:ext>
+            </a:extLst>
+          </p:cNvPr>
+          <p:cNvCxnSpPr>
+            <a:cxnSpLocks/>
+          </p:cNvCxnSpPr>
+          <p:nvPr/>
+        </p:nvCxnSpPr>
+        <p:spPr>
+          <a:xfrm>
+            <a:off x="6152367" y="4265112"/>
+            <a:ext cx="3331923" cy="0"/>
+          </a:xfrm>
+          <a:prstGeom prst="straightConnector1">
+            <a:avLst/>
+          </a:prstGeom>
+          <a:ln w="19050">
+            <a:headEnd type="triangle" w="lg" len="lg"/>
+            <a:tailEnd type="triangle" w="lg" len="lg"/>
           </a:ln>
         </p:spPr>
         <p:style>
@@ -15228,6 +15347,399 @@
           </p:sp>
         </mc:Fallback>
       </mc:AlternateContent>
+      <mc:AlternateContent xmlns:mc="http://schemas.openxmlformats.org/markup-compatibility/2006" xmlns:a14="http://schemas.microsoft.com/office/drawing/2010/main">
+        <mc:Choice Requires="a14">
+          <p:sp>
+            <p:nvSpPr>
+              <p:cNvPr id="35" name="TextBox 34">
+                <a:extLst>
+                  <a:ext uri="{FF2B5EF4-FFF2-40B4-BE49-F238E27FC236}">
+                    <a16:creationId xmlns:a16="http://schemas.microsoft.com/office/drawing/2014/main" id="{8CA8AC7B-EE88-4372-BB9D-B77721124DD8}"/>
+                  </a:ext>
+                </a:extLst>
+              </p:cNvPr>
+              <p:cNvSpPr txBox="1"/>
+              <p:nvPr/>
+            </p:nvSpPr>
+            <p:spPr>
+              <a:xfrm>
+                <a:off x="7515761" y="4065057"/>
+                <a:ext cx="800797" cy="523220"/>
+              </a:xfrm>
+              <a:prstGeom prst="rect">
+                <a:avLst/>
+              </a:prstGeom>
+              <a:solidFill>
+                <a:schemeClr val="bg1"/>
+              </a:solidFill>
+            </p:spPr>
+            <p:txBody>
+              <a:bodyPr wrap="none" rtlCol="0">
+                <a:spAutoFit/>
+              </a:bodyPr>
+              <a:lstStyle/>
+              <a:p>
+                <a:pPr/>
+                <a14:m>
+                  <m:oMathPara xmlns:m="http://schemas.openxmlformats.org/officeDocument/2006/math">
+                    <m:oMathParaPr>
+                      <m:jc m:val="centerGroup"/>
+                    </m:oMathParaPr>
+                    <m:oMath xmlns:m="http://schemas.openxmlformats.org/officeDocument/2006/math">
+                      <m:sSub>
+                        <m:sSubPr>
+                          <m:ctrlPr>
+                            <a:rPr lang="en-GB" sz="2800" b="0" i="1" smtClean="0">
+                              <a:latin typeface="Cambria Math" panose="02040503050406030204" pitchFamily="18" charset="0"/>
+                            </a:rPr>
+                          </m:ctrlPr>
+                        </m:sSubPr>
+                        <m:e>
+                          <m:r>
+                            <a:rPr lang="en-GB" sz="2800" b="0" i="1" smtClean="0">
+                              <a:latin typeface="Cambria Math" panose="02040503050406030204" pitchFamily="18" charset="0"/>
+                            </a:rPr>
+                            <m:t>𝐷</m:t>
+                          </m:r>
+                        </m:e>
+                        <m:sub>
+                          <m:r>
+                            <a:rPr lang="en-GB" sz="2800" b="0" i="1" smtClean="0">
+                              <a:latin typeface="Cambria Math" panose="02040503050406030204" pitchFamily="18" charset="0"/>
+                            </a:rPr>
+                            <m:t>𝐿𝑆</m:t>
+                          </m:r>
+                        </m:sub>
+                      </m:sSub>
+                    </m:oMath>
+                  </m:oMathPara>
+                </a14:m>
+                <a:endParaRPr lang="en-SG" sz="2800" dirty="0"/>
+              </a:p>
+            </p:txBody>
+          </p:sp>
+        </mc:Choice>
+        <mc:Fallback xmlns="">
+          <p:sp>
+            <p:nvSpPr>
+              <p:cNvPr id="35" name="TextBox 34">
+                <a:extLst>
+                  <a:ext uri="{FF2B5EF4-FFF2-40B4-BE49-F238E27FC236}">
+                    <a16:creationId xmlns:a16="http://schemas.microsoft.com/office/drawing/2014/main" id="{8CA8AC7B-EE88-4372-BB9D-B77721124DD8}"/>
+                  </a:ext>
+                </a:extLst>
+              </p:cNvPr>
+              <p:cNvSpPr txBox="1">
+                <a:spLocks noRot="1" noChangeAspect="1" noMove="1" noResize="1" noEditPoints="1" noAdjustHandles="1" noChangeArrowheads="1" noChangeShapeType="1" noTextEdit="1"/>
+              </p:cNvSpPr>
+              <p:nvPr/>
+            </p:nvSpPr>
+            <p:spPr>
+              <a:xfrm>
+                <a:off x="7515761" y="4065057"/>
+                <a:ext cx="800797" cy="523220"/>
+              </a:xfrm>
+              <a:prstGeom prst="rect">
+                <a:avLst/>
+              </a:prstGeom>
+              <a:blipFill>
+                <a:blip r:embed="rId3"/>
+                <a:stretch>
+                  <a:fillRect/>
+                </a:stretch>
+              </a:blipFill>
+            </p:spPr>
+            <p:txBody>
+              <a:bodyPr/>
+              <a:lstStyle/>
+              <a:p>
+                <a:r>
+                  <a:rPr lang="en-SG">
+                    <a:noFill/>
+                  </a:rPr>
+                  <a:t> </a:t>
+                </a:r>
+              </a:p>
+            </p:txBody>
+          </p:sp>
+        </mc:Fallback>
+      </mc:AlternateContent>
+      <mc:AlternateContent xmlns:mc="http://schemas.openxmlformats.org/markup-compatibility/2006" xmlns:a14="http://schemas.microsoft.com/office/drawing/2010/main">
+        <mc:Choice Requires="a14">
+          <p:sp>
+            <p:nvSpPr>
+              <p:cNvPr id="36" name="TextBox 35">
+                <a:extLst>
+                  <a:ext uri="{FF2B5EF4-FFF2-40B4-BE49-F238E27FC236}">
+                    <a16:creationId xmlns:a16="http://schemas.microsoft.com/office/drawing/2014/main" id="{52282EE4-D591-4929-9369-D1F77657C405}"/>
+                  </a:ext>
+                </a:extLst>
+              </p:cNvPr>
+              <p:cNvSpPr txBox="1"/>
+              <p:nvPr/>
+            </p:nvSpPr>
+            <p:spPr>
+              <a:xfrm>
+                <a:off x="3582675" y="4065057"/>
+                <a:ext cx="658449" cy="523220"/>
+              </a:xfrm>
+              <a:prstGeom prst="rect">
+                <a:avLst/>
+              </a:prstGeom>
+              <a:solidFill>
+                <a:schemeClr val="bg1"/>
+              </a:solidFill>
+            </p:spPr>
+            <p:txBody>
+              <a:bodyPr wrap="none" rtlCol="0">
+                <a:spAutoFit/>
+              </a:bodyPr>
+              <a:lstStyle/>
+              <a:p>
+                <a:pPr/>
+                <a14:m>
+                  <m:oMathPara xmlns:m="http://schemas.openxmlformats.org/officeDocument/2006/math">
+                    <m:oMathParaPr>
+                      <m:jc m:val="centerGroup"/>
+                    </m:oMathParaPr>
+                    <m:oMath xmlns:m="http://schemas.openxmlformats.org/officeDocument/2006/math">
+                      <m:sSub>
+                        <m:sSubPr>
+                          <m:ctrlPr>
+                            <a:rPr lang="en-GB" sz="2800" b="0" i="1" smtClean="0">
+                              <a:latin typeface="Cambria Math" panose="02040503050406030204" pitchFamily="18" charset="0"/>
+                            </a:rPr>
+                          </m:ctrlPr>
+                        </m:sSubPr>
+                        <m:e>
+                          <m:r>
+                            <a:rPr lang="en-GB" sz="2800" b="0" i="1" smtClean="0">
+                              <a:latin typeface="Cambria Math" panose="02040503050406030204" pitchFamily="18" charset="0"/>
+                            </a:rPr>
+                            <m:t>𝐷</m:t>
+                          </m:r>
+                        </m:e>
+                        <m:sub>
+                          <m:r>
+                            <a:rPr lang="en-GB" sz="2800" b="0" i="1" smtClean="0">
+                              <a:latin typeface="Cambria Math" panose="02040503050406030204" pitchFamily="18" charset="0"/>
+                            </a:rPr>
+                            <m:t>𝐿</m:t>
+                          </m:r>
+                        </m:sub>
+                      </m:sSub>
+                    </m:oMath>
+                  </m:oMathPara>
+                </a14:m>
+                <a:endParaRPr lang="en-SG" sz="2800" dirty="0"/>
+              </a:p>
+            </p:txBody>
+          </p:sp>
+        </mc:Choice>
+        <mc:Fallback xmlns="">
+          <p:sp>
+            <p:nvSpPr>
+              <p:cNvPr id="36" name="TextBox 35">
+                <a:extLst>
+                  <a:ext uri="{FF2B5EF4-FFF2-40B4-BE49-F238E27FC236}">
+                    <a16:creationId xmlns:a16="http://schemas.microsoft.com/office/drawing/2014/main" id="{52282EE4-D591-4929-9369-D1F77657C405}"/>
+                  </a:ext>
+                </a:extLst>
+              </p:cNvPr>
+              <p:cNvSpPr txBox="1">
+                <a:spLocks noRot="1" noChangeAspect="1" noMove="1" noResize="1" noEditPoints="1" noAdjustHandles="1" noChangeArrowheads="1" noChangeShapeType="1" noTextEdit="1"/>
+              </p:cNvSpPr>
+              <p:nvPr/>
+            </p:nvSpPr>
+            <p:spPr>
+              <a:xfrm>
+                <a:off x="3582675" y="4065057"/>
+                <a:ext cx="658449" cy="523220"/>
+              </a:xfrm>
+              <a:prstGeom prst="rect">
+                <a:avLst/>
+              </a:prstGeom>
+              <a:blipFill>
+                <a:blip r:embed="rId4"/>
+                <a:stretch>
+                  <a:fillRect/>
+                </a:stretch>
+              </a:blipFill>
+            </p:spPr>
+            <p:txBody>
+              <a:bodyPr/>
+              <a:lstStyle/>
+              <a:p>
+                <a:r>
+                  <a:rPr lang="en-SG">
+                    <a:noFill/>
+                  </a:rPr>
+                  <a:t> </a:t>
+                </a:r>
+              </a:p>
+            </p:txBody>
+          </p:sp>
+        </mc:Fallback>
+      </mc:AlternateContent>
+      <p:cxnSp>
+        <p:nvCxnSpPr>
+          <p:cNvPr id="37" name="Straight Arrow Connector 36">
+            <a:extLst>
+              <a:ext uri="{FF2B5EF4-FFF2-40B4-BE49-F238E27FC236}">
+                <a16:creationId xmlns:a16="http://schemas.microsoft.com/office/drawing/2014/main" id="{2338ACDA-D55B-465E-ACA2-AA2C9E8F4E6D}"/>
+              </a:ext>
+            </a:extLst>
+          </p:cNvPr>
+          <p:cNvCxnSpPr>
+            <a:cxnSpLocks/>
+          </p:cNvCxnSpPr>
+          <p:nvPr/>
+        </p:nvCxnSpPr>
+        <p:spPr>
+          <a:xfrm>
+            <a:off x="1536526" y="4766154"/>
+            <a:ext cx="7947764" cy="0"/>
+          </a:xfrm>
+          <a:prstGeom prst="straightConnector1">
+            <a:avLst/>
+          </a:prstGeom>
+          <a:ln w="19050">
+            <a:headEnd type="triangle" w="lg" len="lg"/>
+            <a:tailEnd type="triangle" w="lg" len="lg"/>
+          </a:ln>
+        </p:spPr>
+        <p:style>
+          <a:lnRef idx="1">
+            <a:schemeClr val="dk1"/>
+          </a:lnRef>
+          <a:fillRef idx="0">
+            <a:schemeClr val="dk1"/>
+          </a:fillRef>
+          <a:effectRef idx="0">
+            <a:schemeClr val="dk1"/>
+          </a:effectRef>
+          <a:fontRef idx="minor">
+            <a:schemeClr val="tx1"/>
+          </a:fontRef>
+        </p:style>
+      </p:cxnSp>
+      <mc:AlternateContent xmlns:mc="http://schemas.openxmlformats.org/markup-compatibility/2006" xmlns:a14="http://schemas.microsoft.com/office/drawing/2010/main">
+        <mc:Choice Requires="a14">
+          <p:sp>
+            <p:nvSpPr>
+              <p:cNvPr id="39" name="TextBox 38">
+                <a:extLst>
+                  <a:ext uri="{FF2B5EF4-FFF2-40B4-BE49-F238E27FC236}">
+                    <a16:creationId xmlns:a16="http://schemas.microsoft.com/office/drawing/2014/main" id="{C6A5EC5B-451E-4997-822A-D522930330A1}"/>
+                  </a:ext>
+                </a:extLst>
+              </p:cNvPr>
+              <p:cNvSpPr txBox="1"/>
+              <p:nvPr/>
+            </p:nvSpPr>
+            <p:spPr>
+              <a:xfrm>
+                <a:off x="5106675" y="4557388"/>
+                <a:ext cx="647934" cy="523220"/>
+              </a:xfrm>
+              <a:prstGeom prst="rect">
+                <a:avLst/>
+              </a:prstGeom>
+              <a:solidFill>
+                <a:schemeClr val="bg1"/>
+              </a:solidFill>
+            </p:spPr>
+            <p:txBody>
+              <a:bodyPr wrap="none" rtlCol="0">
+                <a:spAutoFit/>
+              </a:bodyPr>
+              <a:lstStyle/>
+              <a:p>
+                <a:pPr/>
+                <a14:m>
+                  <m:oMathPara xmlns:m="http://schemas.openxmlformats.org/officeDocument/2006/math">
+                    <m:oMathParaPr>
+                      <m:jc m:val="centerGroup"/>
+                    </m:oMathParaPr>
+                    <m:oMath xmlns:m="http://schemas.openxmlformats.org/officeDocument/2006/math">
+                      <m:sSub>
+                        <m:sSubPr>
+                          <m:ctrlPr>
+                            <a:rPr lang="en-GB" sz="2800" b="0" i="1" smtClean="0">
+                              <a:latin typeface="Cambria Math" panose="02040503050406030204" pitchFamily="18" charset="0"/>
+                            </a:rPr>
+                          </m:ctrlPr>
+                        </m:sSubPr>
+                        <m:e>
+                          <m:r>
+                            <a:rPr lang="en-GB" sz="2800" b="0" i="1" smtClean="0">
+                              <a:latin typeface="Cambria Math" panose="02040503050406030204" pitchFamily="18" charset="0"/>
+                            </a:rPr>
+                            <m:t>𝐷</m:t>
+                          </m:r>
+                        </m:e>
+                        <m:sub>
+                          <m:r>
+                            <a:rPr lang="en-GB" sz="2800" b="0" i="1" smtClean="0">
+                              <a:latin typeface="Cambria Math" panose="02040503050406030204" pitchFamily="18" charset="0"/>
+                            </a:rPr>
+                            <m:t>𝑆</m:t>
+                          </m:r>
+                        </m:sub>
+                      </m:sSub>
+                    </m:oMath>
+                  </m:oMathPara>
+                </a14:m>
+                <a:endParaRPr lang="en-SG" sz="2800" dirty="0"/>
+              </a:p>
+            </p:txBody>
+          </p:sp>
+        </mc:Choice>
+        <mc:Fallback xmlns="">
+          <p:sp>
+            <p:nvSpPr>
+              <p:cNvPr id="39" name="TextBox 38">
+                <a:extLst>
+                  <a:ext uri="{FF2B5EF4-FFF2-40B4-BE49-F238E27FC236}">
+                    <a16:creationId xmlns:a16="http://schemas.microsoft.com/office/drawing/2014/main" id="{C6A5EC5B-451E-4997-822A-D522930330A1}"/>
+                  </a:ext>
+                </a:extLst>
+              </p:cNvPr>
+              <p:cNvSpPr txBox="1">
+                <a:spLocks noRot="1" noChangeAspect="1" noMove="1" noResize="1" noEditPoints="1" noAdjustHandles="1" noChangeArrowheads="1" noChangeShapeType="1" noTextEdit="1"/>
+              </p:cNvSpPr>
+              <p:nvPr/>
+            </p:nvSpPr>
+            <p:spPr>
+              <a:xfrm>
+                <a:off x="5106675" y="4557388"/>
+                <a:ext cx="647934" cy="523220"/>
+              </a:xfrm>
+              <a:prstGeom prst="rect">
+                <a:avLst/>
+              </a:prstGeom>
+              <a:blipFill>
+                <a:blip r:embed="rId5"/>
+                <a:stretch>
+                  <a:fillRect/>
+                </a:stretch>
+              </a:blipFill>
+            </p:spPr>
+            <p:txBody>
+              <a:bodyPr/>
+              <a:lstStyle/>
+              <a:p>
+                <a:r>
+                  <a:rPr lang="en-SG">
+                    <a:noFill/>
+                  </a:rPr>
+                  <a:t> </a:t>
+                </a:r>
+              </a:p>
+            </p:txBody>
+          </p:sp>
+        </mc:Fallback>
+      </mc:AlternateContent>
       <p:sp>
         <p:nvSpPr>
           <p:cNvPr id="40" name="Oval 39">
@@ -15288,8 +15800,8 @@
         </p:nvSpPr>
         <p:spPr>
           <a:xfrm rot="676057">
-            <a:off x="2754374" y="3427770"/>
-            <a:ext cx="115026" cy="318408"/>
+            <a:off x="2745288" y="3344449"/>
+            <a:ext cx="132331" cy="400833"/>
           </a:xfrm>
           <a:custGeom>
             <a:avLst/>
@@ -15359,6 +15871,986 @@
       </p:sp>
       <p:sp>
         <p:nvSpPr>
+          <p:cNvPr id="44" name="Freeform: Shape 43">
+            <a:extLst>
+              <a:ext uri="{FF2B5EF4-FFF2-40B4-BE49-F238E27FC236}">
+                <a16:creationId xmlns:a16="http://schemas.microsoft.com/office/drawing/2014/main" id="{FB0E628F-B5EC-42CD-B88B-4658DE145A7B}"/>
+              </a:ext>
+            </a:extLst>
+          </p:cNvPr>
+          <p:cNvSpPr/>
+          <p:nvPr/>
+        </p:nvSpPr>
+        <p:spPr>
+          <a:xfrm rot="1032251">
+            <a:off x="6591037" y="2062957"/>
+            <a:ext cx="172753" cy="424392"/>
+          </a:xfrm>
+          <a:custGeom>
+            <a:avLst/>
+            <a:gdLst>
+              <a:gd name="connsiteX0" fmla="*/ 0 w 132331"/>
+              <a:gd name="connsiteY0" fmla="*/ 0 h 400833"/>
+              <a:gd name="connsiteX1" fmla="*/ 112734 w 132331"/>
+              <a:gd name="connsiteY1" fmla="*/ 169102 h 400833"/>
+              <a:gd name="connsiteX2" fmla="*/ 131523 w 132331"/>
+              <a:gd name="connsiteY2" fmla="*/ 400833 h 400833"/>
+            </a:gdLst>
+            <a:ahLst/>
+            <a:cxnLst>
+              <a:cxn ang="0">
+                <a:pos x="connsiteX0" y="connsiteY0"/>
+              </a:cxn>
+              <a:cxn ang="0">
+                <a:pos x="connsiteX1" y="connsiteY1"/>
+              </a:cxn>
+              <a:cxn ang="0">
+                <a:pos x="connsiteX2" y="connsiteY2"/>
+              </a:cxn>
+            </a:cxnLst>
+            <a:rect l="l" t="t" r="r" b="b"/>
+            <a:pathLst>
+              <a:path w="132331" h="400833">
+                <a:moveTo>
+                  <a:pt x="0" y="0"/>
+                </a:moveTo>
+                <a:cubicBezTo>
+                  <a:pt x="45407" y="51148"/>
+                  <a:pt x="90814" y="102297"/>
+                  <a:pt x="112734" y="169102"/>
+                </a:cubicBezTo>
+                <a:cubicBezTo>
+                  <a:pt x="134654" y="235907"/>
+                  <a:pt x="133088" y="318370"/>
+                  <a:pt x="131523" y="400833"/>
+                </a:cubicBezTo>
+              </a:path>
+            </a:pathLst>
+          </a:custGeom>
+          <a:ln w="12700"/>
+        </p:spPr>
+        <p:style>
+          <a:lnRef idx="1">
+            <a:schemeClr val="dk1"/>
+          </a:lnRef>
+          <a:fillRef idx="0">
+            <a:schemeClr val="dk1"/>
+          </a:fillRef>
+          <a:effectRef idx="0">
+            <a:schemeClr val="dk1"/>
+          </a:effectRef>
+          <a:fontRef idx="minor">
+            <a:schemeClr val="tx1"/>
+          </a:fontRef>
+        </p:style>
+        <p:txBody>
+          <a:bodyPr rtlCol="0" anchor="ctr"/>
+          <a:lstStyle/>
+          <a:p>
+            <a:pPr algn="ctr"/>
+            <a:endParaRPr lang="en-SG" sz="2400"/>
+          </a:p>
+        </p:txBody>
+      </p:sp>
+      <mc:AlternateContent xmlns:mc="http://schemas.openxmlformats.org/markup-compatibility/2006" xmlns:a14="http://schemas.microsoft.com/office/drawing/2010/main">
+        <mc:Choice Requires="a14">
+          <p:sp>
+            <p:nvSpPr>
+              <p:cNvPr id="45" name="TextBox 44">
+                <a:extLst>
+                  <a:ext uri="{FF2B5EF4-FFF2-40B4-BE49-F238E27FC236}">
+                    <a16:creationId xmlns:a16="http://schemas.microsoft.com/office/drawing/2014/main" id="{F26EB88E-8B6C-41FD-9F5D-8E0CB8CF1C01}"/>
+                  </a:ext>
+                </a:extLst>
+              </p:cNvPr>
+              <p:cNvSpPr txBox="1"/>
+              <p:nvPr/>
+            </p:nvSpPr>
+            <p:spPr>
+              <a:xfrm>
+                <a:off x="6815381" y="2046902"/>
+                <a:ext cx="488515" cy="523220"/>
+              </a:xfrm>
+              <a:prstGeom prst="rect">
+                <a:avLst/>
+              </a:prstGeom>
+              <a:noFill/>
+            </p:spPr>
+            <p:txBody>
+              <a:bodyPr wrap="square" rtlCol="0">
+                <a:spAutoFit/>
+              </a:bodyPr>
+              <a:lstStyle/>
+              <a:p>
+                <a:pPr/>
+                <a14:m>
+                  <m:oMathPara xmlns:m="http://schemas.openxmlformats.org/officeDocument/2006/math">
+                    <m:oMathParaPr>
+                      <m:jc m:val="centerGroup"/>
+                    </m:oMathParaPr>
+                    <m:oMath xmlns:m="http://schemas.openxmlformats.org/officeDocument/2006/math">
+                      <m:r>
+                        <a:rPr lang="en-GB" sz="2800" i="1">
+                          <a:latin typeface="Cambria Math" panose="02040503050406030204" pitchFamily="18" charset="0"/>
+                          <a:ea typeface="Cambria Math" panose="02040503050406030204" pitchFamily="18" charset="0"/>
+                        </a:rPr>
+                        <m:t>𝛼</m:t>
+                      </m:r>
+                    </m:oMath>
+                  </m:oMathPara>
+                </a14:m>
+                <a:endParaRPr lang="en-SG" sz="2800" dirty="0"/>
+              </a:p>
+            </p:txBody>
+          </p:sp>
+        </mc:Choice>
+        <mc:Fallback xmlns="">
+          <p:sp>
+            <p:nvSpPr>
+              <p:cNvPr id="45" name="TextBox 44">
+                <a:extLst>
+                  <a:ext uri="{FF2B5EF4-FFF2-40B4-BE49-F238E27FC236}">
+                    <a16:creationId xmlns:a16="http://schemas.microsoft.com/office/drawing/2014/main" id="{F26EB88E-8B6C-41FD-9F5D-8E0CB8CF1C01}"/>
+                  </a:ext>
+                </a:extLst>
+              </p:cNvPr>
+              <p:cNvSpPr txBox="1">
+                <a:spLocks noRot="1" noChangeAspect="1" noMove="1" noResize="1" noEditPoints="1" noAdjustHandles="1" noChangeArrowheads="1" noChangeShapeType="1" noTextEdit="1"/>
+              </p:cNvSpPr>
+              <p:nvPr/>
+            </p:nvSpPr>
+            <p:spPr>
+              <a:xfrm>
+                <a:off x="6815381" y="2046902"/>
+                <a:ext cx="488515" cy="523220"/>
+              </a:xfrm>
+              <a:prstGeom prst="rect">
+                <a:avLst/>
+              </a:prstGeom>
+              <a:blipFill>
+                <a:blip r:embed="rId6"/>
+                <a:stretch>
+                  <a:fillRect/>
+                </a:stretch>
+              </a:blipFill>
+            </p:spPr>
+            <p:txBody>
+              <a:bodyPr/>
+              <a:lstStyle/>
+              <a:p>
+                <a:r>
+                  <a:rPr lang="en-SG">
+                    <a:noFill/>
+                  </a:rPr>
+                  <a:t> </a:t>
+                </a:r>
+              </a:p>
+            </p:txBody>
+          </p:sp>
+        </mc:Fallback>
+      </mc:AlternateContent>
+      <mc:AlternateContent xmlns:mc="http://schemas.openxmlformats.org/markup-compatibility/2006" xmlns:a14="http://schemas.microsoft.com/office/drawing/2010/main">
+        <mc:Choice Requires="a14">
+          <p:sp>
+            <p:nvSpPr>
+              <p:cNvPr id="48" name="TextBox 47">
+                <a:extLst>
+                  <a:ext uri="{FF2B5EF4-FFF2-40B4-BE49-F238E27FC236}">
+                    <a16:creationId xmlns:a16="http://schemas.microsoft.com/office/drawing/2014/main" id="{38D41CDC-24BA-445C-9E04-405A44A1750F}"/>
+                  </a:ext>
+                </a:extLst>
+              </p:cNvPr>
+              <p:cNvSpPr txBox="1"/>
+              <p:nvPr/>
+            </p:nvSpPr>
+            <p:spPr>
+              <a:xfrm>
+                <a:off x="6171155" y="2975909"/>
+                <a:ext cx="1341457" cy="369332"/>
+              </a:xfrm>
+              <a:prstGeom prst="rect">
+                <a:avLst/>
+              </a:prstGeom>
+              <a:noFill/>
+            </p:spPr>
+            <p:txBody>
+              <a:bodyPr wrap="none" lIns="0" tIns="0" rIns="0" bIns="0" rtlCol="0">
+                <a:spAutoFit/>
+              </a:bodyPr>
+              <a:lstStyle/>
+              <a:p>
+                <a:pPr/>
+                <a14:m>
+                  <m:oMathPara xmlns:m="http://schemas.openxmlformats.org/officeDocument/2006/math">
+                    <m:oMathParaPr>
+                      <m:jc m:val="centerGroup"/>
+                    </m:oMathParaPr>
+                    <m:oMath xmlns:m="http://schemas.openxmlformats.org/officeDocument/2006/math">
+                      <m:sSub>
+                        <m:sSubPr>
+                          <m:ctrlPr>
+                            <a:rPr lang="en-SG" sz="2400" b="0" i="1" smtClean="0">
+                              <a:latin typeface="Cambria Math" panose="02040503050406030204" pitchFamily="18" charset="0"/>
+                            </a:rPr>
+                          </m:ctrlPr>
+                        </m:sSubPr>
+                        <m:e>
+                          <m:r>
+                            <a:rPr lang="en-SG" sz="2400" b="0" i="1" smtClean="0">
+                              <a:latin typeface="Cambria Math" panose="02040503050406030204" pitchFamily="18" charset="0"/>
+                            </a:rPr>
+                            <m:t>𝑅</m:t>
+                          </m:r>
+                        </m:e>
+                        <m:sub>
+                          <m:r>
+                            <a:rPr lang="en-SG" sz="2400" b="0" i="1" smtClean="0">
+                              <a:latin typeface="Cambria Math" panose="02040503050406030204" pitchFamily="18" charset="0"/>
+                            </a:rPr>
+                            <m:t>𝑢</m:t>
+                          </m:r>
+                        </m:sub>
+                      </m:sSub>
+                      <m:r>
+                        <a:rPr lang="en-SG" sz="2400" b="0" i="1" smtClean="0">
+                          <a:latin typeface="Cambria Math" panose="02040503050406030204" pitchFamily="18" charset="0"/>
+                        </a:rPr>
+                        <m:t>=</m:t>
+                      </m:r>
+                      <m:sSub>
+                        <m:sSubPr>
+                          <m:ctrlPr>
+                            <a:rPr lang="en-SG" sz="2400" b="0" i="1" smtClean="0">
+                              <a:latin typeface="Cambria Math" panose="02040503050406030204" pitchFamily="18" charset="0"/>
+                            </a:rPr>
+                          </m:ctrlPr>
+                        </m:sSubPr>
+                        <m:e>
+                          <m:r>
+                            <a:rPr lang="en-SG" sz="2400" b="0" i="1" smtClean="0">
+                              <a:latin typeface="Cambria Math" panose="02040503050406030204" pitchFamily="18" charset="0"/>
+                            </a:rPr>
+                            <m:t>𝐷</m:t>
+                          </m:r>
+                        </m:e>
+                        <m:sub>
+                          <m:r>
+                            <a:rPr lang="en-SG" sz="2400" b="0" i="1" smtClean="0">
+                              <a:latin typeface="Cambria Math" panose="02040503050406030204" pitchFamily="18" charset="0"/>
+                            </a:rPr>
+                            <m:t>𝐿</m:t>
+                          </m:r>
+                        </m:sub>
+                      </m:sSub>
+                      <m:r>
+                        <a:rPr lang="en-SG" sz="2400" b="0" i="1" smtClean="0">
+                          <a:latin typeface="Cambria Math" panose="02040503050406030204" pitchFamily="18" charset="0"/>
+                        </a:rPr>
+                        <m:t>𝜃</m:t>
+                      </m:r>
+                    </m:oMath>
+                  </m:oMathPara>
+                </a14:m>
+                <a:endParaRPr lang="en-SG" sz="2400" dirty="0"/>
+              </a:p>
+            </p:txBody>
+          </p:sp>
+        </mc:Choice>
+        <mc:Fallback xmlns="">
+          <p:sp>
+            <p:nvSpPr>
+              <p:cNvPr id="48" name="TextBox 47">
+                <a:extLst>
+                  <a:ext uri="{FF2B5EF4-FFF2-40B4-BE49-F238E27FC236}">
+                    <a16:creationId xmlns:a16="http://schemas.microsoft.com/office/drawing/2014/main" id="{38D41CDC-24BA-445C-9E04-405A44A1750F}"/>
+                  </a:ext>
+                </a:extLst>
+              </p:cNvPr>
+              <p:cNvSpPr txBox="1">
+                <a:spLocks noRot="1" noChangeAspect="1" noMove="1" noResize="1" noEditPoints="1" noAdjustHandles="1" noChangeArrowheads="1" noChangeShapeType="1" noTextEdit="1"/>
+              </p:cNvSpPr>
+              <p:nvPr/>
+            </p:nvSpPr>
+            <p:spPr>
+              <a:xfrm>
+                <a:off x="6171155" y="2975909"/>
+                <a:ext cx="1341457" cy="369332"/>
+              </a:xfrm>
+              <a:prstGeom prst="rect">
+                <a:avLst/>
+              </a:prstGeom>
+              <a:blipFill>
+                <a:blip r:embed="rId7"/>
+                <a:stretch>
+                  <a:fillRect l="-4545" r="-4545" b="-13115"/>
+                </a:stretch>
+              </a:blipFill>
+            </p:spPr>
+            <p:txBody>
+              <a:bodyPr/>
+              <a:lstStyle/>
+              <a:p>
+                <a:r>
+                  <a:rPr lang="en-SG">
+                    <a:noFill/>
+                  </a:rPr>
+                  <a:t> </a:t>
+                </a:r>
+              </a:p>
+            </p:txBody>
+          </p:sp>
+        </mc:Fallback>
+      </mc:AlternateContent>
+      <mc:AlternateContent xmlns:mc="http://schemas.openxmlformats.org/markup-compatibility/2006" xmlns:a14="http://schemas.microsoft.com/office/drawing/2010/main">
+        <mc:Choice Requires="a14">
+          <p:sp>
+            <p:nvSpPr>
+              <p:cNvPr id="49" name="TextBox 48">
+                <a:extLst>
+                  <a:ext uri="{FF2B5EF4-FFF2-40B4-BE49-F238E27FC236}">
+                    <a16:creationId xmlns:a16="http://schemas.microsoft.com/office/drawing/2014/main" id="{4D9CB3BF-4A94-4812-876C-08F1B01F4F7B}"/>
+                  </a:ext>
+                </a:extLst>
+              </p:cNvPr>
+              <p:cNvSpPr txBox="1"/>
+              <p:nvPr/>
+            </p:nvSpPr>
+            <p:spPr>
+              <a:xfrm>
+                <a:off x="5753941" y="3367300"/>
+                <a:ext cx="238720" cy="369332"/>
+              </a:xfrm>
+              <a:prstGeom prst="rect">
+                <a:avLst/>
+              </a:prstGeom>
+              <a:noFill/>
+            </p:spPr>
+            <p:txBody>
+              <a:bodyPr wrap="none" lIns="0" tIns="0" rIns="0" bIns="0" rtlCol="0">
+                <a:spAutoFit/>
+              </a:bodyPr>
+              <a:lstStyle/>
+              <a:p>
+                <a:pPr/>
+                <a14:m>
+                  <m:oMathPara xmlns:m="http://schemas.openxmlformats.org/officeDocument/2006/math">
+                    <m:oMathParaPr>
+                      <m:jc m:val="centerGroup"/>
+                    </m:oMathParaPr>
+                    <m:oMath xmlns:m="http://schemas.openxmlformats.org/officeDocument/2006/math">
+                      <m:r>
+                        <a:rPr lang="en-SG" sz="2400" b="0" i="1" smtClean="0">
+                          <a:latin typeface="Cambria Math" panose="02040503050406030204" pitchFamily="18" charset="0"/>
+                        </a:rPr>
+                        <m:t>𝐿</m:t>
+                      </m:r>
+                    </m:oMath>
+                  </m:oMathPara>
+                </a14:m>
+                <a:endParaRPr lang="en-SG" sz="2400" dirty="0"/>
+              </a:p>
+            </p:txBody>
+          </p:sp>
+        </mc:Choice>
+        <mc:Fallback xmlns="">
+          <p:sp>
+            <p:nvSpPr>
+              <p:cNvPr id="49" name="TextBox 48">
+                <a:extLst>
+                  <a:ext uri="{FF2B5EF4-FFF2-40B4-BE49-F238E27FC236}">
+                    <a16:creationId xmlns:a16="http://schemas.microsoft.com/office/drawing/2014/main" id="{4D9CB3BF-4A94-4812-876C-08F1B01F4F7B}"/>
+                  </a:ext>
+                </a:extLst>
+              </p:cNvPr>
+              <p:cNvSpPr txBox="1">
+                <a:spLocks noRot="1" noChangeAspect="1" noMove="1" noResize="1" noEditPoints="1" noAdjustHandles="1" noChangeArrowheads="1" noChangeShapeType="1" noTextEdit="1"/>
+              </p:cNvSpPr>
+              <p:nvPr/>
+            </p:nvSpPr>
+            <p:spPr>
+              <a:xfrm>
+                <a:off x="5753941" y="3367300"/>
+                <a:ext cx="238720" cy="369332"/>
+              </a:xfrm>
+              <a:prstGeom prst="rect">
+                <a:avLst/>
+              </a:prstGeom>
+              <a:blipFill>
+                <a:blip r:embed="rId8"/>
+                <a:stretch>
+                  <a:fillRect l="-30769" r="-28205" b="-6557"/>
+                </a:stretch>
+              </a:blipFill>
+            </p:spPr>
+            <p:txBody>
+              <a:bodyPr/>
+              <a:lstStyle/>
+              <a:p>
+                <a:r>
+                  <a:rPr lang="en-SG">
+                    <a:noFill/>
+                  </a:rPr>
+                  <a:t> </a:t>
+                </a:r>
+              </a:p>
+            </p:txBody>
+          </p:sp>
+        </mc:Fallback>
+      </mc:AlternateContent>
+      <p:sp>
+        <p:nvSpPr>
+          <p:cNvPr id="3" name="TextBox 2">
+            <a:extLst>
+              <a:ext uri="{FF2B5EF4-FFF2-40B4-BE49-F238E27FC236}">
+                <a16:creationId xmlns:a16="http://schemas.microsoft.com/office/drawing/2014/main" id="{2F669BDF-4653-4092-8790-18383D3C29B7}"/>
+              </a:ext>
+            </a:extLst>
+          </p:cNvPr>
+          <p:cNvSpPr txBox="1"/>
+          <p:nvPr/>
+        </p:nvSpPr>
+        <p:spPr>
+          <a:xfrm>
+            <a:off x="1006228" y="3579405"/>
+            <a:ext cx="388248" cy="461665"/>
+          </a:xfrm>
+          <a:prstGeom prst="rect">
+            <a:avLst/>
+          </a:prstGeom>
+          <a:noFill/>
+        </p:spPr>
+        <p:txBody>
+          <a:bodyPr wrap="none" rtlCol="0">
+            <a:spAutoFit/>
+          </a:bodyPr>
+          <a:lstStyle/>
+          <a:p>
+            <a:r>
+              <a:rPr lang="en-SG" sz="2400" dirty="0"/>
+              <a:t>O</a:t>
+            </a:r>
+          </a:p>
+        </p:txBody>
+      </p:sp>
+      <p:sp>
+        <p:nvSpPr>
+          <p:cNvPr id="26" name="TextBox 25">
+            <a:extLst>
+              <a:ext uri="{FF2B5EF4-FFF2-40B4-BE49-F238E27FC236}">
+                <a16:creationId xmlns:a16="http://schemas.microsoft.com/office/drawing/2014/main" id="{FF516F4B-A2DD-44DE-A4D2-92917B8BB229}"/>
+              </a:ext>
+            </a:extLst>
+          </p:cNvPr>
+          <p:cNvSpPr txBox="1"/>
+          <p:nvPr/>
+        </p:nvSpPr>
+        <p:spPr>
+          <a:xfrm>
+            <a:off x="9245487" y="3745281"/>
+            <a:ext cx="325730" cy="461665"/>
+          </a:xfrm>
+          <a:prstGeom prst="rect">
+            <a:avLst/>
+          </a:prstGeom>
+          <a:noFill/>
+        </p:spPr>
+        <p:txBody>
+          <a:bodyPr wrap="none" rtlCol="0">
+            <a:spAutoFit/>
+          </a:bodyPr>
+          <a:lstStyle/>
+          <a:p>
+            <a:r>
+              <a:rPr lang="en-SG" sz="2400" dirty="0"/>
+              <a:t>S</a:t>
+            </a:r>
+          </a:p>
+        </p:txBody>
+      </p:sp>
+    </p:spTree>
+    <p:extLst>
+      <p:ext uri="{BB962C8B-B14F-4D97-AF65-F5344CB8AC3E}">
+        <p14:creationId xmlns:p14="http://schemas.microsoft.com/office/powerpoint/2010/main" val="427440850"/>
+      </p:ext>
+    </p:extLst>
+  </p:cSld>
+  <p:clrMapOvr>
+    <a:masterClrMapping/>
+  </p:clrMapOvr>
+</p:sld>
+</file>
+
+<file path=ppt/slides/slide33.xml><?xml version="1.0" encoding="utf-8"?>
+<p:sld xmlns:a="http://schemas.openxmlformats.org/drawingml/2006/main" xmlns:r="http://schemas.openxmlformats.org/officeDocument/2006/relationships" xmlns:p="http://schemas.openxmlformats.org/presentationml/2006/main">
+  <p:cSld>
+    <p:spTree>
+      <p:nvGrpSpPr>
+        <p:cNvPr id="1" name=""/>
+        <p:cNvGrpSpPr/>
+        <p:nvPr/>
+      </p:nvGrpSpPr>
+      <p:grpSpPr>
+        <a:xfrm>
+          <a:off x="0" y="0"/>
+          <a:ext cx="0" cy="0"/>
+          <a:chOff x="0" y="0"/>
+          <a:chExt cx="0" cy="0"/>
+        </a:xfrm>
+      </p:grpSpPr>
+      <p:sp>
+        <p:nvSpPr>
+          <p:cNvPr id="2" name="Oval 1">
+            <a:extLst>
+              <a:ext uri="{FF2B5EF4-FFF2-40B4-BE49-F238E27FC236}">
+                <a16:creationId xmlns:a16="http://schemas.microsoft.com/office/drawing/2014/main" id="{A66C693E-142E-4BED-A5D7-CCEB088AB712}"/>
+              </a:ext>
+            </a:extLst>
+          </p:cNvPr>
+          <p:cNvSpPr/>
+          <p:nvPr/>
+        </p:nvSpPr>
+        <p:spPr>
+          <a:xfrm>
+            <a:off x="4350866" y="1997900"/>
+            <a:ext cx="3494761" cy="3494761"/>
+          </a:xfrm>
+          <a:prstGeom prst="ellipse">
+            <a:avLst/>
+          </a:prstGeom>
+          <a:noFill/>
+        </p:spPr>
+        <p:style>
+          <a:lnRef idx="2">
+            <a:schemeClr val="dk1"/>
+          </a:lnRef>
+          <a:fillRef idx="1">
+            <a:schemeClr val="lt1"/>
+          </a:fillRef>
+          <a:effectRef idx="0">
+            <a:schemeClr val="dk1"/>
+          </a:effectRef>
+          <a:fontRef idx="minor">
+            <a:schemeClr val="dk1"/>
+          </a:fontRef>
+        </p:style>
+        <p:txBody>
+          <a:bodyPr rtlCol="0" anchor="ctr"/>
+          <a:lstStyle/>
+          <a:p>
+            <a:pPr algn="ctr"/>
+            <a:endParaRPr lang="en-SG"/>
+          </a:p>
+        </p:txBody>
+      </p:sp>
+      <p:cxnSp>
+        <p:nvCxnSpPr>
+          <p:cNvPr id="7" name="Straight Connector 6">
+            <a:extLst>
+              <a:ext uri="{FF2B5EF4-FFF2-40B4-BE49-F238E27FC236}">
+                <a16:creationId xmlns:a16="http://schemas.microsoft.com/office/drawing/2014/main" id="{D2366A9D-1F3E-449B-89CD-B91609A8BE09}"/>
+              </a:ext>
+            </a:extLst>
+          </p:cNvPr>
+          <p:cNvCxnSpPr>
+            <a:cxnSpLocks/>
+          </p:cNvCxnSpPr>
+          <p:nvPr/>
+        </p:nvCxnSpPr>
+        <p:spPr>
+          <a:xfrm flipV="1">
+            <a:off x="1536526" y="3745283"/>
+            <a:ext cx="8849638" cy="18788"/>
+          </a:xfrm>
+          <a:prstGeom prst="line">
+            <a:avLst/>
+          </a:prstGeom>
+          <a:ln w="19050">
+            <a:prstDash val="dash"/>
+          </a:ln>
+        </p:spPr>
+        <p:style>
+          <a:lnRef idx="1">
+            <a:schemeClr val="dk1"/>
+          </a:lnRef>
+          <a:fillRef idx="0">
+            <a:schemeClr val="dk1"/>
+          </a:fillRef>
+          <a:effectRef idx="0">
+            <a:schemeClr val="dk1"/>
+          </a:effectRef>
+          <a:fontRef idx="minor">
+            <a:schemeClr val="tx1"/>
+          </a:fontRef>
+        </p:style>
+      </p:cxnSp>
+      <p:cxnSp>
+        <p:nvCxnSpPr>
+          <p:cNvPr id="10" name="Straight Connector 9">
+            <a:extLst>
+              <a:ext uri="{FF2B5EF4-FFF2-40B4-BE49-F238E27FC236}">
+                <a16:creationId xmlns:a16="http://schemas.microsoft.com/office/drawing/2014/main" id="{240B1291-14E5-47E4-80F3-0FD05D1F8B85}"/>
+              </a:ext>
+            </a:extLst>
+          </p:cNvPr>
+          <p:cNvCxnSpPr>
+            <a:cxnSpLocks/>
+          </p:cNvCxnSpPr>
+          <p:nvPr/>
+        </p:nvCxnSpPr>
+        <p:spPr>
+          <a:xfrm flipV="1">
+            <a:off x="1536526" y="2874723"/>
+            <a:ext cx="3029211" cy="889350"/>
+          </a:xfrm>
+          <a:prstGeom prst="line">
+            <a:avLst/>
+          </a:prstGeom>
+          <a:ln w="19050"/>
+        </p:spPr>
+        <p:style>
+          <a:lnRef idx="1">
+            <a:schemeClr val="dk1"/>
+          </a:lnRef>
+          <a:fillRef idx="0">
+            <a:schemeClr val="dk1"/>
+          </a:fillRef>
+          <a:effectRef idx="0">
+            <a:schemeClr val="dk1"/>
+          </a:effectRef>
+          <a:fontRef idx="minor">
+            <a:schemeClr val="tx1"/>
+          </a:fontRef>
+        </p:style>
+      </p:cxnSp>
+      <p:cxnSp>
+        <p:nvCxnSpPr>
+          <p:cNvPr id="12" name="Straight Connector 11">
+            <a:extLst>
+              <a:ext uri="{FF2B5EF4-FFF2-40B4-BE49-F238E27FC236}">
+                <a16:creationId xmlns:a16="http://schemas.microsoft.com/office/drawing/2014/main" id="{9F46C067-B3A2-47CA-8DD5-F3CCC4F948E3}"/>
+              </a:ext>
+            </a:extLst>
+          </p:cNvPr>
+          <p:cNvCxnSpPr>
+            <a:cxnSpLocks/>
+          </p:cNvCxnSpPr>
+          <p:nvPr/>
+        </p:nvCxnSpPr>
+        <p:spPr>
+          <a:xfrm>
+            <a:off x="7159664" y="2866583"/>
+            <a:ext cx="1971810" cy="894175"/>
+          </a:xfrm>
+          <a:prstGeom prst="line">
+            <a:avLst/>
+          </a:prstGeom>
+          <a:ln w="19050"/>
+        </p:spPr>
+        <p:style>
+          <a:lnRef idx="1">
+            <a:schemeClr val="dk1"/>
+          </a:lnRef>
+          <a:fillRef idx="0">
+            <a:schemeClr val="dk1"/>
+          </a:fillRef>
+          <a:effectRef idx="0">
+            <a:schemeClr val="dk1"/>
+          </a:effectRef>
+          <a:fontRef idx="minor">
+            <a:schemeClr val="tx1"/>
+          </a:fontRef>
+        </p:style>
+      </p:cxnSp>
+      <p:cxnSp>
+        <p:nvCxnSpPr>
+          <p:cNvPr id="16" name="Straight Connector 15">
+            <a:extLst>
+              <a:ext uri="{FF2B5EF4-FFF2-40B4-BE49-F238E27FC236}">
+                <a16:creationId xmlns:a16="http://schemas.microsoft.com/office/drawing/2014/main" id="{EF9FB068-5634-41F2-983E-38C603B254C1}"/>
+              </a:ext>
+            </a:extLst>
+          </p:cNvPr>
+          <p:cNvCxnSpPr>
+            <a:cxnSpLocks/>
+          </p:cNvCxnSpPr>
+          <p:nvPr/>
+        </p:nvCxnSpPr>
+        <p:spPr>
+          <a:xfrm>
+            <a:off x="4562046" y="2874721"/>
+            <a:ext cx="1533954" cy="870561"/>
+          </a:xfrm>
+          <a:prstGeom prst="line">
+            <a:avLst/>
+          </a:prstGeom>
+          <a:ln w="19050">
+            <a:prstDash val="dash"/>
+          </a:ln>
+        </p:spPr>
+        <p:style>
+          <a:lnRef idx="1">
+            <a:schemeClr val="dk1"/>
+          </a:lnRef>
+          <a:fillRef idx="0">
+            <a:schemeClr val="dk1"/>
+          </a:fillRef>
+          <a:effectRef idx="0">
+            <a:schemeClr val="dk1"/>
+          </a:effectRef>
+          <a:fontRef idx="minor">
+            <a:schemeClr val="tx1"/>
+          </a:fontRef>
+        </p:style>
+      </p:cxnSp>
+      <mc:AlternateContent xmlns:mc="http://schemas.openxmlformats.org/markup-compatibility/2006" xmlns:a14="http://schemas.microsoft.com/office/drawing/2010/main">
+        <mc:Choice Requires="a14">
+          <p:sp>
+            <p:nvSpPr>
+              <p:cNvPr id="34" name="TextBox 33">
+                <a:extLst>
+                  <a:ext uri="{FF2B5EF4-FFF2-40B4-BE49-F238E27FC236}">
+                    <a16:creationId xmlns:a16="http://schemas.microsoft.com/office/drawing/2014/main" id="{172A9D9F-ADDE-4199-8D52-A3E9E9E93E49}"/>
+                  </a:ext>
+                </a:extLst>
+              </p:cNvPr>
+              <p:cNvSpPr txBox="1"/>
+              <p:nvPr/>
+            </p:nvSpPr>
+            <p:spPr>
+              <a:xfrm>
+                <a:off x="2984397" y="3237538"/>
+                <a:ext cx="488515" cy="523220"/>
+              </a:xfrm>
+              <a:prstGeom prst="rect">
+                <a:avLst/>
+              </a:prstGeom>
+              <a:noFill/>
+            </p:spPr>
+            <p:txBody>
+              <a:bodyPr wrap="square" rtlCol="0">
+                <a:spAutoFit/>
+              </a:bodyPr>
+              <a:lstStyle/>
+              <a:p>
+                <a:pPr/>
+                <a14:m>
+                  <m:oMathPara xmlns:m="http://schemas.openxmlformats.org/officeDocument/2006/math">
+                    <m:oMathParaPr>
+                      <m:jc m:val="centerGroup"/>
+                    </m:oMathParaPr>
+                    <m:oMath xmlns:m="http://schemas.openxmlformats.org/officeDocument/2006/math">
+                      <m:sSub>
+                        <m:sSubPr>
+                          <m:ctrlPr>
+                            <a:rPr lang="en-GB" sz="2800" b="0" i="1" smtClean="0">
+                              <a:latin typeface="Cambria Math" panose="02040503050406030204" pitchFamily="18" charset="0"/>
+                              <a:ea typeface="Cambria Math" panose="02040503050406030204" pitchFamily="18" charset="0"/>
+                            </a:rPr>
+                          </m:ctrlPr>
+                        </m:sSubPr>
+                        <m:e>
+                          <m:r>
+                            <a:rPr lang="en-SG" sz="2800" i="1" smtClean="0">
+                              <a:latin typeface="Cambria Math" panose="02040503050406030204" pitchFamily="18" charset="0"/>
+                              <a:ea typeface="Cambria Math" panose="02040503050406030204" pitchFamily="18" charset="0"/>
+                            </a:rPr>
+                            <m:t>𝜃</m:t>
+                          </m:r>
+                        </m:e>
+                        <m:sub>
+                          <m:r>
+                            <a:rPr lang="en-GB" sz="2800" b="0" i="1" smtClean="0">
+                              <a:latin typeface="Cambria Math" panose="02040503050406030204" pitchFamily="18" charset="0"/>
+                              <a:ea typeface="Cambria Math" panose="02040503050406030204" pitchFamily="18" charset="0"/>
+                            </a:rPr>
+                            <m:t>𝐸</m:t>
+                          </m:r>
+                        </m:sub>
+                      </m:sSub>
+                    </m:oMath>
+                  </m:oMathPara>
+                </a14:m>
+                <a:endParaRPr lang="en-SG" sz="2800" dirty="0"/>
+              </a:p>
+            </p:txBody>
+          </p:sp>
+        </mc:Choice>
+        <mc:Fallback xmlns="">
+          <p:sp>
+            <p:nvSpPr>
+              <p:cNvPr id="34" name="TextBox 33">
+                <a:extLst>
+                  <a:ext uri="{FF2B5EF4-FFF2-40B4-BE49-F238E27FC236}">
+                    <a16:creationId xmlns:a16="http://schemas.microsoft.com/office/drawing/2014/main" id="{172A9D9F-ADDE-4199-8D52-A3E9E9E93E49}"/>
+                  </a:ext>
+                </a:extLst>
+              </p:cNvPr>
+              <p:cNvSpPr txBox="1">
+                <a:spLocks noRot="1" noChangeAspect="1" noMove="1" noResize="1" noEditPoints="1" noAdjustHandles="1" noChangeArrowheads="1" noChangeShapeType="1" noTextEdit="1"/>
+              </p:cNvSpPr>
+              <p:nvPr/>
+            </p:nvSpPr>
+            <p:spPr>
+              <a:xfrm>
+                <a:off x="2984397" y="3237538"/>
+                <a:ext cx="488515" cy="523220"/>
+              </a:xfrm>
+              <a:prstGeom prst="rect">
+                <a:avLst/>
+              </a:prstGeom>
+              <a:blipFill>
+                <a:blip r:embed="rId2"/>
+                <a:stretch>
+                  <a:fillRect/>
+                </a:stretch>
+              </a:blipFill>
+            </p:spPr>
+            <p:txBody>
+              <a:bodyPr/>
+              <a:lstStyle/>
+              <a:p>
+                <a:r>
+                  <a:rPr lang="en-SG">
+                    <a:noFill/>
+                  </a:rPr>
+                  <a:t> </a:t>
+                </a:r>
+              </a:p>
+            </p:txBody>
+          </p:sp>
+        </mc:Fallback>
+      </mc:AlternateContent>
+      <p:sp>
+        <p:nvSpPr>
+          <p:cNvPr id="40" name="Oval 39">
+            <a:extLst>
+              <a:ext uri="{FF2B5EF4-FFF2-40B4-BE49-F238E27FC236}">
+                <a16:creationId xmlns:a16="http://schemas.microsoft.com/office/drawing/2014/main" id="{7E8AEE58-DD5A-4D18-A839-EB2498292061}"/>
+              </a:ext>
+            </a:extLst>
+          </p:cNvPr>
+          <p:cNvSpPr/>
+          <p:nvPr/>
+        </p:nvSpPr>
+        <p:spPr>
+          <a:xfrm>
+            <a:off x="6027107" y="3694817"/>
+            <a:ext cx="131883" cy="131883"/>
+          </a:xfrm>
+          <a:prstGeom prst="ellipse">
+            <a:avLst/>
+          </a:prstGeom>
+        </p:spPr>
+        <p:style>
+          <a:lnRef idx="2">
+            <a:schemeClr val="dk1">
+              <a:shade val="50000"/>
+            </a:schemeClr>
+          </a:lnRef>
+          <a:fillRef idx="1">
+            <a:schemeClr val="dk1"/>
+          </a:fillRef>
+          <a:effectRef idx="0">
+            <a:schemeClr val="dk1"/>
+          </a:effectRef>
+          <a:fontRef idx="minor">
+            <a:schemeClr val="lt1"/>
+          </a:fontRef>
+        </p:style>
+        <p:txBody>
+          <a:bodyPr rtlCol="0" anchor="ctr"/>
+          <a:lstStyle/>
+          <a:p>
+            <a:pPr algn="ctr"/>
+            <a:endParaRPr lang="en-SG" sz="2400"/>
+          </a:p>
+        </p:txBody>
+      </p:sp>
+      <p:sp>
+        <p:nvSpPr>
+          <p:cNvPr id="43" name="Freeform: Shape 42">
+            <a:extLst>
+              <a:ext uri="{FF2B5EF4-FFF2-40B4-BE49-F238E27FC236}">
+                <a16:creationId xmlns:a16="http://schemas.microsoft.com/office/drawing/2014/main" id="{DE2A8D6E-4EF3-41BE-9537-8126A1F0268F}"/>
+              </a:ext>
+            </a:extLst>
+          </p:cNvPr>
+          <p:cNvSpPr/>
+          <p:nvPr/>
+        </p:nvSpPr>
+        <p:spPr>
+          <a:xfrm rot="676057">
+            <a:off x="2754374" y="3427770"/>
+            <a:ext cx="115026" cy="318408"/>
+          </a:xfrm>
+          <a:custGeom>
+            <a:avLst/>
+            <a:gdLst>
+              <a:gd name="connsiteX0" fmla="*/ 0 w 132331"/>
+              <a:gd name="connsiteY0" fmla="*/ 0 h 400833"/>
+              <a:gd name="connsiteX1" fmla="*/ 112734 w 132331"/>
+              <a:gd name="connsiteY1" fmla="*/ 169102 h 400833"/>
+              <a:gd name="connsiteX2" fmla="*/ 131523 w 132331"/>
+              <a:gd name="connsiteY2" fmla="*/ 400833 h 400833"/>
+            </a:gdLst>
+            <a:ahLst/>
+            <a:cxnLst>
+              <a:cxn ang="0">
+                <a:pos x="connsiteX0" y="connsiteY0"/>
+              </a:cxn>
+              <a:cxn ang="0">
+                <a:pos x="connsiteX1" y="connsiteY1"/>
+              </a:cxn>
+              <a:cxn ang="0">
+                <a:pos x="connsiteX2" y="connsiteY2"/>
+              </a:cxn>
+            </a:cxnLst>
+            <a:rect l="l" t="t" r="r" b="b"/>
+            <a:pathLst>
+              <a:path w="132331" h="400833">
+                <a:moveTo>
+                  <a:pt x="0" y="0"/>
+                </a:moveTo>
+                <a:cubicBezTo>
+                  <a:pt x="45407" y="51148"/>
+                  <a:pt x="90814" y="102297"/>
+                  <a:pt x="112734" y="169102"/>
+                </a:cubicBezTo>
+                <a:cubicBezTo>
+                  <a:pt x="134654" y="235907"/>
+                  <a:pt x="133088" y="318370"/>
+                  <a:pt x="131523" y="400833"/>
+                </a:cubicBezTo>
+              </a:path>
+            </a:pathLst>
+          </a:custGeom>
+          <a:ln w="12700"/>
+        </p:spPr>
+        <p:style>
+          <a:lnRef idx="1">
+            <a:schemeClr val="dk1"/>
+          </a:lnRef>
+          <a:fillRef idx="0">
+            <a:schemeClr val="dk1"/>
+          </a:fillRef>
+          <a:effectRef idx="0">
+            <a:schemeClr val="dk1"/>
+          </a:effectRef>
+          <a:fontRef idx="minor">
+            <a:schemeClr val="tx1"/>
+          </a:fontRef>
+        </p:style>
+        <p:txBody>
+          <a:bodyPr rtlCol="0" anchor="ctr"/>
+          <a:lstStyle/>
+          <a:p>
+            <a:pPr algn="ctr"/>
+            <a:endParaRPr lang="en-SG" sz="2400"/>
+          </a:p>
+        </p:txBody>
+      </p:sp>
+      <p:sp>
+        <p:nvSpPr>
           <p:cNvPr id="3" name="TextBox 2">
             <a:extLst>
               <a:ext uri="{FF2B5EF4-FFF2-40B4-BE49-F238E27FC236}">
@@ -15694,8 +17186,8 @@
           </a:p>
         </p:txBody>
       </p:sp>
-      <mc:AlternateContent xmlns:mc="http://schemas.openxmlformats.org/markup-compatibility/2006">
-        <mc:Choice xmlns:a14="http://schemas.microsoft.com/office/drawing/2010/main" Requires="a14">
+      <mc:AlternateContent xmlns:mc="http://schemas.openxmlformats.org/markup-compatibility/2006" xmlns:a14="http://schemas.microsoft.com/office/drawing/2010/main">
+        <mc:Choice Requires="a14">
           <p:sp>
             <p:nvSpPr>
               <p:cNvPr id="30" name="TextBox 29">
@@ -15724,6 +17216,7 @@
               </a:bodyPr>
               <a:lstStyle/>
               <a:p>
+                <a:pPr/>
                 <a14:m>
                   <m:oMathPara xmlns:m="http://schemas.openxmlformats.org/officeDocument/2006/math">
                     <m:oMathParaPr>
@@ -15763,7 +17256,7 @@
             </p:txBody>
           </p:sp>
         </mc:Choice>
-        <mc:Fallback>
+        <mc:Fallback xmlns="">
           <p:sp>
             <p:nvSpPr>
               <p:cNvPr id="30" name="TextBox 29">
@@ -15808,8 +17301,8 @@
           </p:sp>
         </mc:Fallback>
       </mc:AlternateContent>
-      <mc:AlternateContent xmlns:mc="http://schemas.openxmlformats.org/markup-compatibility/2006">
-        <mc:Choice xmlns:a14="http://schemas.microsoft.com/office/drawing/2010/main" Requires="a14">
+      <mc:AlternateContent xmlns:mc="http://schemas.openxmlformats.org/markup-compatibility/2006" xmlns:a14="http://schemas.microsoft.com/office/drawing/2010/main">
+        <mc:Choice Requires="a14">
           <p:sp>
             <p:nvSpPr>
               <p:cNvPr id="50" name="TextBox 49">
@@ -15838,6 +17331,7 @@
               </a:bodyPr>
               <a:lstStyle/>
               <a:p>
+                <a:pPr/>
                 <a14:m>
                   <m:oMathPara xmlns:m="http://schemas.openxmlformats.org/officeDocument/2006/math">
                     <m:oMathParaPr>
@@ -15877,7 +17371,7 @@
             </p:txBody>
           </p:sp>
         </mc:Choice>
-        <mc:Fallback>
+        <mc:Fallback xmlns="">
           <p:sp>
             <p:nvSpPr>
               <p:cNvPr id="50" name="TextBox 49">
@@ -16090,6 +17584,725 @@
     <p:extLst>
       <p:ext uri="{BB962C8B-B14F-4D97-AF65-F5344CB8AC3E}">
         <p14:creationId xmlns:p14="http://schemas.microsoft.com/office/powerpoint/2010/main" val="650106375"/>
+      </p:ext>
+    </p:extLst>
+  </p:cSld>
+  <p:clrMapOvr>
+    <a:masterClrMapping/>
+  </p:clrMapOvr>
+</p:sld>
+</file>
+
+<file path=ppt/slides/slide34.xml><?xml version="1.0" encoding="utf-8"?>
+<p:sld xmlns:a="http://schemas.openxmlformats.org/drawingml/2006/main" xmlns:r="http://schemas.openxmlformats.org/officeDocument/2006/relationships" xmlns:p="http://schemas.openxmlformats.org/presentationml/2006/main">
+  <p:cSld>
+    <p:spTree>
+      <p:nvGrpSpPr>
+        <p:cNvPr id="1" name=""/>
+        <p:cNvGrpSpPr/>
+        <p:nvPr/>
+      </p:nvGrpSpPr>
+      <p:grpSpPr>
+        <a:xfrm>
+          <a:off x="0" y="0"/>
+          <a:ext cx="0" cy="0"/>
+          <a:chOff x="0" y="0"/>
+          <a:chExt cx="0" cy="0"/>
+        </a:xfrm>
+      </p:grpSpPr>
+      <p:cxnSp>
+        <p:nvCxnSpPr>
+          <p:cNvPr id="7" name="Straight Connector 6">
+            <a:extLst>
+              <a:ext uri="{FF2B5EF4-FFF2-40B4-BE49-F238E27FC236}">
+                <a16:creationId xmlns:a16="http://schemas.microsoft.com/office/drawing/2014/main" id="{D2366A9D-1F3E-449B-89CD-B91609A8BE09}"/>
+              </a:ext>
+            </a:extLst>
+          </p:cNvPr>
+          <p:cNvCxnSpPr>
+            <a:cxnSpLocks/>
+          </p:cNvCxnSpPr>
+          <p:nvPr/>
+        </p:nvCxnSpPr>
+        <p:spPr>
+          <a:xfrm flipV="1">
+            <a:off x="1536526" y="3754347"/>
+            <a:ext cx="3029211" cy="9724"/>
+          </a:xfrm>
+          <a:prstGeom prst="line">
+            <a:avLst/>
+          </a:prstGeom>
+          <a:ln w="19050">
+            <a:prstDash val="dash"/>
+          </a:ln>
+        </p:spPr>
+        <p:style>
+          <a:lnRef idx="1">
+            <a:schemeClr val="dk1"/>
+          </a:lnRef>
+          <a:fillRef idx="0">
+            <a:schemeClr val="dk1"/>
+          </a:fillRef>
+          <a:effectRef idx="0">
+            <a:schemeClr val="dk1"/>
+          </a:effectRef>
+          <a:fontRef idx="minor">
+            <a:schemeClr val="tx1"/>
+          </a:fontRef>
+        </p:style>
+      </p:cxnSp>
+      <p:cxnSp>
+        <p:nvCxnSpPr>
+          <p:cNvPr id="10" name="Straight Connector 9">
+            <a:extLst>
+              <a:ext uri="{FF2B5EF4-FFF2-40B4-BE49-F238E27FC236}">
+                <a16:creationId xmlns:a16="http://schemas.microsoft.com/office/drawing/2014/main" id="{240B1291-14E5-47E4-80F3-0FD05D1F8B85}"/>
+              </a:ext>
+            </a:extLst>
+          </p:cNvPr>
+          <p:cNvCxnSpPr>
+            <a:cxnSpLocks/>
+          </p:cNvCxnSpPr>
+          <p:nvPr/>
+        </p:nvCxnSpPr>
+        <p:spPr>
+          <a:xfrm flipV="1">
+            <a:off x="1536526" y="2874723"/>
+            <a:ext cx="3029211" cy="889350"/>
+          </a:xfrm>
+          <a:prstGeom prst="line">
+            <a:avLst/>
+          </a:prstGeom>
+          <a:ln w="19050"/>
+        </p:spPr>
+        <p:style>
+          <a:lnRef idx="1">
+            <a:schemeClr val="dk1"/>
+          </a:lnRef>
+          <a:fillRef idx="0">
+            <a:schemeClr val="dk1"/>
+          </a:fillRef>
+          <a:effectRef idx="0">
+            <a:schemeClr val="dk1"/>
+          </a:effectRef>
+          <a:fontRef idx="minor">
+            <a:schemeClr val="tx1"/>
+          </a:fontRef>
+        </p:style>
+      </p:cxnSp>
+      <mc:AlternateContent xmlns:mc="http://schemas.openxmlformats.org/markup-compatibility/2006">
+        <mc:Choice xmlns:a14="http://schemas.microsoft.com/office/drawing/2010/main" Requires="a14">
+          <p:sp>
+            <p:nvSpPr>
+              <p:cNvPr id="34" name="TextBox 33">
+                <a:extLst>
+                  <a:ext uri="{FF2B5EF4-FFF2-40B4-BE49-F238E27FC236}">
+                    <a16:creationId xmlns:a16="http://schemas.microsoft.com/office/drawing/2014/main" id="{172A9D9F-ADDE-4199-8D52-A3E9E9E93E49}"/>
+                  </a:ext>
+                </a:extLst>
+              </p:cNvPr>
+              <p:cNvSpPr txBox="1"/>
+              <p:nvPr/>
+            </p:nvSpPr>
+            <p:spPr>
+              <a:xfrm>
+                <a:off x="2984397" y="3237538"/>
+                <a:ext cx="488515" cy="461665"/>
+              </a:xfrm>
+              <a:prstGeom prst="rect">
+                <a:avLst/>
+              </a:prstGeom>
+              <a:noFill/>
+            </p:spPr>
+            <p:txBody>
+              <a:bodyPr wrap="square" rtlCol="0">
+                <a:spAutoFit/>
+              </a:bodyPr>
+              <a:lstStyle/>
+              <a:p>
+                <a:pPr/>
+                <a14:m>
+                  <m:oMathPara xmlns:m="http://schemas.openxmlformats.org/officeDocument/2006/math">
+                    <m:oMathParaPr>
+                      <m:jc m:val="centerGroup"/>
+                    </m:oMathParaPr>
+                    <m:oMath xmlns:m="http://schemas.openxmlformats.org/officeDocument/2006/math">
+                      <m:sSub>
+                        <m:sSubPr>
+                          <m:ctrlPr>
+                            <a:rPr lang="en-GB" sz="2400" b="0" i="1" smtClean="0">
+                              <a:latin typeface="Cambria Math" panose="02040503050406030204" pitchFamily="18" charset="0"/>
+                              <a:ea typeface="Cambria Math" panose="02040503050406030204" pitchFamily="18" charset="0"/>
+                            </a:rPr>
+                          </m:ctrlPr>
+                        </m:sSubPr>
+                        <m:e>
+                          <m:r>
+                            <a:rPr lang="en-SG" sz="2400" i="1" smtClean="0">
+                              <a:latin typeface="Cambria Math" panose="02040503050406030204" pitchFamily="18" charset="0"/>
+                              <a:ea typeface="Cambria Math" panose="02040503050406030204" pitchFamily="18" charset="0"/>
+                            </a:rPr>
+                            <m:t>𝜃</m:t>
+                          </m:r>
+                        </m:e>
+                        <m:sub>
+                          <m:r>
+                            <a:rPr lang="en-GB" sz="2400" b="0" i="1" smtClean="0">
+                              <a:latin typeface="Cambria Math" panose="02040503050406030204" pitchFamily="18" charset="0"/>
+                              <a:ea typeface="Cambria Math" panose="02040503050406030204" pitchFamily="18" charset="0"/>
+                            </a:rPr>
+                            <m:t>𝐸</m:t>
+                          </m:r>
+                        </m:sub>
+                      </m:sSub>
+                    </m:oMath>
+                  </m:oMathPara>
+                </a14:m>
+                <a:endParaRPr lang="en-SG" sz="2800" dirty="0"/>
+              </a:p>
+            </p:txBody>
+          </p:sp>
+        </mc:Choice>
+        <mc:Fallback>
+          <p:sp>
+            <p:nvSpPr>
+              <p:cNvPr id="34" name="TextBox 33">
+                <a:extLst>
+                  <a:ext uri="{FF2B5EF4-FFF2-40B4-BE49-F238E27FC236}">
+                    <a16:creationId xmlns:a16="http://schemas.microsoft.com/office/drawing/2014/main" id="{172A9D9F-ADDE-4199-8D52-A3E9E9E93E49}"/>
+                  </a:ext>
+                </a:extLst>
+              </p:cNvPr>
+              <p:cNvSpPr txBox="1">
+                <a:spLocks noRot="1" noChangeAspect="1" noMove="1" noResize="1" noEditPoints="1" noAdjustHandles="1" noChangeArrowheads="1" noChangeShapeType="1" noTextEdit="1"/>
+              </p:cNvSpPr>
+              <p:nvPr/>
+            </p:nvSpPr>
+            <p:spPr>
+              <a:xfrm>
+                <a:off x="2984397" y="3237538"/>
+                <a:ext cx="488515" cy="461665"/>
+              </a:xfrm>
+              <a:prstGeom prst="rect">
+                <a:avLst/>
+              </a:prstGeom>
+              <a:blipFill>
+                <a:blip r:embed="rId2"/>
+                <a:stretch>
+                  <a:fillRect l="-3750" b="-1316"/>
+                </a:stretch>
+              </a:blipFill>
+            </p:spPr>
+            <p:txBody>
+              <a:bodyPr/>
+              <a:lstStyle/>
+              <a:p>
+                <a:r>
+                  <a:rPr lang="en-SG">
+                    <a:noFill/>
+                  </a:rPr>
+                  <a:t> </a:t>
+                </a:r>
+              </a:p>
+            </p:txBody>
+          </p:sp>
+        </mc:Fallback>
+      </mc:AlternateContent>
+      <p:sp>
+        <p:nvSpPr>
+          <p:cNvPr id="43" name="Freeform: Shape 42">
+            <a:extLst>
+              <a:ext uri="{FF2B5EF4-FFF2-40B4-BE49-F238E27FC236}">
+                <a16:creationId xmlns:a16="http://schemas.microsoft.com/office/drawing/2014/main" id="{DE2A8D6E-4EF3-41BE-9537-8126A1F0268F}"/>
+              </a:ext>
+            </a:extLst>
+          </p:cNvPr>
+          <p:cNvSpPr/>
+          <p:nvPr/>
+        </p:nvSpPr>
+        <p:spPr>
+          <a:xfrm rot="676057">
+            <a:off x="2754374" y="3427770"/>
+            <a:ext cx="115026" cy="318408"/>
+          </a:xfrm>
+          <a:custGeom>
+            <a:avLst/>
+            <a:gdLst>
+              <a:gd name="connsiteX0" fmla="*/ 0 w 132331"/>
+              <a:gd name="connsiteY0" fmla="*/ 0 h 400833"/>
+              <a:gd name="connsiteX1" fmla="*/ 112734 w 132331"/>
+              <a:gd name="connsiteY1" fmla="*/ 169102 h 400833"/>
+              <a:gd name="connsiteX2" fmla="*/ 131523 w 132331"/>
+              <a:gd name="connsiteY2" fmla="*/ 400833 h 400833"/>
+            </a:gdLst>
+            <a:ahLst/>
+            <a:cxnLst>
+              <a:cxn ang="0">
+                <a:pos x="connsiteX0" y="connsiteY0"/>
+              </a:cxn>
+              <a:cxn ang="0">
+                <a:pos x="connsiteX1" y="connsiteY1"/>
+              </a:cxn>
+              <a:cxn ang="0">
+                <a:pos x="connsiteX2" y="connsiteY2"/>
+              </a:cxn>
+            </a:cxnLst>
+            <a:rect l="l" t="t" r="r" b="b"/>
+            <a:pathLst>
+              <a:path w="132331" h="400833">
+                <a:moveTo>
+                  <a:pt x="0" y="0"/>
+                </a:moveTo>
+                <a:cubicBezTo>
+                  <a:pt x="45407" y="51148"/>
+                  <a:pt x="90814" y="102297"/>
+                  <a:pt x="112734" y="169102"/>
+                </a:cubicBezTo>
+                <a:cubicBezTo>
+                  <a:pt x="134654" y="235907"/>
+                  <a:pt x="133088" y="318370"/>
+                  <a:pt x="131523" y="400833"/>
+                </a:cubicBezTo>
+              </a:path>
+            </a:pathLst>
+          </a:custGeom>
+          <a:ln w="12700"/>
+        </p:spPr>
+        <p:style>
+          <a:lnRef idx="1">
+            <a:schemeClr val="dk1"/>
+          </a:lnRef>
+          <a:fillRef idx="0">
+            <a:schemeClr val="dk1"/>
+          </a:fillRef>
+          <a:effectRef idx="0">
+            <a:schemeClr val="dk1"/>
+          </a:effectRef>
+          <a:fontRef idx="minor">
+            <a:schemeClr val="tx1"/>
+          </a:fontRef>
+        </p:style>
+        <p:txBody>
+          <a:bodyPr rtlCol="0" anchor="ctr"/>
+          <a:lstStyle/>
+          <a:p>
+            <a:pPr algn="ctr"/>
+            <a:endParaRPr lang="en-SG" sz="2400"/>
+          </a:p>
+        </p:txBody>
+      </p:sp>
+      <p:cxnSp>
+        <p:nvCxnSpPr>
+          <p:cNvPr id="24" name="Straight Arrow Connector 23">
+            <a:extLst>
+              <a:ext uri="{FF2B5EF4-FFF2-40B4-BE49-F238E27FC236}">
+                <a16:creationId xmlns:a16="http://schemas.microsoft.com/office/drawing/2014/main" id="{EECED7DD-3F63-4D22-BCC9-C774CB40E564}"/>
+              </a:ext>
+            </a:extLst>
+          </p:cNvPr>
+          <p:cNvCxnSpPr>
+            <a:cxnSpLocks/>
+          </p:cNvCxnSpPr>
+          <p:nvPr/>
+        </p:nvCxnSpPr>
+        <p:spPr>
+          <a:xfrm>
+            <a:off x="1536526" y="3977014"/>
+            <a:ext cx="3029211" cy="0"/>
+          </a:xfrm>
+          <a:prstGeom prst="straightConnector1">
+            <a:avLst/>
+          </a:prstGeom>
+          <a:ln w="19050">
+            <a:headEnd type="triangle" w="lg" len="lg"/>
+            <a:tailEnd type="triangle" w="lg" len="lg"/>
+          </a:ln>
+        </p:spPr>
+        <p:style>
+          <a:lnRef idx="1">
+            <a:schemeClr val="dk1"/>
+          </a:lnRef>
+          <a:fillRef idx="0">
+            <a:schemeClr val="dk1"/>
+          </a:fillRef>
+          <a:effectRef idx="0">
+            <a:schemeClr val="dk1"/>
+          </a:effectRef>
+          <a:fontRef idx="minor">
+            <a:schemeClr val="tx1"/>
+          </a:fontRef>
+        </p:style>
+      </p:cxnSp>
+      <p:cxnSp>
+        <p:nvCxnSpPr>
+          <p:cNvPr id="8" name="Straight Connector 7">
+            <a:extLst>
+              <a:ext uri="{FF2B5EF4-FFF2-40B4-BE49-F238E27FC236}">
+                <a16:creationId xmlns:a16="http://schemas.microsoft.com/office/drawing/2014/main" id="{110ABD26-6723-4871-81F5-3608FE1D10AF}"/>
+              </a:ext>
+            </a:extLst>
+          </p:cNvPr>
+          <p:cNvCxnSpPr/>
+          <p:nvPr/>
+        </p:nvCxnSpPr>
+        <p:spPr>
+          <a:xfrm>
+            <a:off x="4565737" y="2874723"/>
+            <a:ext cx="0" cy="886035"/>
+          </a:xfrm>
+          <a:prstGeom prst="line">
+            <a:avLst/>
+          </a:prstGeom>
+          <a:ln w="19050">
+            <a:prstDash val="dash"/>
+          </a:ln>
+        </p:spPr>
+        <p:style>
+          <a:lnRef idx="1">
+            <a:schemeClr val="dk1"/>
+          </a:lnRef>
+          <a:fillRef idx="0">
+            <a:schemeClr val="dk1"/>
+          </a:fillRef>
+          <a:effectRef idx="0">
+            <a:schemeClr val="dk1"/>
+          </a:effectRef>
+          <a:fontRef idx="minor">
+            <a:schemeClr val="tx1"/>
+          </a:fontRef>
+        </p:style>
+      </p:cxnSp>
+      <p:cxnSp>
+        <p:nvCxnSpPr>
+          <p:cNvPr id="31" name="Straight Arrow Connector 30">
+            <a:extLst>
+              <a:ext uri="{FF2B5EF4-FFF2-40B4-BE49-F238E27FC236}">
+                <a16:creationId xmlns:a16="http://schemas.microsoft.com/office/drawing/2014/main" id="{6FF39002-C538-4150-A57D-E88D8BC9C6C2}"/>
+              </a:ext>
+            </a:extLst>
+          </p:cNvPr>
+          <p:cNvCxnSpPr>
+            <a:cxnSpLocks/>
+          </p:cNvCxnSpPr>
+          <p:nvPr/>
+        </p:nvCxnSpPr>
+        <p:spPr>
+          <a:xfrm>
+            <a:off x="4764065" y="2841751"/>
+            <a:ext cx="0" cy="886035"/>
+          </a:xfrm>
+          <a:prstGeom prst="straightConnector1">
+            <a:avLst/>
+          </a:prstGeom>
+          <a:ln w="19050">
+            <a:headEnd type="triangle" w="lg" len="lg"/>
+            <a:tailEnd type="triangle" w="lg" len="lg"/>
+          </a:ln>
+        </p:spPr>
+        <p:style>
+          <a:lnRef idx="1">
+            <a:schemeClr val="dk1"/>
+          </a:lnRef>
+          <a:fillRef idx="0">
+            <a:schemeClr val="dk1"/>
+          </a:fillRef>
+          <a:effectRef idx="0">
+            <a:schemeClr val="dk1"/>
+          </a:effectRef>
+          <a:fontRef idx="minor">
+            <a:schemeClr val="tx1"/>
+          </a:fontRef>
+        </p:style>
+      </p:cxnSp>
+      <mc:AlternateContent xmlns:mc="http://schemas.openxmlformats.org/markup-compatibility/2006">
+        <mc:Choice xmlns:a14="http://schemas.microsoft.com/office/drawing/2010/main" Requires="a14">
+          <p:sp>
+            <p:nvSpPr>
+              <p:cNvPr id="20" name="TextBox 19">
+                <a:extLst>
+                  <a:ext uri="{FF2B5EF4-FFF2-40B4-BE49-F238E27FC236}">
+                    <a16:creationId xmlns:a16="http://schemas.microsoft.com/office/drawing/2014/main" id="{2EFC30A4-0931-44AB-B953-4B3960CC572C}"/>
+                  </a:ext>
+                </a:extLst>
+              </p:cNvPr>
+              <p:cNvSpPr txBox="1"/>
+              <p:nvPr/>
+            </p:nvSpPr>
+            <p:spPr>
+              <a:xfrm>
+                <a:off x="2520864" y="4135949"/>
+                <a:ext cx="1205629" cy="616259"/>
+              </a:xfrm>
+              <a:prstGeom prst="rect">
+                <a:avLst/>
+              </a:prstGeom>
+              <a:noFill/>
+            </p:spPr>
+            <p:txBody>
+              <a:bodyPr wrap="square" lIns="0" tIns="0" rIns="0" bIns="0" rtlCol="0">
+                <a:spAutoFit/>
+              </a:bodyPr>
+              <a:lstStyle/>
+              <a:p>
+                <a14:m>
+                  <m:oMathPara xmlns:m="http://schemas.openxmlformats.org/officeDocument/2006/math">
+                    <m:oMathParaPr>
+                      <m:jc m:val="centerGroup"/>
+                    </m:oMathParaPr>
+                    <m:oMath xmlns:m="http://schemas.openxmlformats.org/officeDocument/2006/math">
+                      <m:d>
+                        <m:dPr>
+                          <m:begChr m:val="|"/>
+                          <m:endChr m:val="|"/>
+                          <m:ctrlPr>
+                            <a:rPr lang="en-SG" i="1" smtClean="0">
+                              <a:latin typeface="Cambria Math" panose="02040503050406030204" pitchFamily="18" charset="0"/>
+                            </a:rPr>
+                          </m:ctrlPr>
+                        </m:dPr>
+                        <m:e>
+                          <m:f>
+                            <m:fPr>
+                              <m:ctrlPr>
+                                <a:rPr lang="en-SG" i="1" smtClean="0">
+                                  <a:latin typeface="Cambria Math" panose="02040503050406030204" pitchFamily="18" charset="0"/>
+                                </a:rPr>
+                              </m:ctrlPr>
+                            </m:fPr>
+                            <m:num>
+                              <m:r>
+                                <a:rPr lang="en-SG" b="0" i="1" smtClean="0">
+                                  <a:latin typeface="Cambria Math" panose="02040503050406030204" pitchFamily="18" charset="0"/>
+                                </a:rPr>
+                                <m:t>𝑑𝑟</m:t>
+                              </m:r>
+                            </m:num>
+                            <m:den>
+                              <m:rad>
+                                <m:radPr>
+                                  <m:degHide m:val="on"/>
+                                  <m:ctrlPr>
+                                    <a:rPr lang="en-SG" i="1" smtClean="0">
+                                      <a:latin typeface="Cambria Math" panose="02040503050406030204" pitchFamily="18" charset="0"/>
+                                    </a:rPr>
+                                  </m:ctrlPr>
+                                </m:radPr>
+                                <m:deg/>
+                                <m:e>
+                                  <m:r>
+                                    <a:rPr lang="en-SG" b="0" i="1" smtClean="0">
+                                      <a:latin typeface="Cambria Math" panose="02040503050406030204" pitchFamily="18" charset="0"/>
+                                    </a:rPr>
+                                    <m:t>1−</m:t>
+                                  </m:r>
+                                  <m:r>
+                                    <a:rPr lang="en-SG" b="0" i="1" smtClean="0">
+                                      <a:latin typeface="Cambria Math" panose="02040503050406030204" pitchFamily="18" charset="0"/>
+                                    </a:rPr>
+                                    <m:t>𝑘</m:t>
+                                  </m:r>
+                                  <m:sSup>
+                                    <m:sSupPr>
+                                      <m:ctrlPr>
+                                        <a:rPr lang="en-SG" b="0" i="1" smtClean="0">
+                                          <a:latin typeface="Cambria Math" panose="02040503050406030204" pitchFamily="18" charset="0"/>
+                                        </a:rPr>
+                                      </m:ctrlPr>
+                                    </m:sSupPr>
+                                    <m:e>
+                                      <m:r>
+                                        <a:rPr lang="en-SG" b="0" i="1" smtClean="0">
+                                          <a:latin typeface="Cambria Math" panose="02040503050406030204" pitchFamily="18" charset="0"/>
+                                        </a:rPr>
+                                        <m:t>𝑟</m:t>
+                                      </m:r>
+                                    </m:e>
+                                    <m:sup>
+                                      <m:r>
+                                        <a:rPr lang="en-SG" b="0" i="1" smtClean="0">
+                                          <a:latin typeface="Cambria Math" panose="02040503050406030204" pitchFamily="18" charset="0"/>
+                                        </a:rPr>
+                                        <m:t>2</m:t>
+                                      </m:r>
+                                    </m:sup>
+                                  </m:sSup>
+                                </m:e>
+                              </m:rad>
+                            </m:den>
+                          </m:f>
+                        </m:e>
+                      </m:d>
+                    </m:oMath>
+                  </m:oMathPara>
+                </a14:m>
+                <a:endParaRPr lang="en-SG" dirty="0"/>
+              </a:p>
+            </p:txBody>
+          </p:sp>
+        </mc:Choice>
+        <mc:Fallback>
+          <p:sp>
+            <p:nvSpPr>
+              <p:cNvPr id="20" name="TextBox 19">
+                <a:extLst>
+                  <a:ext uri="{FF2B5EF4-FFF2-40B4-BE49-F238E27FC236}">
+                    <a16:creationId xmlns:a16="http://schemas.microsoft.com/office/drawing/2014/main" id="{2EFC30A4-0931-44AB-B953-4B3960CC572C}"/>
+                  </a:ext>
+                </a:extLst>
+              </p:cNvPr>
+              <p:cNvSpPr txBox="1">
+                <a:spLocks noRot="1" noChangeAspect="1" noMove="1" noResize="1" noEditPoints="1" noAdjustHandles="1" noChangeArrowheads="1" noChangeShapeType="1" noTextEdit="1"/>
+              </p:cNvSpPr>
+              <p:nvPr/>
+            </p:nvSpPr>
+            <p:spPr>
+              <a:xfrm>
+                <a:off x="2520864" y="4135949"/>
+                <a:ext cx="1205629" cy="616259"/>
+              </a:xfrm>
+              <a:prstGeom prst="rect">
+                <a:avLst/>
+              </a:prstGeom>
+              <a:blipFill>
+                <a:blip r:embed="rId3"/>
+                <a:stretch>
+                  <a:fillRect/>
+                </a:stretch>
+              </a:blipFill>
+            </p:spPr>
+            <p:txBody>
+              <a:bodyPr/>
+              <a:lstStyle/>
+              <a:p>
+                <a:r>
+                  <a:rPr lang="en-SG">
+                    <a:noFill/>
+                  </a:rPr>
+                  <a:t> </a:t>
+                </a:r>
+              </a:p>
+            </p:txBody>
+          </p:sp>
+        </mc:Fallback>
+      </mc:AlternateContent>
+      <mc:AlternateContent xmlns:mc="http://schemas.openxmlformats.org/markup-compatibility/2006">
+        <mc:Choice xmlns:a14="http://schemas.microsoft.com/office/drawing/2010/main" Requires="a14">
+          <p:sp>
+            <p:nvSpPr>
+              <p:cNvPr id="37" name="TextBox 36">
+                <a:extLst>
+                  <a:ext uri="{FF2B5EF4-FFF2-40B4-BE49-F238E27FC236}">
+                    <a16:creationId xmlns:a16="http://schemas.microsoft.com/office/drawing/2014/main" id="{AA10F558-AB7F-4BD7-BC6F-9DE18CAD1FD5}"/>
+                  </a:ext>
+                </a:extLst>
+              </p:cNvPr>
+              <p:cNvSpPr txBox="1"/>
+              <p:nvPr/>
+            </p:nvSpPr>
+            <p:spPr>
+              <a:xfrm>
+                <a:off x="4650735" y="3179240"/>
+                <a:ext cx="1205629" cy="307777"/>
+              </a:xfrm>
+              <a:prstGeom prst="rect">
+                <a:avLst/>
+              </a:prstGeom>
+              <a:noFill/>
+            </p:spPr>
+            <p:txBody>
+              <a:bodyPr wrap="square" lIns="0" tIns="0" rIns="0" bIns="0" rtlCol="0">
+                <a:spAutoFit/>
+              </a:bodyPr>
+              <a:lstStyle/>
+              <a:p>
+                <a14:m>
+                  <m:oMathPara xmlns:m="http://schemas.openxmlformats.org/officeDocument/2006/math">
+                    <m:oMathParaPr>
+                      <m:jc m:val="centerGroup"/>
+                    </m:oMathParaPr>
+                    <m:oMath xmlns:m="http://schemas.openxmlformats.org/officeDocument/2006/math">
+                      <m:d>
+                        <m:dPr>
+                          <m:begChr m:val="|"/>
+                          <m:endChr m:val="|"/>
+                          <m:ctrlPr>
+                            <a:rPr lang="en-SG" sz="2000" i="1" smtClean="0">
+                              <a:latin typeface="Cambria Math" panose="02040503050406030204" pitchFamily="18" charset="0"/>
+                            </a:rPr>
+                          </m:ctrlPr>
+                        </m:dPr>
+                        <m:e>
+                          <m:r>
+                            <a:rPr lang="en-SG" sz="2000" b="0" i="1" smtClean="0">
+                              <a:latin typeface="Cambria Math" panose="02040503050406030204" pitchFamily="18" charset="0"/>
+                            </a:rPr>
+                            <m:t>𝑟𝑑</m:t>
+                          </m:r>
+                          <m:r>
+                            <a:rPr lang="en-SG" sz="2000" b="0" i="1" smtClean="0">
+                              <a:latin typeface="Cambria Math" panose="02040503050406030204" pitchFamily="18" charset="0"/>
+                            </a:rPr>
+                            <m:t>𝜙</m:t>
+                          </m:r>
+                        </m:e>
+                      </m:d>
+                    </m:oMath>
+                  </m:oMathPara>
+                </a14:m>
+                <a:endParaRPr lang="en-SG" dirty="0"/>
+              </a:p>
+            </p:txBody>
+          </p:sp>
+        </mc:Choice>
+        <mc:Fallback>
+          <p:sp>
+            <p:nvSpPr>
+              <p:cNvPr id="37" name="TextBox 36">
+                <a:extLst>
+                  <a:ext uri="{FF2B5EF4-FFF2-40B4-BE49-F238E27FC236}">
+                    <a16:creationId xmlns:a16="http://schemas.microsoft.com/office/drawing/2014/main" id="{AA10F558-AB7F-4BD7-BC6F-9DE18CAD1FD5}"/>
+                  </a:ext>
+                </a:extLst>
+              </p:cNvPr>
+              <p:cNvSpPr txBox="1">
+                <a:spLocks noRot="1" noChangeAspect="1" noMove="1" noResize="1" noEditPoints="1" noAdjustHandles="1" noChangeArrowheads="1" noChangeShapeType="1" noTextEdit="1"/>
+              </p:cNvSpPr>
+              <p:nvPr/>
+            </p:nvSpPr>
+            <p:spPr>
+              <a:xfrm>
+                <a:off x="4650735" y="3179240"/>
+                <a:ext cx="1205629" cy="307777"/>
+              </a:xfrm>
+              <a:prstGeom prst="rect">
+                <a:avLst/>
+              </a:prstGeom>
+              <a:blipFill>
+                <a:blip r:embed="rId4"/>
+                <a:stretch>
+                  <a:fillRect b="-34000"/>
+                </a:stretch>
+              </a:blipFill>
+            </p:spPr>
+            <p:txBody>
+              <a:bodyPr/>
+              <a:lstStyle/>
+              <a:p>
+                <a:r>
+                  <a:rPr lang="en-SG">
+                    <a:noFill/>
+                  </a:rPr>
+                  <a:t> </a:t>
+                </a:r>
+              </a:p>
+            </p:txBody>
+          </p:sp>
+        </mc:Fallback>
+      </mc:AlternateContent>
+    </p:spTree>
+    <p:extLst>
+      <p:ext uri="{BB962C8B-B14F-4D97-AF65-F5344CB8AC3E}">
+        <p14:creationId xmlns:p14="http://schemas.microsoft.com/office/powerpoint/2010/main" val="4089404815"/>
       </p:ext>
     </p:extLst>
   </p:cSld>
